--- a/resources/job_results2.pptx
+++ b/resources/job_results2.pptx
@@ -5,7 +5,7 @@
     <p:sldMasterId id="2147483648" r:id="rId1"/>
   </p:sldMasterIdLst>
   <p:notesMasterIdLst>
-    <p:notesMasterId r:id="rId18"/>
+    <p:notesMasterId r:id="rId29"/>
   </p:notesMasterIdLst>
   <p:sldIdLst>
     <p:sldId id="510" r:id="rId2"/>
@@ -14,16 +14,27 @@
     <p:sldId id="521" r:id="rId5"/>
     <p:sldId id="520" r:id="rId6"/>
     <p:sldId id="513" r:id="rId7"/>
-    <p:sldId id="530" r:id="rId8"/>
-    <p:sldId id="529" r:id="rId9"/>
-    <p:sldId id="532" r:id="rId10"/>
-    <p:sldId id="535" r:id="rId11"/>
-    <p:sldId id="531" r:id="rId12"/>
-    <p:sldId id="526" r:id="rId13"/>
-    <p:sldId id="533" r:id="rId14"/>
-    <p:sldId id="534" r:id="rId15"/>
-    <p:sldId id="536" r:id="rId16"/>
-    <p:sldId id="537" r:id="rId17"/>
+    <p:sldId id="538" r:id="rId8"/>
+    <p:sldId id="539" r:id="rId9"/>
+    <p:sldId id="540" r:id="rId10"/>
+    <p:sldId id="537" r:id="rId11"/>
+    <p:sldId id="542" r:id="rId12"/>
+    <p:sldId id="543" r:id="rId13"/>
+    <p:sldId id="541" r:id="rId14"/>
+    <p:sldId id="544" r:id="rId15"/>
+    <p:sldId id="545" r:id="rId16"/>
+    <p:sldId id="530" r:id="rId17"/>
+    <p:sldId id="535" r:id="rId18"/>
+    <p:sldId id="555" r:id="rId19"/>
+    <p:sldId id="531" r:id="rId20"/>
+    <p:sldId id="551" r:id="rId21"/>
+    <p:sldId id="553" r:id="rId22"/>
+    <p:sldId id="529" r:id="rId23"/>
+    <p:sldId id="554" r:id="rId24"/>
+    <p:sldId id="552" r:id="rId25"/>
+    <p:sldId id="532" r:id="rId26"/>
+    <p:sldId id="526" r:id="rId27"/>
+    <p:sldId id="556" r:id="rId28"/>
   </p:sldIdLst>
   <p:sldSz cx="12192000" cy="6858000"/>
   <p:notesSz cx="6858000" cy="9144000"/>
@@ -2749,8 +2760,8 @@
   </pc:docChgLst>
   <pc:docChgLst>
     <pc:chgData name="zhaohan" userId="95e304e8ede71739" providerId="LiveId" clId="{6F4793E2-BFDC-471C-9F01-BB7EFE32CA5F}"/>
-    <pc:docChg chg="addSld delSld modSld">
-      <pc:chgData name="zhaohan" userId="95e304e8ede71739" providerId="LiveId" clId="{6F4793E2-BFDC-471C-9F01-BB7EFE32CA5F}" dt="2022-12-27T16:07:10.325" v="109" actId="20577"/>
+    <pc:docChg chg="undo custSel addSld delSld modSld sldOrd">
+      <pc:chgData name="zhaohan" userId="95e304e8ede71739" providerId="LiveId" clId="{6F4793E2-BFDC-471C-9F01-BB7EFE32CA5F}" dt="2022-12-28T00:35:38.254" v="812"/>
       <pc:docMkLst>
         <pc:docMk/>
       </pc:docMkLst>
@@ -3931,14 +3942,127 @@
           <pc:sldMk cId="3406896528" sldId="517"/>
         </pc:sldMkLst>
       </pc:sldChg>
-      <pc:sldChg chg="modSp add mod">
-        <pc:chgData name="zhaohan" userId="95e304e8ede71739" providerId="LiveId" clId="{6F4793E2-BFDC-471C-9F01-BB7EFE32CA5F}" dt="2022-12-27T16:07:10.325" v="109" actId="20577"/>
+      <pc:sldChg chg="add">
+        <pc:chgData name="zhaohan" userId="95e304e8ede71739" providerId="LiveId" clId="{6F4793E2-BFDC-471C-9F01-BB7EFE32CA5F}" dt="2022-12-28T00:35:31.586" v="807"/>
+        <pc:sldMkLst>
+          <pc:docMk/>
+          <pc:sldMk cId="70301993" sldId="529"/>
+        </pc:sldMkLst>
+      </pc:sldChg>
+      <pc:sldChg chg="addSp delSp modSp del mod ord">
+        <pc:chgData name="zhaohan" userId="95e304e8ede71739" providerId="LiveId" clId="{6F4793E2-BFDC-471C-9F01-BB7EFE32CA5F}" dt="2022-12-28T00:35:29.896" v="806" actId="2696"/>
+        <pc:sldMkLst>
+          <pc:docMk/>
+          <pc:sldMk cId="3863605535" sldId="529"/>
+        </pc:sldMkLst>
+        <pc:spChg chg="add mod">
+          <ac:chgData name="zhaohan" userId="95e304e8ede71739" providerId="LiveId" clId="{6F4793E2-BFDC-471C-9F01-BB7EFE32CA5F}" dt="2022-12-28T00:33:37.066" v="778" actId="20577"/>
+          <ac:spMkLst>
+            <pc:docMk/>
+            <pc:sldMk cId="3863605535" sldId="529"/>
+            <ac:spMk id="10" creationId="{C3CAEE8D-4C7C-0FD5-65FC-3A8BFE531854}"/>
+          </ac:spMkLst>
+        </pc:spChg>
+        <pc:picChg chg="add del mod">
+          <ac:chgData name="zhaohan" userId="95e304e8ede71739" providerId="LiveId" clId="{6F4793E2-BFDC-471C-9F01-BB7EFE32CA5F}" dt="2022-12-28T00:11:35.062" v="492" actId="478"/>
+          <ac:picMkLst>
+            <pc:docMk/>
+            <pc:sldMk cId="3863605535" sldId="529"/>
+            <ac:picMk id="3" creationId="{477E3C03-4D7E-3C8C-8238-D5280AC55CDD}"/>
+          </ac:picMkLst>
+        </pc:picChg>
+        <pc:picChg chg="add del">
+          <ac:chgData name="zhaohan" userId="95e304e8ede71739" providerId="LiveId" clId="{6F4793E2-BFDC-471C-9F01-BB7EFE32CA5F}" dt="2022-12-28T00:13:45.795" v="497" actId="478"/>
+          <ac:picMkLst>
+            <pc:docMk/>
+            <pc:sldMk cId="3863605535" sldId="529"/>
+            <ac:picMk id="5" creationId="{2CA06491-9EBD-86C1-BAC9-BCB7A5FF6C68}"/>
+          </ac:picMkLst>
+        </pc:picChg>
+        <pc:picChg chg="add del mod modCrop">
+          <ac:chgData name="zhaohan" userId="95e304e8ede71739" providerId="LiveId" clId="{6F4793E2-BFDC-471C-9F01-BB7EFE32CA5F}" dt="2022-12-28T00:17:14.648" v="504" actId="478"/>
+          <ac:picMkLst>
+            <pc:docMk/>
+            <pc:sldMk cId="3863605535" sldId="529"/>
+            <ac:picMk id="7" creationId="{EE05FB14-AC0C-8614-B835-3B5E850ED112}"/>
+          </ac:picMkLst>
+        </pc:picChg>
+        <pc:picChg chg="add mod">
+          <ac:chgData name="zhaohan" userId="95e304e8ede71739" providerId="LiveId" clId="{6F4793E2-BFDC-471C-9F01-BB7EFE32CA5F}" dt="2022-12-28T00:33:35.086" v="775" actId="1035"/>
+          <ac:picMkLst>
+            <pc:docMk/>
+            <pc:sldMk cId="3863605535" sldId="529"/>
+            <ac:picMk id="9" creationId="{7D2BD7A8-14DE-8822-DF80-9BD6C027420A}"/>
+          </ac:picMkLst>
+        </pc:picChg>
+      </pc:sldChg>
+      <pc:sldChg chg="modSp mod">
+        <pc:chgData name="zhaohan" userId="95e304e8ede71739" providerId="LiveId" clId="{6F4793E2-BFDC-471C-9F01-BB7EFE32CA5F}" dt="2022-12-27T22:35:40.531" v="471" actId="20577"/>
+        <pc:sldMkLst>
+          <pc:docMk/>
+          <pc:sldMk cId="2906041494" sldId="530"/>
+        </pc:sldMkLst>
+        <pc:spChg chg="mod">
+          <ac:chgData name="zhaohan" userId="95e304e8ede71739" providerId="LiveId" clId="{6F4793E2-BFDC-471C-9F01-BB7EFE32CA5F}" dt="2022-12-27T22:35:40.531" v="471" actId="20577"/>
+          <ac:spMkLst>
+            <pc:docMk/>
+            <pc:sldMk cId="2906041494" sldId="530"/>
+            <ac:spMk id="2" creationId="{48BDDA02-5D37-DA16-4744-8ECE4782E128}"/>
+          </ac:spMkLst>
+        </pc:spChg>
+      </pc:sldChg>
+      <pc:sldChg chg="addSp modSp del mod">
+        <pc:chgData name="zhaohan" userId="95e304e8ede71739" providerId="LiveId" clId="{6F4793E2-BFDC-471C-9F01-BB7EFE32CA5F}" dt="2022-12-28T00:35:29.896" v="806" actId="2696"/>
+        <pc:sldMkLst>
+          <pc:docMk/>
+          <pc:sldMk cId="1248420201" sldId="532"/>
+        </pc:sldMkLst>
+        <pc:spChg chg="add mod">
+          <ac:chgData name="zhaohan" userId="95e304e8ede71739" providerId="LiveId" clId="{6F4793E2-BFDC-471C-9F01-BB7EFE32CA5F}" dt="2022-12-28T00:34:15.490" v="800" actId="20577"/>
+          <ac:spMkLst>
+            <pc:docMk/>
+            <pc:sldMk cId="1248420201" sldId="532"/>
+            <ac:spMk id="4" creationId="{5FB983BD-982F-CA30-FDD1-680215710280}"/>
+          </ac:spMkLst>
+        </pc:spChg>
+        <pc:picChg chg="add">
+          <ac:chgData name="zhaohan" userId="95e304e8ede71739" providerId="LiveId" clId="{6F4793E2-BFDC-471C-9F01-BB7EFE32CA5F}" dt="2022-12-28T00:15:52.099" v="501" actId="22"/>
+          <ac:picMkLst>
+            <pc:docMk/>
+            <pc:sldMk cId="1248420201" sldId="532"/>
+            <ac:picMk id="3" creationId="{35E58E87-4129-4681-D5E6-038E94891EA6}"/>
+          </ac:picMkLst>
+        </pc:picChg>
+      </pc:sldChg>
+      <pc:sldChg chg="add">
+        <pc:chgData name="zhaohan" userId="95e304e8ede71739" providerId="LiveId" clId="{6F4793E2-BFDC-471C-9F01-BB7EFE32CA5F}" dt="2022-12-28T00:35:31.586" v="807"/>
+        <pc:sldMkLst>
+          <pc:docMk/>
+          <pc:sldMk cId="3626909285" sldId="532"/>
+        </pc:sldMkLst>
+      </pc:sldChg>
+      <pc:sldChg chg="del">
+        <pc:chgData name="zhaohan" userId="95e304e8ede71739" providerId="LiveId" clId="{6F4793E2-BFDC-471C-9F01-BB7EFE32CA5F}" dt="2022-12-28T00:35:34.304" v="810" actId="2696"/>
+        <pc:sldMkLst>
+          <pc:docMk/>
+          <pc:sldMk cId="2743899311" sldId="533"/>
+        </pc:sldMkLst>
+      </pc:sldChg>
+      <pc:sldChg chg="del">
+        <pc:chgData name="zhaohan" userId="95e304e8ede71739" providerId="LiveId" clId="{6F4793E2-BFDC-471C-9F01-BB7EFE32CA5F}" dt="2022-12-28T00:35:22.605" v="804" actId="2696"/>
+        <pc:sldMkLst>
+          <pc:docMk/>
+          <pc:sldMk cId="2855002222" sldId="534"/>
+        </pc:sldMkLst>
+      </pc:sldChg>
+      <pc:sldChg chg="modSp add del mod">
+        <pc:chgData name="zhaohan" userId="95e304e8ede71739" providerId="LiveId" clId="{6F4793E2-BFDC-471C-9F01-BB7EFE32CA5F}" dt="2022-12-28T00:35:20.204" v="803" actId="2696"/>
         <pc:sldMkLst>
           <pc:docMk/>
           <pc:sldMk cId="3806831244" sldId="536"/>
         </pc:sldMkLst>
         <pc:spChg chg="mod">
-          <ac:chgData name="zhaohan" userId="95e304e8ede71739" providerId="LiveId" clId="{6F4793E2-BFDC-471C-9F01-BB7EFE32CA5F}" dt="2022-12-27T16:07:10.325" v="109" actId="20577"/>
+          <ac:chgData name="zhaohan" userId="95e304e8ede71739" providerId="LiveId" clId="{6F4793E2-BFDC-471C-9F01-BB7EFE32CA5F}" dt="2022-12-27T22:35:52.765" v="486" actId="20577"/>
           <ac:spMkLst>
             <pc:docMk/>
             <pc:sldMk cId="3806831244" sldId="536"/>
@@ -3946,11 +4070,637 @@
           </ac:spMkLst>
         </pc:spChg>
       </pc:sldChg>
+      <pc:sldChg chg="addSp delSp modSp add del mod ord">
+        <pc:chgData name="zhaohan" userId="95e304e8ede71739" providerId="LiveId" clId="{6F4793E2-BFDC-471C-9F01-BB7EFE32CA5F}" dt="2022-12-28T00:35:10.197" v="801" actId="2696"/>
+        <pc:sldMkLst>
+          <pc:docMk/>
+          <pc:sldMk cId="879257294" sldId="537"/>
+        </pc:sldMkLst>
+        <pc:spChg chg="add mod">
+          <ac:chgData name="zhaohan" userId="95e304e8ede71739" providerId="LiveId" clId="{6F4793E2-BFDC-471C-9F01-BB7EFE32CA5F}" dt="2022-12-27T22:24:45.204" v="310" actId="403"/>
+          <ac:spMkLst>
+            <pc:docMk/>
+            <pc:sldMk cId="879257294" sldId="537"/>
+            <ac:spMk id="5" creationId="{F476AE55-F2DA-11CC-6E13-41DFD7690460}"/>
+          </ac:spMkLst>
+        </pc:spChg>
+        <pc:spChg chg="add del mod">
+          <ac:chgData name="zhaohan" userId="95e304e8ede71739" providerId="LiveId" clId="{6F4793E2-BFDC-471C-9F01-BB7EFE32CA5F}" dt="2022-12-27T22:24:41.871" v="303"/>
+          <ac:spMkLst>
+            <pc:docMk/>
+            <pc:sldMk cId="879257294" sldId="537"/>
+            <ac:spMk id="6" creationId="{ACEAAC70-312B-1677-C67C-B5C443A1F9A5}"/>
+          </ac:spMkLst>
+        </pc:spChg>
+        <pc:picChg chg="add mod">
+          <ac:chgData name="zhaohan" userId="95e304e8ede71739" providerId="LiveId" clId="{6F4793E2-BFDC-471C-9F01-BB7EFE32CA5F}" dt="2022-12-27T22:24:05.891" v="251" actId="1076"/>
+          <ac:picMkLst>
+            <pc:docMk/>
+            <pc:sldMk cId="879257294" sldId="537"/>
+            <ac:picMk id="3" creationId="{52F73584-5994-EDC1-8555-9E8B52345857}"/>
+          </ac:picMkLst>
+        </pc:picChg>
+        <pc:picChg chg="add mod">
+          <ac:chgData name="zhaohan" userId="95e304e8ede71739" providerId="LiveId" clId="{6F4793E2-BFDC-471C-9F01-BB7EFE32CA5F}" dt="2022-12-27T22:24:14.461" v="252" actId="14100"/>
+          <ac:picMkLst>
+            <pc:docMk/>
+            <pc:sldMk cId="879257294" sldId="537"/>
+            <ac:picMk id="4" creationId="{3F814590-BBD4-2EAD-E148-E138042FF83E}"/>
+          </ac:picMkLst>
+        </pc:picChg>
+      </pc:sldChg>
       <pc:sldChg chg="add">
-        <pc:chgData name="zhaohan" userId="95e304e8ede71739" providerId="LiveId" clId="{6F4793E2-BFDC-471C-9F01-BB7EFE32CA5F}" dt="2022-12-27T16:07:05.762" v="84"/>
-        <pc:sldMkLst>
-          <pc:docMk/>
-          <pc:sldMk cId="879257294" sldId="537"/>
+        <pc:chgData name="zhaohan" userId="95e304e8ede71739" providerId="LiveId" clId="{6F4793E2-BFDC-471C-9F01-BB7EFE32CA5F}" dt="2022-12-28T00:35:13.774" v="802"/>
+        <pc:sldMkLst>
+          <pc:docMk/>
+          <pc:sldMk cId="4058389251" sldId="537"/>
+        </pc:sldMkLst>
+      </pc:sldChg>
+      <pc:sldChg chg="addSp delSp modSp new mod">
+        <pc:chgData name="zhaohan" userId="95e304e8ede71739" providerId="LiveId" clId="{6F4793E2-BFDC-471C-9F01-BB7EFE32CA5F}" dt="2022-12-27T21:51:11.142" v="221" actId="20577"/>
+        <pc:sldMkLst>
+          <pc:docMk/>
+          <pc:sldMk cId="4070709631" sldId="538"/>
+        </pc:sldMkLst>
+        <pc:spChg chg="del">
+          <ac:chgData name="zhaohan" userId="95e304e8ede71739" providerId="LiveId" clId="{6F4793E2-BFDC-471C-9F01-BB7EFE32CA5F}" dt="2022-12-27T21:43:09.234" v="111" actId="478"/>
+          <ac:spMkLst>
+            <pc:docMk/>
+            <pc:sldMk cId="4070709631" sldId="538"/>
+            <ac:spMk id="2" creationId="{A070A06F-A5C3-52C4-E276-73E6F77A556A}"/>
+          </ac:spMkLst>
+        </pc:spChg>
+        <pc:spChg chg="del">
+          <ac:chgData name="zhaohan" userId="95e304e8ede71739" providerId="LiveId" clId="{6F4793E2-BFDC-471C-9F01-BB7EFE32CA5F}" dt="2022-12-27T21:43:09.234" v="111" actId="478"/>
+          <ac:spMkLst>
+            <pc:docMk/>
+            <pc:sldMk cId="4070709631" sldId="538"/>
+            <ac:spMk id="3" creationId="{8B9043B0-2EB8-C60F-0077-8745B6E5B0FD}"/>
+          </ac:spMkLst>
+        </pc:spChg>
+        <pc:spChg chg="add mod">
+          <ac:chgData name="zhaohan" userId="95e304e8ede71739" providerId="LiveId" clId="{6F4793E2-BFDC-471C-9F01-BB7EFE32CA5F}" dt="2022-12-27T21:51:08.968" v="219" actId="20577"/>
+          <ac:spMkLst>
+            <pc:docMk/>
+            <pc:sldMk cId="4070709631" sldId="538"/>
+            <ac:spMk id="5" creationId="{65AB64CC-F54F-B83D-BC48-47C644585A47}"/>
+          </ac:spMkLst>
+        </pc:spChg>
+        <pc:spChg chg="add mod">
+          <ac:chgData name="zhaohan" userId="95e304e8ede71739" providerId="LiveId" clId="{6F4793E2-BFDC-471C-9F01-BB7EFE32CA5F}" dt="2022-12-27T21:51:11.142" v="221" actId="20577"/>
+          <ac:spMkLst>
+            <pc:docMk/>
+            <pc:sldMk cId="4070709631" sldId="538"/>
+            <ac:spMk id="6" creationId="{A2540AC6-EB9A-C519-66D2-FA1B4798F0EA}"/>
+          </ac:spMkLst>
+        </pc:spChg>
+        <pc:picChg chg="add mod">
+          <ac:chgData name="zhaohan" userId="95e304e8ede71739" providerId="LiveId" clId="{6F4793E2-BFDC-471C-9F01-BB7EFE32CA5F}" dt="2022-12-27T21:43:41.415" v="176" actId="1076"/>
+          <ac:picMkLst>
+            <pc:docMk/>
+            <pc:sldMk cId="4070709631" sldId="538"/>
+            <ac:picMk id="4" creationId="{1460A8B6-A27B-2DD6-FB2F-16CF2F7CBA59}"/>
+          </ac:picMkLst>
+        </pc:picChg>
+        <pc:picChg chg="add mod">
+          <ac:chgData name="zhaohan" userId="95e304e8ede71739" providerId="LiveId" clId="{6F4793E2-BFDC-471C-9F01-BB7EFE32CA5F}" dt="2022-12-27T21:44:17.714" v="182" actId="14100"/>
+          <ac:picMkLst>
+            <pc:docMk/>
+            <pc:sldMk cId="4070709631" sldId="538"/>
+            <ac:picMk id="8" creationId="{9C35EA45-7105-BB9D-46C4-756DC4E4F040}"/>
+          </ac:picMkLst>
+        </pc:picChg>
+      </pc:sldChg>
+      <pc:sldChg chg="addSp delSp modSp add mod">
+        <pc:chgData name="zhaohan" userId="95e304e8ede71739" providerId="LiveId" clId="{6F4793E2-BFDC-471C-9F01-BB7EFE32CA5F}" dt="2022-12-27T21:52:10.028" v="235" actId="14100"/>
+        <pc:sldMkLst>
+          <pc:docMk/>
+          <pc:sldMk cId="2786945941" sldId="539"/>
+        </pc:sldMkLst>
+        <pc:spChg chg="mod">
+          <ac:chgData name="zhaohan" userId="95e304e8ede71739" providerId="LiveId" clId="{6F4793E2-BFDC-471C-9F01-BB7EFE32CA5F}" dt="2022-12-27T21:51:04.229" v="217" actId="20577"/>
+          <ac:spMkLst>
+            <pc:docMk/>
+            <pc:sldMk cId="2786945941" sldId="539"/>
+            <ac:spMk id="5" creationId="{65AB64CC-F54F-B83D-BC48-47C644585A47}"/>
+          </ac:spMkLst>
+        </pc:spChg>
+        <pc:spChg chg="mod">
+          <ac:chgData name="zhaohan" userId="95e304e8ede71739" providerId="LiveId" clId="{6F4793E2-BFDC-471C-9F01-BB7EFE32CA5F}" dt="2022-12-27T21:51:42.953" v="230" actId="20577"/>
+          <ac:spMkLst>
+            <pc:docMk/>
+            <pc:sldMk cId="2786945941" sldId="539"/>
+            <ac:spMk id="6" creationId="{A2540AC6-EB9A-C519-66D2-FA1B4798F0EA}"/>
+          </ac:spMkLst>
+        </pc:spChg>
+        <pc:spChg chg="add del">
+          <ac:chgData name="zhaohan" userId="95e304e8ede71739" providerId="LiveId" clId="{6F4793E2-BFDC-471C-9F01-BB7EFE32CA5F}" dt="2022-12-27T21:51:40.433" v="223" actId="22"/>
+          <ac:spMkLst>
+            <pc:docMk/>
+            <pc:sldMk cId="2786945941" sldId="539"/>
+            <ac:spMk id="9" creationId="{769AAD29-D90C-821F-D7E4-337C68FB87CD}"/>
+          </ac:spMkLst>
+        </pc:spChg>
+        <pc:picChg chg="add mod">
+          <ac:chgData name="zhaohan" userId="95e304e8ede71739" providerId="LiveId" clId="{6F4793E2-BFDC-471C-9F01-BB7EFE32CA5F}" dt="2022-12-27T21:45:56.242" v="212" actId="14100"/>
+          <ac:picMkLst>
+            <pc:docMk/>
+            <pc:sldMk cId="2786945941" sldId="539"/>
+            <ac:picMk id="3" creationId="{DC93CCCE-1329-F3C7-10FB-56DD255BF9DF}"/>
+          </ac:picMkLst>
+        </pc:picChg>
+        <pc:picChg chg="del">
+          <ac:chgData name="zhaohan" userId="95e304e8ede71739" providerId="LiveId" clId="{6F4793E2-BFDC-471C-9F01-BB7EFE32CA5F}" dt="2022-12-27T21:45:08.078" v="190" actId="21"/>
+          <ac:picMkLst>
+            <pc:docMk/>
+            <pc:sldMk cId="2786945941" sldId="539"/>
+            <ac:picMk id="4" creationId="{1460A8B6-A27B-2DD6-FB2F-16CF2F7CBA59}"/>
+          </ac:picMkLst>
+        </pc:picChg>
+        <pc:picChg chg="del">
+          <ac:chgData name="zhaohan" userId="95e304e8ede71739" providerId="LiveId" clId="{6F4793E2-BFDC-471C-9F01-BB7EFE32CA5F}" dt="2022-12-27T21:45:08.438" v="191" actId="21"/>
+          <ac:picMkLst>
+            <pc:docMk/>
+            <pc:sldMk cId="2786945941" sldId="539"/>
+            <ac:picMk id="8" creationId="{9C35EA45-7105-BB9D-46C4-756DC4E4F040}"/>
+          </ac:picMkLst>
+        </pc:picChg>
+        <pc:picChg chg="add mod">
+          <ac:chgData name="zhaohan" userId="95e304e8ede71739" providerId="LiveId" clId="{6F4793E2-BFDC-471C-9F01-BB7EFE32CA5F}" dt="2022-12-27T21:52:10.028" v="235" actId="14100"/>
+          <ac:picMkLst>
+            <pc:docMk/>
+            <pc:sldMk cId="2786945941" sldId="539"/>
+            <ac:picMk id="11" creationId="{3D383634-7D34-D781-E936-E734C1DA782C}"/>
+          </ac:picMkLst>
+        </pc:picChg>
+      </pc:sldChg>
+      <pc:sldChg chg="addSp delSp modSp add del mod ord">
+        <pc:chgData name="zhaohan" userId="95e304e8ede71739" providerId="LiveId" clId="{6F4793E2-BFDC-471C-9F01-BB7EFE32CA5F}" dt="2022-12-28T00:35:10.197" v="801" actId="2696"/>
+        <pc:sldMkLst>
+          <pc:docMk/>
+          <pc:sldMk cId="944181992" sldId="540"/>
+        </pc:sldMkLst>
+        <pc:spChg chg="add mod">
+          <ac:chgData name="zhaohan" userId="95e304e8ede71739" providerId="LiveId" clId="{6F4793E2-BFDC-471C-9F01-BB7EFE32CA5F}" dt="2022-12-27T22:25:37.931" v="335" actId="20577"/>
+          <ac:spMkLst>
+            <pc:docMk/>
+            <pc:sldMk cId="944181992" sldId="540"/>
+            <ac:spMk id="5" creationId="{F555BC56-2E57-6626-A2EC-BDA22BF34400}"/>
+          </ac:spMkLst>
+        </pc:spChg>
+        <pc:picChg chg="add del mod">
+          <ac:chgData name="zhaohan" userId="95e304e8ede71739" providerId="LiveId" clId="{6F4793E2-BFDC-471C-9F01-BB7EFE32CA5F}" dt="2022-12-27T22:23:58.811" v="246" actId="21"/>
+          <ac:picMkLst>
+            <pc:docMk/>
+            <pc:sldMk cId="944181992" sldId="540"/>
+            <ac:picMk id="3" creationId="{C121F715-AF17-39CD-760E-14640D56F5C6}"/>
+          </ac:picMkLst>
+        </pc:picChg>
+        <pc:picChg chg="add mod">
+          <ac:chgData name="zhaohan" userId="95e304e8ede71739" providerId="LiveId" clId="{6F4793E2-BFDC-471C-9F01-BB7EFE32CA5F}" dt="2022-12-27T22:24:50.404" v="311"/>
+          <ac:picMkLst>
+            <pc:docMk/>
+            <pc:sldMk cId="944181992" sldId="540"/>
+            <ac:picMk id="4" creationId="{FAEECF93-BE50-4E76-BE96-52F636803F11}"/>
+          </ac:picMkLst>
+        </pc:picChg>
+        <pc:picChg chg="add mod">
+          <ac:chgData name="zhaohan" userId="95e304e8ede71739" providerId="LiveId" clId="{6F4793E2-BFDC-471C-9F01-BB7EFE32CA5F}" dt="2022-12-27T22:25:31.976" v="318" actId="1076"/>
+          <ac:picMkLst>
+            <pc:docMk/>
+            <pc:sldMk cId="944181992" sldId="540"/>
+            <ac:picMk id="7" creationId="{083F0054-29CC-8C1F-7A06-09672FDCCFC7}"/>
+          </ac:picMkLst>
+        </pc:picChg>
+      </pc:sldChg>
+      <pc:sldChg chg="add">
+        <pc:chgData name="zhaohan" userId="95e304e8ede71739" providerId="LiveId" clId="{6F4793E2-BFDC-471C-9F01-BB7EFE32CA5F}" dt="2022-12-28T00:35:13.774" v="802"/>
+        <pc:sldMkLst>
+          <pc:docMk/>
+          <pc:sldMk cId="1055090564" sldId="540"/>
+        </pc:sldMkLst>
+      </pc:sldChg>
+      <pc:sldChg chg="addSp modSp add del mod">
+        <pc:chgData name="zhaohan" userId="95e304e8ede71739" providerId="LiveId" clId="{6F4793E2-BFDC-471C-9F01-BB7EFE32CA5F}" dt="2022-12-28T00:35:10.197" v="801" actId="2696"/>
+        <pc:sldMkLst>
+          <pc:docMk/>
+          <pc:sldMk cId="1044344638" sldId="541"/>
+        </pc:sldMkLst>
+        <pc:spChg chg="add mod">
+          <ac:chgData name="zhaohan" userId="95e304e8ede71739" providerId="LiveId" clId="{6F4793E2-BFDC-471C-9F01-BB7EFE32CA5F}" dt="2022-12-27T22:30:24.371" v="424" actId="20577"/>
+          <ac:spMkLst>
+            <pc:docMk/>
+            <pc:sldMk cId="1044344638" sldId="541"/>
+            <ac:spMk id="3" creationId="{2BC9CC1F-050E-2326-AF9A-BFD7B6A3C573}"/>
+          </ac:spMkLst>
+        </pc:spChg>
+        <pc:picChg chg="add mod">
+          <ac:chgData name="zhaohan" userId="95e304e8ede71739" providerId="LiveId" clId="{6F4793E2-BFDC-471C-9F01-BB7EFE32CA5F}" dt="2022-12-27T22:30:18.134" v="413"/>
+          <ac:picMkLst>
+            <pc:docMk/>
+            <pc:sldMk cId="1044344638" sldId="541"/>
+            <ac:picMk id="2" creationId="{9EBA045A-626E-2597-C541-22F99E0FEE43}"/>
+          </ac:picMkLst>
+        </pc:picChg>
+        <pc:picChg chg="add mod">
+          <ac:chgData name="zhaohan" userId="95e304e8ede71739" providerId="LiveId" clId="{6F4793E2-BFDC-471C-9F01-BB7EFE32CA5F}" dt="2022-12-27T22:30:39.610" v="426" actId="1076"/>
+          <ac:picMkLst>
+            <pc:docMk/>
+            <pc:sldMk cId="1044344638" sldId="541"/>
+            <ac:picMk id="5" creationId="{1F4576E1-DDD8-79E3-E145-4D98BFDFD87C}"/>
+          </ac:picMkLst>
+        </pc:picChg>
+      </pc:sldChg>
+      <pc:sldChg chg="add">
+        <pc:chgData name="zhaohan" userId="95e304e8ede71739" providerId="LiveId" clId="{6F4793E2-BFDC-471C-9F01-BB7EFE32CA5F}" dt="2022-12-28T00:35:13.774" v="802"/>
+        <pc:sldMkLst>
+          <pc:docMk/>
+          <pc:sldMk cId="2297458641" sldId="541"/>
+        </pc:sldMkLst>
+      </pc:sldChg>
+      <pc:sldChg chg="add">
+        <pc:chgData name="zhaohan" userId="95e304e8ede71739" providerId="LiveId" clId="{6F4793E2-BFDC-471C-9F01-BB7EFE32CA5F}" dt="2022-12-28T00:35:13.774" v="802"/>
+        <pc:sldMkLst>
+          <pc:docMk/>
+          <pc:sldMk cId="2383543285" sldId="542"/>
+        </pc:sldMkLst>
+      </pc:sldChg>
+      <pc:sldChg chg="addSp modSp add del mod">
+        <pc:chgData name="zhaohan" userId="95e304e8ede71739" providerId="LiveId" clId="{6F4793E2-BFDC-471C-9F01-BB7EFE32CA5F}" dt="2022-12-28T00:35:10.197" v="801" actId="2696"/>
+        <pc:sldMkLst>
+          <pc:docMk/>
+          <pc:sldMk cId="3452336370" sldId="542"/>
+        </pc:sldMkLst>
+        <pc:spChg chg="mod">
+          <ac:chgData name="zhaohan" userId="95e304e8ede71739" providerId="LiveId" clId="{6F4793E2-BFDC-471C-9F01-BB7EFE32CA5F}" dt="2022-12-27T22:27:53.144" v="368" actId="20577"/>
+          <ac:spMkLst>
+            <pc:docMk/>
+            <pc:sldMk cId="3452336370" sldId="542"/>
+            <ac:spMk id="5" creationId="{F555BC56-2E57-6626-A2EC-BDA22BF34400}"/>
+          </ac:spMkLst>
+        </pc:spChg>
+        <pc:picChg chg="add mod">
+          <ac:chgData name="zhaohan" userId="95e304e8ede71739" providerId="LiveId" clId="{6F4793E2-BFDC-471C-9F01-BB7EFE32CA5F}" dt="2022-12-27T22:26:52.746" v="337" actId="1076"/>
+          <ac:picMkLst>
+            <pc:docMk/>
+            <pc:sldMk cId="3452336370" sldId="542"/>
+            <ac:picMk id="3" creationId="{B4FD2ECF-8122-96F1-62F8-4446ED697F41}"/>
+          </ac:picMkLst>
+        </pc:picChg>
+      </pc:sldChg>
+      <pc:sldChg chg="add">
+        <pc:chgData name="zhaohan" userId="95e304e8ede71739" providerId="LiveId" clId="{6F4793E2-BFDC-471C-9F01-BB7EFE32CA5F}" dt="2022-12-28T00:35:13.774" v="802"/>
+        <pc:sldMkLst>
+          <pc:docMk/>
+          <pc:sldMk cId="777328632" sldId="543"/>
+        </pc:sldMkLst>
+      </pc:sldChg>
+      <pc:sldChg chg="addSp delSp modSp add del mod">
+        <pc:chgData name="zhaohan" userId="95e304e8ede71739" providerId="LiveId" clId="{6F4793E2-BFDC-471C-9F01-BB7EFE32CA5F}" dt="2022-12-28T00:35:10.197" v="801" actId="2696"/>
+        <pc:sldMkLst>
+          <pc:docMk/>
+          <pc:sldMk cId="2262281078" sldId="543"/>
+        </pc:sldMkLst>
+        <pc:spChg chg="mod">
+          <ac:chgData name="zhaohan" userId="95e304e8ede71739" providerId="LiveId" clId="{6F4793E2-BFDC-471C-9F01-BB7EFE32CA5F}" dt="2022-12-27T22:28:37.710" v="395" actId="1076"/>
+          <ac:spMkLst>
+            <pc:docMk/>
+            <pc:sldMk cId="2262281078" sldId="543"/>
+            <ac:spMk id="5" creationId="{F555BC56-2E57-6626-A2EC-BDA22BF34400}"/>
+          </ac:spMkLst>
+        </pc:spChg>
+        <pc:picChg chg="add del mod">
+          <ac:chgData name="zhaohan" userId="95e304e8ede71739" providerId="LiveId" clId="{6F4793E2-BFDC-471C-9F01-BB7EFE32CA5F}" dt="2022-12-27T22:28:30.186" v="392" actId="478"/>
+          <ac:picMkLst>
+            <pc:docMk/>
+            <pc:sldMk cId="2262281078" sldId="543"/>
+            <ac:picMk id="3" creationId="{8FA33D80-FE2D-C7F1-46B3-AF676B7EE79C}"/>
+          </ac:picMkLst>
+        </pc:picChg>
+        <pc:picChg chg="add mod">
+          <ac:chgData name="zhaohan" userId="95e304e8ede71739" providerId="LiveId" clId="{6F4793E2-BFDC-471C-9F01-BB7EFE32CA5F}" dt="2022-12-27T22:28:32.487" v="394" actId="1076"/>
+          <ac:picMkLst>
+            <pc:docMk/>
+            <pc:sldMk cId="2262281078" sldId="543"/>
+            <ac:picMk id="7" creationId="{C2FB9DA3-CDC0-0B8D-122E-D8D776CB703C}"/>
+          </ac:picMkLst>
+        </pc:picChg>
+      </pc:sldChg>
+      <pc:sldChg chg="addSp modSp add del mod ord">
+        <pc:chgData name="zhaohan" userId="95e304e8ede71739" providerId="LiveId" clId="{6F4793E2-BFDC-471C-9F01-BB7EFE32CA5F}" dt="2022-12-28T00:35:10.197" v="801" actId="2696"/>
+        <pc:sldMkLst>
+          <pc:docMk/>
+          <pc:sldMk cId="1732755597" sldId="544"/>
+        </pc:sldMkLst>
+        <pc:spChg chg="mod">
+          <ac:chgData name="zhaohan" userId="95e304e8ede71739" providerId="LiveId" clId="{6F4793E2-BFDC-471C-9F01-BB7EFE32CA5F}" dt="2022-12-27T22:29:47.360" v="410" actId="20577"/>
+          <ac:spMkLst>
+            <pc:docMk/>
+            <pc:sldMk cId="1732755597" sldId="544"/>
+            <ac:spMk id="5" creationId="{F555BC56-2E57-6626-A2EC-BDA22BF34400}"/>
+          </ac:spMkLst>
+        </pc:spChg>
+        <pc:picChg chg="add mod">
+          <ac:chgData name="zhaohan" userId="95e304e8ede71739" providerId="LiveId" clId="{6F4793E2-BFDC-471C-9F01-BB7EFE32CA5F}" dt="2022-12-27T22:29:44.202" v="397" actId="1076"/>
+          <ac:picMkLst>
+            <pc:docMk/>
+            <pc:sldMk cId="1732755597" sldId="544"/>
+            <ac:picMk id="3" creationId="{BD556FEA-9B9E-1660-C531-FE2818BD0337}"/>
+          </ac:picMkLst>
+        </pc:picChg>
+      </pc:sldChg>
+      <pc:sldChg chg="add">
+        <pc:chgData name="zhaohan" userId="95e304e8ede71739" providerId="LiveId" clId="{6F4793E2-BFDC-471C-9F01-BB7EFE32CA5F}" dt="2022-12-28T00:35:13.774" v="802"/>
+        <pc:sldMkLst>
+          <pc:docMk/>
+          <pc:sldMk cId="2636684523" sldId="544"/>
+        </pc:sldMkLst>
+      </pc:sldChg>
+      <pc:sldChg chg="add">
+        <pc:chgData name="zhaohan" userId="95e304e8ede71739" providerId="LiveId" clId="{6F4793E2-BFDC-471C-9F01-BB7EFE32CA5F}" dt="2022-12-28T00:35:13.774" v="802"/>
+        <pc:sldMkLst>
+          <pc:docMk/>
+          <pc:sldMk cId="2646678378" sldId="545"/>
+        </pc:sldMkLst>
+      </pc:sldChg>
+      <pc:sldChg chg="addSp modSp add del mod">
+        <pc:chgData name="zhaohan" userId="95e304e8ede71739" providerId="LiveId" clId="{6F4793E2-BFDC-471C-9F01-BB7EFE32CA5F}" dt="2022-12-28T00:35:10.197" v="801" actId="2696"/>
+        <pc:sldMkLst>
+          <pc:docMk/>
+          <pc:sldMk cId="3196500276" sldId="545"/>
+        </pc:sldMkLst>
+        <pc:spChg chg="mod">
+          <ac:chgData name="zhaohan" userId="95e304e8ede71739" providerId="LiveId" clId="{6F4793E2-BFDC-471C-9F01-BB7EFE32CA5F}" dt="2022-12-27T22:33:55.215" v="459" actId="20577"/>
+          <ac:spMkLst>
+            <pc:docMk/>
+            <pc:sldMk cId="3196500276" sldId="545"/>
+            <ac:spMk id="3" creationId="{2BC9CC1F-050E-2326-AF9A-BFD7B6A3C573}"/>
+          </ac:spMkLst>
+        </pc:spChg>
+        <pc:picChg chg="add mod">
+          <ac:chgData name="zhaohan" userId="95e304e8ede71739" providerId="LiveId" clId="{6F4793E2-BFDC-471C-9F01-BB7EFE32CA5F}" dt="2022-12-27T22:33:47.770" v="428" actId="1076"/>
+          <ac:picMkLst>
+            <pc:docMk/>
+            <pc:sldMk cId="3196500276" sldId="545"/>
+            <ac:picMk id="5" creationId="{AEFA25CC-4F70-D520-A528-85E805AC3156}"/>
+          </ac:picMkLst>
+        </pc:picChg>
+      </pc:sldChg>
+      <pc:sldChg chg="add del">
+        <pc:chgData name="zhaohan" userId="95e304e8ede71739" providerId="LiveId" clId="{6F4793E2-BFDC-471C-9F01-BB7EFE32CA5F}" dt="2022-12-27T22:35:01.873" v="462" actId="47"/>
+        <pc:sldMkLst>
+          <pc:docMk/>
+          <pc:sldMk cId="2133684601" sldId="546"/>
+        </pc:sldMkLst>
+      </pc:sldChg>
+      <pc:sldChg chg="add del">
+        <pc:chgData name="zhaohan" userId="95e304e8ede71739" providerId="LiveId" clId="{6F4793E2-BFDC-471C-9F01-BB7EFE32CA5F}" dt="2022-12-27T22:35:01.451" v="461" actId="47"/>
+        <pc:sldMkLst>
+          <pc:docMk/>
+          <pc:sldMk cId="3644628568" sldId="547"/>
+        </pc:sldMkLst>
+      </pc:sldChg>
+      <pc:sldChg chg="add del">
+        <pc:chgData name="zhaohan" userId="95e304e8ede71739" providerId="LiveId" clId="{6F4793E2-BFDC-471C-9F01-BB7EFE32CA5F}" dt="2022-12-28T00:35:23.304" v="805" actId="2696"/>
+        <pc:sldMkLst>
+          <pc:docMk/>
+          <pc:sldMk cId="1874650483" sldId="548"/>
+        </pc:sldMkLst>
+      </pc:sldChg>
+      <pc:sldChg chg="add del">
+        <pc:chgData name="zhaohan" userId="95e304e8ede71739" providerId="LiveId" clId="{6F4793E2-BFDC-471C-9F01-BB7EFE32CA5F}" dt="2022-12-28T00:35:33.889" v="809" actId="2696"/>
+        <pc:sldMkLst>
+          <pc:docMk/>
+          <pc:sldMk cId="2326883723" sldId="549"/>
+        </pc:sldMkLst>
+      </pc:sldChg>
+      <pc:sldChg chg="add del">
+        <pc:chgData name="zhaohan" userId="95e304e8ede71739" providerId="LiveId" clId="{6F4793E2-BFDC-471C-9F01-BB7EFE32CA5F}" dt="2022-12-28T00:35:33.346" v="808" actId="2696"/>
+        <pc:sldMkLst>
+          <pc:docMk/>
+          <pc:sldMk cId="3263988943" sldId="550"/>
+        </pc:sldMkLst>
+      </pc:sldChg>
+      <pc:sldChg chg="addSp delSp modSp add del mod">
+        <pc:chgData name="zhaohan" userId="95e304e8ede71739" providerId="LiveId" clId="{6F4793E2-BFDC-471C-9F01-BB7EFE32CA5F}" dt="2022-12-28T00:35:29.896" v="806" actId="2696"/>
+        <pc:sldMkLst>
+          <pc:docMk/>
+          <pc:sldMk cId="2554314451" sldId="551"/>
+        </pc:sldMkLst>
+        <pc:spChg chg="add mod">
+          <ac:chgData name="zhaohan" userId="95e304e8ede71739" providerId="LiveId" clId="{6F4793E2-BFDC-471C-9F01-BB7EFE32CA5F}" dt="2022-12-28T00:33:31.416" v="762" actId="20577"/>
+          <ac:spMkLst>
+            <pc:docMk/>
+            <pc:sldMk cId="2554314451" sldId="551"/>
+            <ac:spMk id="6" creationId="{BDC63C59-6471-C633-74A4-FAD6C1BF2210}"/>
+          </ac:spMkLst>
+        </pc:spChg>
+        <pc:picChg chg="add del">
+          <ac:chgData name="zhaohan" userId="95e304e8ede71739" providerId="LiveId" clId="{6F4793E2-BFDC-471C-9F01-BB7EFE32CA5F}" dt="2022-12-28T00:17:34.088" v="506" actId="478"/>
+          <ac:picMkLst>
+            <pc:docMk/>
+            <pc:sldMk cId="2554314451" sldId="551"/>
+            <ac:picMk id="3" creationId="{8279501F-E6EC-7A7B-7C10-09AE4B6051F9}"/>
+          </ac:picMkLst>
+        </pc:picChg>
+        <pc:picChg chg="add mod modCrop">
+          <ac:chgData name="zhaohan" userId="95e304e8ede71739" providerId="LiveId" clId="{6F4793E2-BFDC-471C-9F01-BB7EFE32CA5F}" dt="2022-12-28T00:33:12.548" v="754" actId="1035"/>
+          <ac:picMkLst>
+            <pc:docMk/>
+            <pc:sldMk cId="2554314451" sldId="551"/>
+            <ac:picMk id="5" creationId="{F59254BF-E2DD-3AE1-702E-39339B0598A5}"/>
+          </ac:picMkLst>
+        </pc:picChg>
+      </pc:sldChg>
+      <pc:sldChg chg="add">
+        <pc:chgData name="zhaohan" userId="95e304e8ede71739" providerId="LiveId" clId="{6F4793E2-BFDC-471C-9F01-BB7EFE32CA5F}" dt="2022-12-28T00:35:31.586" v="807"/>
+        <pc:sldMkLst>
+          <pc:docMk/>
+          <pc:sldMk cId="3549256860" sldId="551"/>
+        </pc:sldMkLst>
+      </pc:sldChg>
+      <pc:sldChg chg="addSp delSp modSp add del mod">
+        <pc:chgData name="zhaohan" userId="95e304e8ede71739" providerId="LiveId" clId="{6F4793E2-BFDC-471C-9F01-BB7EFE32CA5F}" dt="2022-12-28T00:35:29.896" v="806" actId="2696"/>
+        <pc:sldMkLst>
+          <pc:docMk/>
+          <pc:sldMk cId="632958009" sldId="552"/>
+        </pc:sldMkLst>
+        <pc:spChg chg="add mod">
+          <ac:chgData name="zhaohan" userId="95e304e8ede71739" providerId="LiveId" clId="{6F4793E2-BFDC-471C-9F01-BB7EFE32CA5F}" dt="2022-12-28T00:33:54.906" v="795" actId="20577"/>
+          <ac:spMkLst>
+            <pc:docMk/>
+            <pc:sldMk cId="632958009" sldId="552"/>
+            <ac:spMk id="6" creationId="{90CF9770-D223-A47C-B7F9-37654584C09F}"/>
+          </ac:spMkLst>
+        </pc:spChg>
+        <pc:picChg chg="add del">
+          <ac:chgData name="zhaohan" userId="95e304e8ede71739" providerId="LiveId" clId="{6F4793E2-BFDC-471C-9F01-BB7EFE32CA5F}" dt="2022-12-28T00:16:42.738" v="502" actId="478"/>
+          <ac:picMkLst>
+            <pc:docMk/>
+            <pc:sldMk cId="632958009" sldId="552"/>
+            <ac:picMk id="3" creationId="{F5C9CBC3-14F0-7204-8104-5CCA259E3B75}"/>
+          </ac:picMkLst>
+        </pc:picChg>
+        <pc:picChg chg="add mod">
+          <ac:chgData name="zhaohan" userId="95e304e8ede71739" providerId="LiveId" clId="{6F4793E2-BFDC-471C-9F01-BB7EFE32CA5F}" dt="2022-12-28T00:33:44.586" v="791" actId="1035"/>
+          <ac:picMkLst>
+            <pc:docMk/>
+            <pc:sldMk cId="632958009" sldId="552"/>
+            <ac:picMk id="5" creationId="{3E2FDC9E-1A18-385C-E5FC-74CD34E459D6}"/>
+          </ac:picMkLst>
+        </pc:picChg>
+      </pc:sldChg>
+      <pc:sldChg chg="add">
+        <pc:chgData name="zhaohan" userId="95e304e8ede71739" providerId="LiveId" clId="{6F4793E2-BFDC-471C-9F01-BB7EFE32CA5F}" dt="2022-12-28T00:35:31.586" v="807"/>
+        <pc:sldMkLst>
+          <pc:docMk/>
+          <pc:sldMk cId="2890954449" sldId="552"/>
+        </pc:sldMkLst>
+      </pc:sldChg>
+      <pc:sldChg chg="add">
+        <pc:chgData name="zhaohan" userId="95e304e8ede71739" providerId="LiveId" clId="{6F4793E2-BFDC-471C-9F01-BB7EFE32CA5F}" dt="2022-12-28T00:35:31.586" v="807"/>
+        <pc:sldMkLst>
+          <pc:docMk/>
+          <pc:sldMk cId="894404234" sldId="553"/>
+        </pc:sldMkLst>
+      </pc:sldChg>
+      <pc:sldChg chg="addSp delSp modSp new del mod">
+        <pc:chgData name="zhaohan" userId="95e304e8ede71739" providerId="LiveId" clId="{6F4793E2-BFDC-471C-9F01-BB7EFE32CA5F}" dt="2022-12-28T00:35:29.896" v="806" actId="2696"/>
+        <pc:sldMkLst>
+          <pc:docMk/>
+          <pc:sldMk cId="2122785305" sldId="553"/>
+        </pc:sldMkLst>
+        <pc:spChg chg="del">
+          <ac:chgData name="zhaohan" userId="95e304e8ede71739" providerId="LiveId" clId="{6F4793E2-BFDC-471C-9F01-BB7EFE32CA5F}" dt="2022-12-28T00:26:49.931" v="510" actId="478"/>
+          <ac:spMkLst>
+            <pc:docMk/>
+            <pc:sldMk cId="2122785305" sldId="553"/>
+            <ac:spMk id="2" creationId="{B7E5F082-F928-C92B-E52E-3519C0C0C22C}"/>
+          </ac:spMkLst>
+        </pc:spChg>
+        <pc:spChg chg="del">
+          <ac:chgData name="zhaohan" userId="95e304e8ede71739" providerId="LiveId" clId="{6F4793E2-BFDC-471C-9F01-BB7EFE32CA5F}" dt="2022-12-28T00:26:49.931" v="510" actId="478"/>
+          <ac:spMkLst>
+            <pc:docMk/>
+            <pc:sldMk cId="2122785305" sldId="553"/>
+            <ac:spMk id="3" creationId="{DD151AE6-9CC7-EE41-C728-F28C110EA02B}"/>
+          </ac:spMkLst>
+        </pc:spChg>
+        <pc:spChg chg="add mod">
+          <ac:chgData name="zhaohan" userId="95e304e8ede71739" providerId="LiveId" clId="{6F4793E2-BFDC-471C-9F01-BB7EFE32CA5F}" dt="2022-12-28T00:32:06.937" v="636" actId="1036"/>
+          <ac:spMkLst>
+            <pc:docMk/>
+            <pc:sldMk cId="2122785305" sldId="553"/>
+            <ac:spMk id="8" creationId="{7A6C8733-34D6-30BA-B85A-C9F97CA0C120}"/>
+          </ac:spMkLst>
+        </pc:spChg>
+        <pc:spChg chg="add mod">
+          <ac:chgData name="zhaohan" userId="95e304e8ede71739" providerId="LiveId" clId="{6F4793E2-BFDC-471C-9F01-BB7EFE32CA5F}" dt="2022-12-28T00:32:06.937" v="636" actId="1036"/>
+          <ac:spMkLst>
+            <pc:docMk/>
+            <pc:sldMk cId="2122785305" sldId="553"/>
+            <ac:spMk id="9" creationId="{2DF8CAE5-E03F-4B00-497F-42CA066ACC7F}"/>
+          </ac:spMkLst>
+        </pc:spChg>
+        <pc:spChg chg="add del mod">
+          <ac:chgData name="zhaohan" userId="95e304e8ede71739" providerId="LiveId" clId="{6F4793E2-BFDC-471C-9F01-BB7EFE32CA5F}" dt="2022-12-28T00:33:08.978" v="742" actId="21"/>
+          <ac:spMkLst>
+            <pc:docMk/>
+            <pc:sldMk cId="2122785305" sldId="553"/>
+            <ac:spMk id="10" creationId="{2B4ED23F-07E7-E57C-A06B-7088E71D9F51}"/>
+          </ac:spMkLst>
+        </pc:spChg>
+        <pc:picChg chg="add mod">
+          <ac:chgData name="zhaohan" userId="95e304e8ede71739" providerId="LiveId" clId="{6F4793E2-BFDC-471C-9F01-BB7EFE32CA5F}" dt="2022-12-28T00:32:16.854" v="652" actId="1076"/>
+          <ac:picMkLst>
+            <pc:docMk/>
+            <pc:sldMk cId="2122785305" sldId="553"/>
+            <ac:picMk id="5" creationId="{F431D470-5159-EF0A-9DFC-9D3E91A718AD}"/>
+          </ac:picMkLst>
+        </pc:picChg>
+        <pc:picChg chg="add mod">
+          <ac:chgData name="zhaohan" userId="95e304e8ede71739" providerId="LiveId" clId="{6F4793E2-BFDC-471C-9F01-BB7EFE32CA5F}" dt="2022-12-28T00:32:10.247" v="647" actId="1035"/>
+          <ac:picMkLst>
+            <pc:docMk/>
+            <pc:sldMk cId="2122785305" sldId="553"/>
+            <ac:picMk id="7" creationId="{F2D0A048-EDA3-FA1D-C707-DB4B852BEBEE}"/>
+          </ac:picMkLst>
+        </pc:picChg>
+      </pc:sldChg>
+      <pc:sldChg chg="add">
+        <pc:chgData name="zhaohan" userId="95e304e8ede71739" providerId="LiveId" clId="{6F4793E2-BFDC-471C-9F01-BB7EFE32CA5F}" dt="2022-12-28T00:35:31.586" v="807"/>
+        <pc:sldMkLst>
+          <pc:docMk/>
+          <pc:sldMk cId="286186238" sldId="554"/>
+        </pc:sldMkLst>
+      </pc:sldChg>
+      <pc:sldChg chg="addSp delSp modSp new del mod">
+        <pc:chgData name="zhaohan" userId="95e304e8ede71739" providerId="LiveId" clId="{6F4793E2-BFDC-471C-9F01-BB7EFE32CA5F}" dt="2022-12-28T00:35:29.896" v="806" actId="2696"/>
+        <pc:sldMkLst>
+          <pc:docMk/>
+          <pc:sldMk cId="3527901977" sldId="554"/>
+        </pc:sldMkLst>
+        <pc:spChg chg="del">
+          <ac:chgData name="zhaohan" userId="95e304e8ede71739" providerId="LiveId" clId="{6F4793E2-BFDC-471C-9F01-BB7EFE32CA5F}" dt="2022-12-28T00:28:53.812" v="595" actId="478"/>
+          <ac:spMkLst>
+            <pc:docMk/>
+            <pc:sldMk cId="3527901977" sldId="554"/>
+            <ac:spMk id="2" creationId="{2F762778-A528-A2ED-9D8E-CF783CF2B66A}"/>
+          </ac:spMkLst>
+        </pc:spChg>
+        <pc:spChg chg="del">
+          <ac:chgData name="zhaohan" userId="95e304e8ede71739" providerId="LiveId" clId="{6F4793E2-BFDC-471C-9F01-BB7EFE32CA5F}" dt="2022-12-28T00:28:53.812" v="595" actId="478"/>
+          <ac:spMkLst>
+            <pc:docMk/>
+            <pc:sldMk cId="3527901977" sldId="554"/>
+            <ac:spMk id="3" creationId="{322E116C-0203-7356-6F78-8D8C05BDF228}"/>
+          </ac:spMkLst>
+        </pc:spChg>
+        <pc:spChg chg="add mod">
+          <ac:chgData name="zhaohan" userId="95e304e8ede71739" providerId="LiveId" clId="{6F4793E2-BFDC-471C-9F01-BB7EFE32CA5F}" dt="2022-12-28T00:29:02.019" v="599"/>
+          <ac:spMkLst>
+            <pc:docMk/>
+            <pc:sldMk cId="3527901977" sldId="554"/>
+            <ac:spMk id="6" creationId="{4303E238-705D-9368-F2CD-BAA14F979936}"/>
+          </ac:spMkLst>
+        </pc:spChg>
+        <pc:spChg chg="add mod">
+          <ac:chgData name="zhaohan" userId="95e304e8ede71739" providerId="LiveId" clId="{6F4793E2-BFDC-471C-9F01-BB7EFE32CA5F}" dt="2022-12-28T00:29:02.019" v="599"/>
+          <ac:spMkLst>
+            <pc:docMk/>
+            <pc:sldMk cId="3527901977" sldId="554"/>
+            <ac:spMk id="7" creationId="{21BFBFF7-2DB5-D2F9-073A-00C640C510D9}"/>
+          </ac:spMkLst>
+        </pc:spChg>
+        <pc:picChg chg="add mod">
+          <ac:chgData name="zhaohan" userId="95e304e8ede71739" providerId="LiveId" clId="{6F4793E2-BFDC-471C-9F01-BB7EFE32CA5F}" dt="2022-12-28T00:31:31.097" v="604" actId="14100"/>
+          <ac:picMkLst>
+            <pc:docMk/>
+            <pc:sldMk cId="3527901977" sldId="554"/>
+            <ac:picMk id="5" creationId="{6E0CBF26-D35E-C456-579F-0E1A6F46166C}"/>
+          </ac:picMkLst>
+        </pc:picChg>
+        <pc:picChg chg="add mod">
+          <ac:chgData name="zhaohan" userId="95e304e8ede71739" providerId="LiveId" clId="{6F4793E2-BFDC-471C-9F01-BB7EFE32CA5F}" dt="2022-12-28T00:31:31.097" v="604" actId="14100"/>
+          <ac:picMkLst>
+            <pc:docMk/>
+            <pc:sldMk cId="3527901977" sldId="554"/>
+            <ac:picMk id="9" creationId="{EDF18D84-A0DB-B4C3-D272-68A87D8A0675}"/>
+          </ac:picMkLst>
+        </pc:picChg>
+      </pc:sldChg>
+      <pc:sldChg chg="add">
+        <pc:chgData name="zhaohan" userId="95e304e8ede71739" providerId="LiveId" clId="{6F4793E2-BFDC-471C-9F01-BB7EFE32CA5F}" dt="2022-12-28T00:35:36.386" v="811"/>
+        <pc:sldMkLst>
+          <pc:docMk/>
+          <pc:sldMk cId="1568944927" sldId="555"/>
+        </pc:sldMkLst>
+      </pc:sldChg>
+      <pc:sldChg chg="add">
+        <pc:chgData name="zhaohan" userId="95e304e8ede71739" providerId="LiveId" clId="{6F4793E2-BFDC-471C-9F01-BB7EFE32CA5F}" dt="2022-12-28T00:35:38.254" v="812"/>
+        <pc:sldMkLst>
+          <pc:docMk/>
+          <pc:sldMk cId="1421719640" sldId="556"/>
         </pc:sldMkLst>
       </pc:sldChg>
     </pc:docChg>
@@ -14661,6 +15411,954 @@
           <a:chExt cx="0" cy="0"/>
         </a:xfrm>
       </p:grpSpPr>
+      <p:pic>
+        <p:nvPicPr>
+          <p:cNvPr id="3" name="Picture 2">
+            <a:extLst>
+              <a:ext uri="{FF2B5EF4-FFF2-40B4-BE49-F238E27FC236}">
+                <a16:creationId xmlns:a16="http://schemas.microsoft.com/office/drawing/2014/main" id="{52F73584-5994-EDC1-8555-9E8B52345857}"/>
+              </a:ext>
+            </a:extLst>
+          </p:cNvPr>
+          <p:cNvPicPr>
+            <a:picLocks noChangeAspect="1"/>
+          </p:cNvPicPr>
+          <p:nvPr/>
+        </p:nvPicPr>
+        <p:blipFill>
+          <a:blip r:embed="rId2"/>
+          <a:stretch>
+            <a:fillRect/>
+          </a:stretch>
+        </p:blipFill>
+        <p:spPr>
+          <a:xfrm>
+            <a:off x="0" y="2820693"/>
+            <a:ext cx="12192000" cy="4037307"/>
+          </a:xfrm>
+          <a:prstGeom prst="rect">
+            <a:avLst/>
+          </a:prstGeom>
+        </p:spPr>
+      </p:pic>
+      <p:pic>
+        <p:nvPicPr>
+          <p:cNvPr id="4" name="Picture 3">
+            <a:extLst>
+              <a:ext uri="{FF2B5EF4-FFF2-40B4-BE49-F238E27FC236}">
+                <a16:creationId xmlns:a16="http://schemas.microsoft.com/office/drawing/2014/main" id="{3F814590-BBD4-2EAD-E148-E138042FF83E}"/>
+              </a:ext>
+            </a:extLst>
+          </p:cNvPr>
+          <p:cNvPicPr>
+            <a:picLocks noChangeAspect="1"/>
+          </p:cNvPicPr>
+          <p:nvPr/>
+        </p:nvPicPr>
+        <p:blipFill>
+          <a:blip r:embed="rId3"/>
+          <a:stretch>
+            <a:fillRect/>
+          </a:stretch>
+        </p:blipFill>
+        <p:spPr>
+          <a:xfrm>
+            <a:off x="0" y="0"/>
+            <a:ext cx="2689860" cy="2732331"/>
+          </a:xfrm>
+          <a:prstGeom prst="rect">
+            <a:avLst/>
+          </a:prstGeom>
+        </p:spPr>
+      </p:pic>
+      <p:sp>
+        <p:nvSpPr>
+          <p:cNvPr id="5" name="Title 1">
+            <a:extLst>
+              <a:ext uri="{FF2B5EF4-FFF2-40B4-BE49-F238E27FC236}">
+                <a16:creationId xmlns:a16="http://schemas.microsoft.com/office/drawing/2014/main" id="{F476AE55-F2DA-11CC-6E13-41DFD7690460}"/>
+              </a:ext>
+            </a:extLst>
+          </p:cNvPr>
+          <p:cNvSpPr txBox="1">
+            <a:spLocks/>
+          </p:cNvSpPr>
+          <p:nvPr/>
+        </p:nvSpPr>
+        <p:spPr>
+          <a:xfrm>
+            <a:off x="4709159" y="735552"/>
+            <a:ext cx="6803129" cy="457203"/>
+          </a:xfrm>
+          <a:prstGeom prst="rect">
+            <a:avLst/>
+          </a:prstGeom>
+        </p:spPr>
+        <p:txBody>
+          <a:bodyPr vert="horz" lIns="91440" tIns="45720" rIns="91440" bIns="45720" rtlCol="0" anchor="b">
+            <a:normAutofit fontScale="92500" lnSpcReduction="20000"/>
+          </a:bodyPr>
+          <a:lstStyle>
+            <a:lvl1pPr algn="ctr" defTabSz="914400" rtl="0" eaLnBrk="1" latinLnBrk="0" hangingPunct="1">
+              <a:lnSpc>
+                <a:spcPct val="90000"/>
+              </a:lnSpc>
+              <a:spcBef>
+                <a:spcPct val="0"/>
+              </a:spcBef>
+              <a:buNone/>
+              <a:defRPr sz="6000" kern="1200">
+                <a:solidFill>
+                  <a:schemeClr val="tx1"/>
+                </a:solidFill>
+                <a:latin typeface="+mj-lt"/>
+                <a:ea typeface="+mj-ea"/>
+                <a:cs typeface="+mj-cs"/>
+              </a:defRPr>
+            </a:lvl1pPr>
+          </a:lstStyle>
+          <a:p>
+            <a:r>
+              <a:rPr lang="en-NZ" sz="3200" b="1" dirty="0"/>
+              <a:t>LV End Diastolic Volume</a:t>
+            </a:r>
+          </a:p>
+        </p:txBody>
+      </p:sp>
+    </p:spTree>
+    <p:extLst>
+      <p:ext uri="{BB962C8B-B14F-4D97-AF65-F5344CB8AC3E}">
+        <p14:creationId xmlns:p14="http://schemas.microsoft.com/office/powerpoint/2010/main" val="4058389251"/>
+      </p:ext>
+    </p:extLst>
+  </p:cSld>
+  <p:clrMapOvr>
+    <a:masterClrMapping/>
+  </p:clrMapOvr>
+</p:sld>
+</file>
+
+<file path=ppt/slides/slide11.xml><?xml version="1.0" encoding="utf-8"?>
+<p:sld xmlns:a="http://schemas.openxmlformats.org/drawingml/2006/main" xmlns:r="http://schemas.openxmlformats.org/officeDocument/2006/relationships" xmlns:p="http://schemas.openxmlformats.org/presentationml/2006/main">
+  <p:cSld>
+    <p:spTree>
+      <p:nvGrpSpPr>
+        <p:cNvPr id="1" name=""/>
+        <p:cNvGrpSpPr/>
+        <p:nvPr/>
+      </p:nvGrpSpPr>
+      <p:grpSpPr>
+        <a:xfrm>
+          <a:off x="0" y="0"/>
+          <a:ext cx="0" cy="0"/>
+          <a:chOff x="0" y="0"/>
+          <a:chExt cx="0" cy="0"/>
+        </a:xfrm>
+      </p:grpSpPr>
+      <p:pic>
+        <p:nvPicPr>
+          <p:cNvPr id="4" name="Picture 3">
+            <a:extLst>
+              <a:ext uri="{FF2B5EF4-FFF2-40B4-BE49-F238E27FC236}">
+                <a16:creationId xmlns:a16="http://schemas.microsoft.com/office/drawing/2014/main" id="{FAEECF93-BE50-4E76-BE96-52F636803F11}"/>
+              </a:ext>
+            </a:extLst>
+          </p:cNvPr>
+          <p:cNvPicPr>
+            <a:picLocks noChangeAspect="1"/>
+          </p:cNvPicPr>
+          <p:nvPr/>
+        </p:nvPicPr>
+        <p:blipFill>
+          <a:blip r:embed="rId2"/>
+          <a:stretch>
+            <a:fillRect/>
+          </a:stretch>
+        </p:blipFill>
+        <p:spPr>
+          <a:xfrm>
+            <a:off x="0" y="0"/>
+            <a:ext cx="2689860" cy="2732331"/>
+          </a:xfrm>
+          <a:prstGeom prst="rect">
+            <a:avLst/>
+          </a:prstGeom>
+        </p:spPr>
+      </p:pic>
+      <p:sp>
+        <p:nvSpPr>
+          <p:cNvPr id="5" name="Title 1">
+            <a:extLst>
+              <a:ext uri="{FF2B5EF4-FFF2-40B4-BE49-F238E27FC236}">
+                <a16:creationId xmlns:a16="http://schemas.microsoft.com/office/drawing/2014/main" id="{F555BC56-2E57-6626-A2EC-BDA22BF34400}"/>
+              </a:ext>
+            </a:extLst>
+          </p:cNvPr>
+          <p:cNvSpPr txBox="1">
+            <a:spLocks/>
+          </p:cNvSpPr>
+          <p:nvPr/>
+        </p:nvSpPr>
+        <p:spPr>
+          <a:xfrm>
+            <a:off x="4709159" y="735552"/>
+            <a:ext cx="6803129" cy="457203"/>
+          </a:xfrm>
+          <a:prstGeom prst="rect">
+            <a:avLst/>
+          </a:prstGeom>
+        </p:spPr>
+        <p:txBody>
+          <a:bodyPr vert="horz" lIns="91440" tIns="45720" rIns="91440" bIns="45720" rtlCol="0" anchor="b">
+            <a:normAutofit fontScale="92500" lnSpcReduction="20000"/>
+          </a:bodyPr>
+          <a:lstStyle>
+            <a:lvl1pPr algn="ctr" defTabSz="914400" rtl="0" eaLnBrk="1" latinLnBrk="0" hangingPunct="1">
+              <a:lnSpc>
+                <a:spcPct val="90000"/>
+              </a:lnSpc>
+              <a:spcBef>
+                <a:spcPct val="0"/>
+              </a:spcBef>
+              <a:buNone/>
+              <a:defRPr sz="6000" kern="1200">
+                <a:solidFill>
+                  <a:schemeClr val="tx1"/>
+                </a:solidFill>
+                <a:latin typeface="+mj-lt"/>
+                <a:ea typeface="+mj-ea"/>
+                <a:cs typeface="+mj-cs"/>
+              </a:defRPr>
+            </a:lvl1pPr>
+          </a:lstStyle>
+          <a:p>
+            <a:r>
+              <a:rPr lang="en-NZ" sz="3200" b="1" dirty="0"/>
+              <a:t>White Matter Hyperintensities</a:t>
+            </a:r>
+          </a:p>
+        </p:txBody>
+      </p:sp>
+      <p:pic>
+        <p:nvPicPr>
+          <p:cNvPr id="3" name="Picture 2">
+            <a:extLst>
+              <a:ext uri="{FF2B5EF4-FFF2-40B4-BE49-F238E27FC236}">
+                <a16:creationId xmlns:a16="http://schemas.microsoft.com/office/drawing/2014/main" id="{B4FD2ECF-8122-96F1-62F8-4446ED697F41}"/>
+              </a:ext>
+            </a:extLst>
+          </p:cNvPr>
+          <p:cNvPicPr>
+            <a:picLocks noChangeAspect="1"/>
+          </p:cNvPicPr>
+          <p:nvPr/>
+        </p:nvPicPr>
+        <p:blipFill>
+          <a:blip r:embed="rId3"/>
+          <a:stretch>
+            <a:fillRect/>
+          </a:stretch>
+        </p:blipFill>
+        <p:spPr>
+          <a:xfrm>
+            <a:off x="0" y="2807390"/>
+            <a:ext cx="12192000" cy="4050610"/>
+          </a:xfrm>
+          <a:prstGeom prst="rect">
+            <a:avLst/>
+          </a:prstGeom>
+        </p:spPr>
+      </p:pic>
+    </p:spTree>
+    <p:extLst>
+      <p:ext uri="{BB962C8B-B14F-4D97-AF65-F5344CB8AC3E}">
+        <p14:creationId xmlns:p14="http://schemas.microsoft.com/office/powerpoint/2010/main" val="2383543285"/>
+      </p:ext>
+    </p:extLst>
+  </p:cSld>
+  <p:clrMapOvr>
+    <a:masterClrMapping/>
+  </p:clrMapOvr>
+</p:sld>
+</file>
+
+<file path=ppt/slides/slide12.xml><?xml version="1.0" encoding="utf-8"?>
+<p:sld xmlns:a="http://schemas.openxmlformats.org/drawingml/2006/main" xmlns:r="http://schemas.openxmlformats.org/officeDocument/2006/relationships" xmlns:p="http://schemas.openxmlformats.org/presentationml/2006/main">
+  <p:cSld>
+    <p:spTree>
+      <p:nvGrpSpPr>
+        <p:cNvPr id="1" name=""/>
+        <p:cNvGrpSpPr/>
+        <p:nvPr/>
+      </p:nvGrpSpPr>
+      <p:grpSpPr>
+        <a:xfrm>
+          <a:off x="0" y="0"/>
+          <a:ext cx="0" cy="0"/>
+          <a:chOff x="0" y="0"/>
+          <a:chExt cx="0" cy="0"/>
+        </a:xfrm>
+      </p:grpSpPr>
+      <p:pic>
+        <p:nvPicPr>
+          <p:cNvPr id="4" name="Picture 3">
+            <a:extLst>
+              <a:ext uri="{FF2B5EF4-FFF2-40B4-BE49-F238E27FC236}">
+                <a16:creationId xmlns:a16="http://schemas.microsoft.com/office/drawing/2014/main" id="{FAEECF93-BE50-4E76-BE96-52F636803F11}"/>
+              </a:ext>
+            </a:extLst>
+          </p:cNvPr>
+          <p:cNvPicPr>
+            <a:picLocks noChangeAspect="1"/>
+          </p:cNvPicPr>
+          <p:nvPr/>
+        </p:nvPicPr>
+        <p:blipFill>
+          <a:blip r:embed="rId2"/>
+          <a:stretch>
+            <a:fillRect/>
+          </a:stretch>
+        </p:blipFill>
+        <p:spPr>
+          <a:xfrm>
+            <a:off x="0" y="0"/>
+            <a:ext cx="2689860" cy="2732331"/>
+          </a:xfrm>
+          <a:prstGeom prst="rect">
+            <a:avLst/>
+          </a:prstGeom>
+        </p:spPr>
+      </p:pic>
+      <p:sp>
+        <p:nvSpPr>
+          <p:cNvPr id="5" name="Title 1">
+            <a:extLst>
+              <a:ext uri="{FF2B5EF4-FFF2-40B4-BE49-F238E27FC236}">
+                <a16:creationId xmlns:a16="http://schemas.microsoft.com/office/drawing/2014/main" id="{F555BC56-2E57-6626-A2EC-BDA22BF34400}"/>
+              </a:ext>
+            </a:extLst>
+          </p:cNvPr>
+          <p:cNvSpPr txBox="1">
+            <a:spLocks/>
+          </p:cNvSpPr>
+          <p:nvPr/>
+        </p:nvSpPr>
+        <p:spPr>
+          <a:xfrm>
+            <a:off x="4834205" y="1137563"/>
+            <a:ext cx="6803129" cy="457203"/>
+          </a:xfrm>
+          <a:prstGeom prst="rect">
+            <a:avLst/>
+          </a:prstGeom>
+        </p:spPr>
+        <p:txBody>
+          <a:bodyPr vert="horz" lIns="91440" tIns="45720" rIns="91440" bIns="45720" rtlCol="0" anchor="b">
+            <a:normAutofit fontScale="92500" lnSpcReduction="20000"/>
+          </a:bodyPr>
+          <a:lstStyle>
+            <a:lvl1pPr algn="ctr" defTabSz="914400" rtl="0" eaLnBrk="1" latinLnBrk="0" hangingPunct="1">
+              <a:lnSpc>
+                <a:spcPct val="90000"/>
+              </a:lnSpc>
+              <a:spcBef>
+                <a:spcPct val="0"/>
+              </a:spcBef>
+              <a:buNone/>
+              <a:defRPr sz="6000" kern="1200">
+                <a:solidFill>
+                  <a:schemeClr val="tx1"/>
+                </a:solidFill>
+                <a:latin typeface="+mj-lt"/>
+                <a:ea typeface="+mj-ea"/>
+                <a:cs typeface="+mj-cs"/>
+              </a:defRPr>
+            </a:lvl1pPr>
+          </a:lstStyle>
+          <a:p>
+            <a:r>
+              <a:rPr lang="en-NZ" sz="3200" b="1" dirty="0"/>
+              <a:t>Volume of Hippocampus</a:t>
+            </a:r>
+          </a:p>
+        </p:txBody>
+      </p:sp>
+      <p:pic>
+        <p:nvPicPr>
+          <p:cNvPr id="7" name="Picture 6">
+            <a:extLst>
+              <a:ext uri="{FF2B5EF4-FFF2-40B4-BE49-F238E27FC236}">
+                <a16:creationId xmlns:a16="http://schemas.microsoft.com/office/drawing/2014/main" id="{C2FB9DA3-CDC0-0B8D-122E-D8D776CB703C}"/>
+              </a:ext>
+            </a:extLst>
+          </p:cNvPr>
+          <p:cNvPicPr>
+            <a:picLocks noChangeAspect="1"/>
+          </p:cNvPicPr>
+          <p:nvPr/>
+        </p:nvPicPr>
+        <p:blipFill>
+          <a:blip r:embed="rId3"/>
+          <a:stretch>
+            <a:fillRect/>
+          </a:stretch>
+        </p:blipFill>
+        <p:spPr>
+          <a:xfrm>
+            <a:off x="0" y="2847386"/>
+            <a:ext cx="12192000" cy="4010614"/>
+          </a:xfrm>
+          <a:prstGeom prst="rect">
+            <a:avLst/>
+          </a:prstGeom>
+        </p:spPr>
+      </p:pic>
+    </p:spTree>
+    <p:extLst>
+      <p:ext uri="{BB962C8B-B14F-4D97-AF65-F5344CB8AC3E}">
+        <p14:creationId xmlns:p14="http://schemas.microsoft.com/office/powerpoint/2010/main" val="777328632"/>
+      </p:ext>
+    </p:extLst>
+  </p:cSld>
+  <p:clrMapOvr>
+    <a:masterClrMapping/>
+  </p:clrMapOvr>
+</p:sld>
+</file>
+
+<file path=ppt/slides/slide13.xml><?xml version="1.0" encoding="utf-8"?>
+<p:sld xmlns:a="http://schemas.openxmlformats.org/drawingml/2006/main" xmlns:r="http://schemas.openxmlformats.org/officeDocument/2006/relationships" xmlns:p="http://schemas.openxmlformats.org/presentationml/2006/main">
+  <p:cSld>
+    <p:spTree>
+      <p:nvGrpSpPr>
+        <p:cNvPr id="1" name=""/>
+        <p:cNvGrpSpPr/>
+        <p:nvPr/>
+      </p:nvGrpSpPr>
+      <p:grpSpPr>
+        <a:xfrm>
+          <a:off x="0" y="0"/>
+          <a:ext cx="0" cy="0"/>
+          <a:chOff x="0" y="0"/>
+          <a:chExt cx="0" cy="0"/>
+        </a:xfrm>
+      </p:grpSpPr>
+      <p:pic>
+        <p:nvPicPr>
+          <p:cNvPr id="2" name="Picture 1">
+            <a:extLst>
+              <a:ext uri="{FF2B5EF4-FFF2-40B4-BE49-F238E27FC236}">
+                <a16:creationId xmlns:a16="http://schemas.microsoft.com/office/drawing/2014/main" id="{9EBA045A-626E-2597-C541-22F99E0FEE43}"/>
+              </a:ext>
+            </a:extLst>
+          </p:cNvPr>
+          <p:cNvPicPr>
+            <a:picLocks noChangeAspect="1"/>
+          </p:cNvPicPr>
+          <p:nvPr/>
+        </p:nvPicPr>
+        <p:blipFill>
+          <a:blip r:embed="rId2"/>
+          <a:stretch>
+            <a:fillRect/>
+          </a:stretch>
+        </p:blipFill>
+        <p:spPr>
+          <a:xfrm>
+            <a:off x="0" y="0"/>
+            <a:ext cx="2689860" cy="2732331"/>
+          </a:xfrm>
+          <a:prstGeom prst="rect">
+            <a:avLst/>
+          </a:prstGeom>
+        </p:spPr>
+      </p:pic>
+      <p:sp>
+        <p:nvSpPr>
+          <p:cNvPr id="3" name="Title 1">
+            <a:extLst>
+              <a:ext uri="{FF2B5EF4-FFF2-40B4-BE49-F238E27FC236}">
+                <a16:creationId xmlns:a16="http://schemas.microsoft.com/office/drawing/2014/main" id="{2BC9CC1F-050E-2326-AF9A-BFD7B6A3C573}"/>
+              </a:ext>
+            </a:extLst>
+          </p:cNvPr>
+          <p:cNvSpPr txBox="1">
+            <a:spLocks/>
+          </p:cNvSpPr>
+          <p:nvPr/>
+        </p:nvSpPr>
+        <p:spPr>
+          <a:xfrm>
+            <a:off x="4709159" y="735552"/>
+            <a:ext cx="6803129" cy="457203"/>
+          </a:xfrm>
+          <a:prstGeom prst="rect">
+            <a:avLst/>
+          </a:prstGeom>
+        </p:spPr>
+        <p:txBody>
+          <a:bodyPr vert="horz" lIns="91440" tIns="45720" rIns="91440" bIns="45720" rtlCol="0" anchor="b">
+            <a:normAutofit fontScale="92500" lnSpcReduction="20000"/>
+          </a:bodyPr>
+          <a:lstStyle>
+            <a:lvl1pPr algn="ctr" defTabSz="914400" rtl="0" eaLnBrk="1" latinLnBrk="0" hangingPunct="1">
+              <a:lnSpc>
+                <a:spcPct val="90000"/>
+              </a:lnSpc>
+              <a:spcBef>
+                <a:spcPct val="0"/>
+              </a:spcBef>
+              <a:buNone/>
+              <a:defRPr sz="6000" kern="1200">
+                <a:solidFill>
+                  <a:schemeClr val="tx1"/>
+                </a:solidFill>
+                <a:latin typeface="+mj-lt"/>
+                <a:ea typeface="+mj-ea"/>
+                <a:cs typeface="+mj-cs"/>
+              </a:defRPr>
+            </a:lvl1pPr>
+          </a:lstStyle>
+          <a:p>
+            <a:r>
+              <a:rPr lang="en-NZ" sz="3200" b="1" dirty="0"/>
+              <a:t>Cardiac Output</a:t>
+            </a:r>
+          </a:p>
+        </p:txBody>
+      </p:sp>
+      <p:pic>
+        <p:nvPicPr>
+          <p:cNvPr id="5" name="Picture 4">
+            <a:extLst>
+              <a:ext uri="{FF2B5EF4-FFF2-40B4-BE49-F238E27FC236}">
+                <a16:creationId xmlns:a16="http://schemas.microsoft.com/office/drawing/2014/main" id="{1F4576E1-DDD8-79E3-E145-4D98BFDFD87C}"/>
+              </a:ext>
+            </a:extLst>
+          </p:cNvPr>
+          <p:cNvPicPr>
+            <a:picLocks noChangeAspect="1"/>
+          </p:cNvPicPr>
+          <p:nvPr/>
+        </p:nvPicPr>
+        <p:blipFill>
+          <a:blip r:embed="rId3"/>
+          <a:stretch>
+            <a:fillRect/>
+          </a:stretch>
+        </p:blipFill>
+        <p:spPr>
+          <a:xfrm>
+            <a:off x="0" y="2816232"/>
+            <a:ext cx="12192000" cy="4041768"/>
+          </a:xfrm>
+          <a:prstGeom prst="rect">
+            <a:avLst/>
+          </a:prstGeom>
+        </p:spPr>
+      </p:pic>
+    </p:spTree>
+    <p:extLst>
+      <p:ext uri="{BB962C8B-B14F-4D97-AF65-F5344CB8AC3E}">
+        <p14:creationId xmlns:p14="http://schemas.microsoft.com/office/powerpoint/2010/main" val="2297458641"/>
+      </p:ext>
+    </p:extLst>
+  </p:cSld>
+  <p:clrMapOvr>
+    <a:masterClrMapping/>
+  </p:clrMapOvr>
+</p:sld>
+</file>
+
+<file path=ppt/slides/slide14.xml><?xml version="1.0" encoding="utf-8"?>
+<p:sld xmlns:a="http://schemas.openxmlformats.org/drawingml/2006/main" xmlns:r="http://schemas.openxmlformats.org/officeDocument/2006/relationships" xmlns:p="http://schemas.openxmlformats.org/presentationml/2006/main">
+  <p:cSld>
+    <p:spTree>
+      <p:nvGrpSpPr>
+        <p:cNvPr id="1" name=""/>
+        <p:cNvGrpSpPr/>
+        <p:nvPr/>
+      </p:nvGrpSpPr>
+      <p:grpSpPr>
+        <a:xfrm>
+          <a:off x="0" y="0"/>
+          <a:ext cx="0" cy="0"/>
+          <a:chOff x="0" y="0"/>
+          <a:chExt cx="0" cy="0"/>
+        </a:xfrm>
+      </p:grpSpPr>
+      <p:pic>
+        <p:nvPicPr>
+          <p:cNvPr id="4" name="Picture 3">
+            <a:extLst>
+              <a:ext uri="{FF2B5EF4-FFF2-40B4-BE49-F238E27FC236}">
+                <a16:creationId xmlns:a16="http://schemas.microsoft.com/office/drawing/2014/main" id="{FAEECF93-BE50-4E76-BE96-52F636803F11}"/>
+              </a:ext>
+            </a:extLst>
+          </p:cNvPr>
+          <p:cNvPicPr>
+            <a:picLocks noChangeAspect="1"/>
+          </p:cNvPicPr>
+          <p:nvPr/>
+        </p:nvPicPr>
+        <p:blipFill>
+          <a:blip r:embed="rId2"/>
+          <a:stretch>
+            <a:fillRect/>
+          </a:stretch>
+        </p:blipFill>
+        <p:spPr>
+          <a:xfrm>
+            <a:off x="0" y="0"/>
+            <a:ext cx="2689860" cy="2732331"/>
+          </a:xfrm>
+          <a:prstGeom prst="rect">
+            <a:avLst/>
+          </a:prstGeom>
+        </p:spPr>
+      </p:pic>
+      <p:sp>
+        <p:nvSpPr>
+          <p:cNvPr id="5" name="Title 1">
+            <a:extLst>
+              <a:ext uri="{FF2B5EF4-FFF2-40B4-BE49-F238E27FC236}">
+                <a16:creationId xmlns:a16="http://schemas.microsoft.com/office/drawing/2014/main" id="{F555BC56-2E57-6626-A2EC-BDA22BF34400}"/>
+              </a:ext>
+            </a:extLst>
+          </p:cNvPr>
+          <p:cNvSpPr txBox="1">
+            <a:spLocks/>
+          </p:cNvSpPr>
+          <p:nvPr/>
+        </p:nvSpPr>
+        <p:spPr>
+          <a:xfrm>
+            <a:off x="4709159" y="735552"/>
+            <a:ext cx="6803129" cy="457203"/>
+          </a:xfrm>
+          <a:prstGeom prst="rect">
+            <a:avLst/>
+          </a:prstGeom>
+        </p:spPr>
+        <p:txBody>
+          <a:bodyPr vert="horz" lIns="91440" tIns="45720" rIns="91440" bIns="45720" rtlCol="0" anchor="b">
+            <a:normAutofit fontScale="92500" lnSpcReduction="20000"/>
+          </a:bodyPr>
+          <a:lstStyle>
+            <a:lvl1pPr algn="ctr" defTabSz="914400" rtl="0" eaLnBrk="1" latinLnBrk="0" hangingPunct="1">
+              <a:lnSpc>
+                <a:spcPct val="90000"/>
+              </a:lnSpc>
+              <a:spcBef>
+                <a:spcPct val="0"/>
+              </a:spcBef>
+              <a:buNone/>
+              <a:defRPr sz="6000" kern="1200">
+                <a:solidFill>
+                  <a:schemeClr val="tx1"/>
+                </a:solidFill>
+                <a:latin typeface="+mj-lt"/>
+                <a:ea typeface="+mj-ea"/>
+                <a:cs typeface="+mj-cs"/>
+              </a:defRPr>
+            </a:lvl1pPr>
+          </a:lstStyle>
+          <a:p>
+            <a:r>
+              <a:rPr lang="en-NZ" sz="3200" b="1" dirty="0"/>
+              <a:t>Cardiac Index</a:t>
+            </a:r>
+          </a:p>
+        </p:txBody>
+      </p:sp>
+      <p:pic>
+        <p:nvPicPr>
+          <p:cNvPr id="3" name="Picture 2">
+            <a:extLst>
+              <a:ext uri="{FF2B5EF4-FFF2-40B4-BE49-F238E27FC236}">
+                <a16:creationId xmlns:a16="http://schemas.microsoft.com/office/drawing/2014/main" id="{BD556FEA-9B9E-1660-C531-FE2818BD0337}"/>
+              </a:ext>
+            </a:extLst>
+          </p:cNvPr>
+          <p:cNvPicPr>
+            <a:picLocks noChangeAspect="1"/>
+          </p:cNvPicPr>
+          <p:nvPr/>
+        </p:nvPicPr>
+        <p:blipFill>
+          <a:blip r:embed="rId3"/>
+          <a:stretch>
+            <a:fillRect/>
+          </a:stretch>
+        </p:blipFill>
+        <p:spPr>
+          <a:xfrm>
+            <a:off x="0" y="2847298"/>
+            <a:ext cx="12192000" cy="4010702"/>
+          </a:xfrm>
+          <a:prstGeom prst="rect">
+            <a:avLst/>
+          </a:prstGeom>
+        </p:spPr>
+      </p:pic>
+    </p:spTree>
+    <p:extLst>
+      <p:ext uri="{BB962C8B-B14F-4D97-AF65-F5344CB8AC3E}">
+        <p14:creationId xmlns:p14="http://schemas.microsoft.com/office/powerpoint/2010/main" val="2636684523"/>
+      </p:ext>
+    </p:extLst>
+  </p:cSld>
+  <p:clrMapOvr>
+    <a:masterClrMapping/>
+  </p:clrMapOvr>
+</p:sld>
+</file>
+
+<file path=ppt/slides/slide15.xml><?xml version="1.0" encoding="utf-8"?>
+<p:sld xmlns:a="http://schemas.openxmlformats.org/drawingml/2006/main" xmlns:r="http://schemas.openxmlformats.org/officeDocument/2006/relationships" xmlns:p="http://schemas.openxmlformats.org/presentationml/2006/main">
+  <p:cSld>
+    <p:spTree>
+      <p:nvGrpSpPr>
+        <p:cNvPr id="1" name=""/>
+        <p:cNvGrpSpPr/>
+        <p:nvPr/>
+      </p:nvGrpSpPr>
+      <p:grpSpPr>
+        <a:xfrm>
+          <a:off x="0" y="0"/>
+          <a:ext cx="0" cy="0"/>
+          <a:chOff x="0" y="0"/>
+          <a:chExt cx="0" cy="0"/>
+        </a:xfrm>
+      </p:grpSpPr>
+      <p:pic>
+        <p:nvPicPr>
+          <p:cNvPr id="2" name="Picture 1">
+            <a:extLst>
+              <a:ext uri="{FF2B5EF4-FFF2-40B4-BE49-F238E27FC236}">
+                <a16:creationId xmlns:a16="http://schemas.microsoft.com/office/drawing/2014/main" id="{9EBA045A-626E-2597-C541-22F99E0FEE43}"/>
+              </a:ext>
+            </a:extLst>
+          </p:cNvPr>
+          <p:cNvPicPr>
+            <a:picLocks noChangeAspect="1"/>
+          </p:cNvPicPr>
+          <p:nvPr/>
+        </p:nvPicPr>
+        <p:blipFill>
+          <a:blip r:embed="rId2"/>
+          <a:stretch>
+            <a:fillRect/>
+          </a:stretch>
+        </p:blipFill>
+        <p:spPr>
+          <a:xfrm>
+            <a:off x="0" y="0"/>
+            <a:ext cx="2689860" cy="2732331"/>
+          </a:xfrm>
+          <a:prstGeom prst="rect">
+            <a:avLst/>
+          </a:prstGeom>
+        </p:spPr>
+      </p:pic>
+      <p:sp>
+        <p:nvSpPr>
+          <p:cNvPr id="3" name="Title 1">
+            <a:extLst>
+              <a:ext uri="{FF2B5EF4-FFF2-40B4-BE49-F238E27FC236}">
+                <a16:creationId xmlns:a16="http://schemas.microsoft.com/office/drawing/2014/main" id="{2BC9CC1F-050E-2326-AF9A-BFD7B6A3C573}"/>
+              </a:ext>
+            </a:extLst>
+          </p:cNvPr>
+          <p:cNvSpPr txBox="1">
+            <a:spLocks/>
+          </p:cNvSpPr>
+          <p:nvPr/>
+        </p:nvSpPr>
+        <p:spPr>
+          <a:xfrm>
+            <a:off x="4709159" y="735552"/>
+            <a:ext cx="6803129" cy="457203"/>
+          </a:xfrm>
+          <a:prstGeom prst="rect">
+            <a:avLst/>
+          </a:prstGeom>
+        </p:spPr>
+        <p:txBody>
+          <a:bodyPr vert="horz" lIns="91440" tIns="45720" rIns="91440" bIns="45720" rtlCol="0" anchor="b">
+            <a:normAutofit fontScale="92500" lnSpcReduction="20000"/>
+          </a:bodyPr>
+          <a:lstStyle>
+            <a:lvl1pPr algn="ctr" defTabSz="914400" rtl="0" eaLnBrk="1" latinLnBrk="0" hangingPunct="1">
+              <a:lnSpc>
+                <a:spcPct val="90000"/>
+              </a:lnSpc>
+              <a:spcBef>
+                <a:spcPct val="0"/>
+              </a:spcBef>
+              <a:buNone/>
+              <a:defRPr sz="6000" kern="1200">
+                <a:solidFill>
+                  <a:schemeClr val="tx1"/>
+                </a:solidFill>
+                <a:latin typeface="+mj-lt"/>
+                <a:ea typeface="+mj-ea"/>
+                <a:cs typeface="+mj-cs"/>
+              </a:defRPr>
+            </a:lvl1pPr>
+          </a:lstStyle>
+          <a:p>
+            <a:r>
+              <a:rPr lang="en-NZ" sz="3200" b="1" dirty="0"/>
+              <a:t>High Light Scatter Reticulocyte</a:t>
+            </a:r>
+          </a:p>
+        </p:txBody>
+      </p:sp>
+      <p:pic>
+        <p:nvPicPr>
+          <p:cNvPr id="5" name="Picture 4">
+            <a:extLst>
+              <a:ext uri="{FF2B5EF4-FFF2-40B4-BE49-F238E27FC236}">
+                <a16:creationId xmlns:a16="http://schemas.microsoft.com/office/drawing/2014/main" id="{AEFA25CC-4F70-D520-A528-85E805AC3156}"/>
+              </a:ext>
+            </a:extLst>
+          </p:cNvPr>
+          <p:cNvPicPr>
+            <a:picLocks noChangeAspect="1"/>
+          </p:cNvPicPr>
+          <p:nvPr/>
+        </p:nvPicPr>
+        <p:blipFill>
+          <a:blip r:embed="rId3"/>
+          <a:stretch>
+            <a:fillRect/>
+          </a:stretch>
+        </p:blipFill>
+        <p:spPr>
+          <a:xfrm>
+            <a:off x="0" y="2813987"/>
+            <a:ext cx="12192000" cy="4044013"/>
+          </a:xfrm>
+          <a:prstGeom prst="rect">
+            <a:avLst/>
+          </a:prstGeom>
+        </p:spPr>
+      </p:pic>
+    </p:spTree>
+    <p:extLst>
+      <p:ext uri="{BB962C8B-B14F-4D97-AF65-F5344CB8AC3E}">
+        <p14:creationId xmlns:p14="http://schemas.microsoft.com/office/powerpoint/2010/main" val="2646678378"/>
+      </p:ext>
+    </p:extLst>
+  </p:cSld>
+  <p:clrMapOvr>
+    <a:masterClrMapping/>
+  </p:clrMapOvr>
+</p:sld>
+</file>
+
+<file path=ppt/slides/slide16.xml><?xml version="1.0" encoding="utf-8"?>
+<p:sld xmlns:a="http://schemas.openxmlformats.org/drawingml/2006/main" xmlns:r="http://schemas.openxmlformats.org/officeDocument/2006/relationships" xmlns:p="http://schemas.openxmlformats.org/presentationml/2006/main">
+  <p:cSld>
+    <p:spTree>
+      <p:nvGrpSpPr>
+        <p:cNvPr id="1" name=""/>
+        <p:cNvGrpSpPr/>
+        <p:nvPr/>
+      </p:nvGrpSpPr>
+      <p:grpSpPr>
+        <a:xfrm>
+          <a:off x="0" y="0"/>
+          <a:ext cx="0" cy="0"/>
+          <a:chOff x="0" y="0"/>
+          <a:chExt cx="0" cy="0"/>
+        </a:xfrm>
+      </p:grpSpPr>
+      <p:sp>
+        <p:nvSpPr>
+          <p:cNvPr id="2" name="Title 1">
+            <a:extLst>
+              <a:ext uri="{FF2B5EF4-FFF2-40B4-BE49-F238E27FC236}">
+                <a16:creationId xmlns:a16="http://schemas.microsoft.com/office/drawing/2014/main" id="{48BDDA02-5D37-DA16-4744-8ECE4782E128}"/>
+              </a:ext>
+            </a:extLst>
+          </p:cNvPr>
+          <p:cNvSpPr txBox="1">
+            <a:spLocks/>
+          </p:cNvSpPr>
+          <p:nvPr/>
+        </p:nvSpPr>
+        <p:spPr>
+          <a:xfrm>
+            <a:off x="0" y="0"/>
+            <a:ext cx="12192000" cy="6858000"/>
+          </a:xfrm>
+          <a:prstGeom prst="rect">
+            <a:avLst/>
+          </a:prstGeom>
+        </p:spPr>
+        <p:txBody>
+          <a:bodyPr vert="horz" lIns="91440" tIns="45720" rIns="91440" bIns="45720" rtlCol="0" anchor="ctr">
+            <a:normAutofit/>
+          </a:bodyPr>
+          <a:lstStyle>
+            <a:lvl1pPr algn="ctr" defTabSz="914400" rtl="0" eaLnBrk="1" latinLnBrk="0" hangingPunct="1">
+              <a:lnSpc>
+                <a:spcPct val="90000"/>
+              </a:lnSpc>
+              <a:spcBef>
+                <a:spcPct val="0"/>
+              </a:spcBef>
+              <a:buNone/>
+              <a:defRPr sz="6000" kern="1200">
+                <a:solidFill>
+                  <a:schemeClr val="tx1"/>
+                </a:solidFill>
+                <a:latin typeface="+mj-lt"/>
+                <a:ea typeface="+mj-ea"/>
+                <a:cs typeface="+mj-cs"/>
+              </a:defRPr>
+            </a:lvl1pPr>
+          </a:lstStyle>
+          <a:p>
+            <a:r>
+              <a:rPr lang="en-NZ" sz="4800" b="1" dirty="0"/>
+              <a:t>Outcome vs Hyper Score</a:t>
+            </a:r>
+          </a:p>
+        </p:txBody>
+      </p:sp>
+    </p:spTree>
+    <p:extLst>
+      <p:ext uri="{BB962C8B-B14F-4D97-AF65-F5344CB8AC3E}">
+        <p14:creationId xmlns:p14="http://schemas.microsoft.com/office/powerpoint/2010/main" val="2906041494"/>
+      </p:ext>
+    </p:extLst>
+  </p:cSld>
+  <p:clrMapOvr>
+    <a:masterClrMapping/>
+  </p:clrMapOvr>
+</p:sld>
+</file>
+
+<file path=ppt/slides/slide17.xml><?xml version="1.0" encoding="utf-8"?>
+<p:sld xmlns:a="http://schemas.openxmlformats.org/drawingml/2006/main" xmlns:r="http://schemas.openxmlformats.org/officeDocument/2006/relationships" xmlns:p="http://schemas.openxmlformats.org/presentationml/2006/main">
+  <p:cSld>
+    <p:spTree>
+      <p:nvGrpSpPr>
+        <p:cNvPr id="1" name=""/>
+        <p:cNvGrpSpPr/>
+        <p:nvPr/>
+      </p:nvGrpSpPr>
+      <p:grpSpPr>
+        <a:xfrm>
+          <a:off x="0" y="0"/>
+          <a:ext cx="0" cy="0"/>
+          <a:chOff x="0" y="0"/>
+          <a:chExt cx="0" cy="0"/>
+        </a:xfrm>
+      </p:grpSpPr>
     </p:spTree>
     <p:extLst>
       <p:ext uri="{BB962C8B-B14F-4D97-AF65-F5344CB8AC3E}">
@@ -14674,7 +16372,37 @@
 </p:sld>
 </file>
 
-<file path=ppt/slides/slide11.xml><?xml version="1.0" encoding="utf-8"?>
+<file path=ppt/slides/slide18.xml><?xml version="1.0" encoding="utf-8"?>
+<p:sld xmlns:a="http://schemas.openxmlformats.org/drawingml/2006/main" xmlns:r="http://schemas.openxmlformats.org/officeDocument/2006/relationships" xmlns:p="http://schemas.openxmlformats.org/presentationml/2006/main">
+  <p:cSld>
+    <p:spTree>
+      <p:nvGrpSpPr>
+        <p:cNvPr id="1" name=""/>
+        <p:cNvGrpSpPr/>
+        <p:nvPr/>
+      </p:nvGrpSpPr>
+      <p:grpSpPr>
+        <a:xfrm>
+          <a:off x="0" y="0"/>
+          <a:ext cx="0" cy="0"/>
+          <a:chOff x="0" y="0"/>
+          <a:chExt cx="0" cy="0"/>
+        </a:xfrm>
+      </p:grpSpPr>
+    </p:spTree>
+    <p:extLst>
+      <p:ext uri="{BB962C8B-B14F-4D97-AF65-F5344CB8AC3E}">
+        <p14:creationId xmlns:p14="http://schemas.microsoft.com/office/powerpoint/2010/main" val="1568944927"/>
+      </p:ext>
+    </p:extLst>
+  </p:cSld>
+  <p:clrMapOvr>
+    <a:masterClrMapping/>
+  </p:clrMapOvr>
+</p:sld>
+</file>
+
+<file path=ppt/slides/slide19.xml><?xml version="1.0" encoding="utf-8"?>
 <p:sld xmlns:a="http://schemas.openxmlformats.org/drawingml/2006/main" xmlns:r="http://schemas.openxmlformats.org/officeDocument/2006/relationships" xmlns:p="http://schemas.openxmlformats.org/presentationml/2006/main">
   <p:cSld>
     <p:spTree>
@@ -14763,215 +16491,6 @@
 </p:sld>
 </file>
 
-<file path=ppt/slides/slide12.xml><?xml version="1.0" encoding="utf-8"?>
-<p:sld xmlns:a="http://schemas.openxmlformats.org/drawingml/2006/main" xmlns:r="http://schemas.openxmlformats.org/officeDocument/2006/relationships" xmlns:p="http://schemas.openxmlformats.org/presentationml/2006/main">
-  <p:cSld>
-    <p:spTree>
-      <p:nvGrpSpPr>
-        <p:cNvPr id="1" name=""/>
-        <p:cNvGrpSpPr/>
-        <p:nvPr/>
-      </p:nvGrpSpPr>
-      <p:grpSpPr>
-        <a:xfrm>
-          <a:off x="0" y="0"/>
-          <a:ext cx="0" cy="0"/>
-          <a:chOff x="0" y="0"/>
-          <a:chExt cx="0" cy="0"/>
-        </a:xfrm>
-      </p:grpSpPr>
-    </p:spTree>
-    <p:extLst>
-      <p:ext uri="{BB962C8B-B14F-4D97-AF65-F5344CB8AC3E}">
-        <p14:creationId xmlns:p14="http://schemas.microsoft.com/office/powerpoint/2010/main" val="3082692664"/>
-      </p:ext>
-    </p:extLst>
-  </p:cSld>
-  <p:clrMapOvr>
-    <a:masterClrMapping/>
-  </p:clrMapOvr>
-</p:sld>
-</file>
-
-<file path=ppt/slides/slide13.xml><?xml version="1.0" encoding="utf-8"?>
-<p:sld xmlns:a="http://schemas.openxmlformats.org/drawingml/2006/main" xmlns:r="http://schemas.openxmlformats.org/officeDocument/2006/relationships" xmlns:p="http://schemas.openxmlformats.org/presentationml/2006/main">
-  <p:cSld>
-    <p:spTree>
-      <p:nvGrpSpPr>
-        <p:cNvPr id="1" name=""/>
-        <p:cNvGrpSpPr/>
-        <p:nvPr/>
-      </p:nvGrpSpPr>
-      <p:grpSpPr>
-        <a:xfrm>
-          <a:off x="0" y="0"/>
-          <a:ext cx="0" cy="0"/>
-          <a:chOff x="0" y="0"/>
-          <a:chExt cx="0" cy="0"/>
-        </a:xfrm>
-      </p:grpSpPr>
-    </p:spTree>
-    <p:extLst>
-      <p:ext uri="{BB962C8B-B14F-4D97-AF65-F5344CB8AC3E}">
-        <p14:creationId xmlns:p14="http://schemas.microsoft.com/office/powerpoint/2010/main" val="2743899311"/>
-      </p:ext>
-    </p:extLst>
-  </p:cSld>
-  <p:clrMapOvr>
-    <a:masterClrMapping/>
-  </p:clrMapOvr>
-</p:sld>
-</file>
-
-<file path=ppt/slides/slide14.xml><?xml version="1.0" encoding="utf-8"?>
-<p:sld xmlns:a="http://schemas.openxmlformats.org/drawingml/2006/main" xmlns:r="http://schemas.openxmlformats.org/officeDocument/2006/relationships" xmlns:p="http://schemas.openxmlformats.org/presentationml/2006/main">
-  <p:cSld>
-    <p:spTree>
-      <p:nvGrpSpPr>
-        <p:cNvPr id="1" name=""/>
-        <p:cNvGrpSpPr/>
-        <p:nvPr/>
-      </p:nvGrpSpPr>
-      <p:grpSpPr>
-        <a:xfrm>
-          <a:off x="0" y="0"/>
-          <a:ext cx="0" cy="0"/>
-          <a:chOff x="0" y="0"/>
-          <a:chExt cx="0" cy="0"/>
-        </a:xfrm>
-      </p:grpSpPr>
-    </p:spTree>
-    <p:extLst>
-      <p:ext uri="{BB962C8B-B14F-4D97-AF65-F5344CB8AC3E}">
-        <p14:creationId xmlns:p14="http://schemas.microsoft.com/office/powerpoint/2010/main" val="2855002222"/>
-      </p:ext>
-    </p:extLst>
-  </p:cSld>
-  <p:clrMapOvr>
-    <a:masterClrMapping/>
-  </p:clrMapOvr>
-</p:sld>
-</file>
-
-<file path=ppt/slides/slide15.xml><?xml version="1.0" encoding="utf-8"?>
-<p:sld xmlns:a="http://schemas.openxmlformats.org/drawingml/2006/main" xmlns:r="http://schemas.openxmlformats.org/officeDocument/2006/relationships" xmlns:p="http://schemas.openxmlformats.org/presentationml/2006/main">
-  <p:cSld>
-    <p:spTree>
-      <p:nvGrpSpPr>
-        <p:cNvPr id="1" name=""/>
-        <p:cNvGrpSpPr/>
-        <p:nvPr/>
-      </p:nvGrpSpPr>
-      <p:grpSpPr>
-        <a:xfrm>
-          <a:off x="0" y="0"/>
-          <a:ext cx="0" cy="0"/>
-          <a:chOff x="0" y="0"/>
-          <a:chExt cx="0" cy="0"/>
-        </a:xfrm>
-      </p:grpSpPr>
-      <p:sp>
-        <p:nvSpPr>
-          <p:cNvPr id="2" name="Title 1">
-            <a:extLst>
-              <a:ext uri="{FF2B5EF4-FFF2-40B4-BE49-F238E27FC236}">
-                <a16:creationId xmlns:a16="http://schemas.microsoft.com/office/drawing/2014/main" id="{48BDDA02-5D37-DA16-4744-8ECE4782E128}"/>
-              </a:ext>
-            </a:extLst>
-          </p:cNvPr>
-          <p:cNvSpPr txBox="1">
-            <a:spLocks/>
-          </p:cNvSpPr>
-          <p:nvPr/>
-        </p:nvSpPr>
-        <p:spPr>
-          <a:xfrm>
-            <a:off x="0" y="0"/>
-            <a:ext cx="12192000" cy="6858000"/>
-          </a:xfrm>
-          <a:prstGeom prst="rect">
-            <a:avLst/>
-          </a:prstGeom>
-        </p:spPr>
-        <p:txBody>
-          <a:bodyPr vert="horz" lIns="91440" tIns="45720" rIns="91440" bIns="45720" rtlCol="0" anchor="ctr">
-            <a:normAutofit/>
-          </a:bodyPr>
-          <a:lstStyle>
-            <a:lvl1pPr algn="ctr" defTabSz="914400" rtl="0" eaLnBrk="1" latinLnBrk="0" hangingPunct="1">
-              <a:lnSpc>
-                <a:spcPct val="90000"/>
-              </a:lnSpc>
-              <a:spcBef>
-                <a:spcPct val="0"/>
-              </a:spcBef>
-              <a:buNone/>
-              <a:defRPr sz="6000" kern="1200">
-                <a:solidFill>
-                  <a:schemeClr val="tx1"/>
-                </a:solidFill>
-                <a:latin typeface="+mj-lt"/>
-                <a:ea typeface="+mj-ea"/>
-                <a:cs typeface="+mj-cs"/>
-              </a:defRPr>
-            </a:lvl1pPr>
-          </a:lstStyle>
-          <a:p>
-            <a:r>
-              <a:rPr lang="en-NZ" sz="4800" b="1" dirty="0"/>
-              <a:t>Variables </a:t>
-            </a:r>
-            <a:r>
-              <a:rPr lang="en-NZ" sz="4800" b="1"/>
-              <a:t>in Trajectories</a:t>
-            </a:r>
-            <a:endParaRPr lang="en-NZ" sz="4800" b="1" dirty="0"/>
-          </a:p>
-        </p:txBody>
-      </p:sp>
-    </p:spTree>
-    <p:extLst>
-      <p:ext uri="{BB962C8B-B14F-4D97-AF65-F5344CB8AC3E}">
-        <p14:creationId xmlns:p14="http://schemas.microsoft.com/office/powerpoint/2010/main" val="3806831244"/>
-      </p:ext>
-    </p:extLst>
-  </p:cSld>
-  <p:clrMapOvr>
-    <a:masterClrMapping/>
-  </p:clrMapOvr>
-</p:sld>
-</file>
-
-<file path=ppt/slides/slide16.xml><?xml version="1.0" encoding="utf-8"?>
-<p:sld xmlns:a="http://schemas.openxmlformats.org/drawingml/2006/main" xmlns:r="http://schemas.openxmlformats.org/officeDocument/2006/relationships" xmlns:p="http://schemas.openxmlformats.org/presentationml/2006/main">
-  <p:cSld>
-    <p:spTree>
-      <p:nvGrpSpPr>
-        <p:cNvPr id="1" name=""/>
-        <p:cNvGrpSpPr/>
-        <p:nvPr/>
-      </p:nvGrpSpPr>
-      <p:grpSpPr>
-        <a:xfrm>
-          <a:off x="0" y="0"/>
-          <a:ext cx="0" cy="0"/>
-          <a:chOff x="0" y="0"/>
-          <a:chExt cx="0" cy="0"/>
-        </a:xfrm>
-      </p:grpSpPr>
-    </p:spTree>
-    <p:extLst>
-      <p:ext uri="{BB962C8B-B14F-4D97-AF65-F5344CB8AC3E}">
-        <p14:creationId xmlns:p14="http://schemas.microsoft.com/office/powerpoint/2010/main" val="879257294"/>
-      </p:ext>
-    </p:extLst>
-  </p:cSld>
-  <p:clrMapOvr>
-    <a:masterClrMapping/>
-  </p:clrMapOvr>
-</p:sld>
-</file>
-
 <file path=ppt/slides/slide2.xml><?xml version="1.0" encoding="utf-8"?>
 <p:sld xmlns:a="http://schemas.openxmlformats.org/drawingml/2006/main" xmlns:r="http://schemas.openxmlformats.org/officeDocument/2006/relationships" xmlns:p="http://schemas.openxmlformats.org/presentationml/2006/main">
   <p:cSld>
@@ -15047,6 +16566,921 @@
     <p:extLst>
       <p:ext uri="{BB962C8B-B14F-4D97-AF65-F5344CB8AC3E}">
         <p14:creationId xmlns:p14="http://schemas.microsoft.com/office/powerpoint/2010/main" val="2839761964"/>
+      </p:ext>
+    </p:extLst>
+  </p:cSld>
+  <p:clrMapOvr>
+    <a:masterClrMapping/>
+  </p:clrMapOvr>
+</p:sld>
+</file>
+
+<file path=ppt/slides/slide20.xml><?xml version="1.0" encoding="utf-8"?>
+<p:sld xmlns:a="http://schemas.openxmlformats.org/drawingml/2006/main" xmlns:r="http://schemas.openxmlformats.org/officeDocument/2006/relationships" xmlns:p="http://schemas.openxmlformats.org/presentationml/2006/main">
+  <p:cSld>
+    <p:spTree>
+      <p:nvGrpSpPr>
+        <p:cNvPr id="1" name=""/>
+        <p:cNvGrpSpPr/>
+        <p:nvPr/>
+      </p:nvGrpSpPr>
+      <p:grpSpPr>
+        <a:xfrm>
+          <a:off x="0" y="0"/>
+          <a:ext cx="0" cy="0"/>
+          <a:chOff x="0" y="0"/>
+          <a:chExt cx="0" cy="0"/>
+        </a:xfrm>
+      </p:grpSpPr>
+      <p:pic>
+        <p:nvPicPr>
+          <p:cNvPr id="5" name="Picture 4">
+            <a:extLst>
+              <a:ext uri="{FF2B5EF4-FFF2-40B4-BE49-F238E27FC236}">
+                <a16:creationId xmlns:a16="http://schemas.microsoft.com/office/drawing/2014/main" id="{F59254BF-E2DD-3AE1-702E-39339B0598A5}"/>
+              </a:ext>
+            </a:extLst>
+          </p:cNvPr>
+          <p:cNvPicPr>
+            <a:picLocks noChangeAspect="1"/>
+          </p:cNvPicPr>
+          <p:nvPr/>
+        </p:nvPicPr>
+        <p:blipFill rotWithShape="1">
+          <a:blip r:embed="rId2"/>
+          <a:srcRect t="408"/>
+          <a:stretch/>
+        </p:blipFill>
+        <p:spPr>
+          <a:xfrm>
+            <a:off x="0" y="188259"/>
+            <a:ext cx="12192000" cy="6094089"/>
+          </a:xfrm>
+          <a:prstGeom prst="rect">
+            <a:avLst/>
+          </a:prstGeom>
+        </p:spPr>
+      </p:pic>
+      <p:sp>
+        <p:nvSpPr>
+          <p:cNvPr id="6" name="Title 1">
+            <a:extLst>
+              <a:ext uri="{FF2B5EF4-FFF2-40B4-BE49-F238E27FC236}">
+                <a16:creationId xmlns:a16="http://schemas.microsoft.com/office/drawing/2014/main" id="{BDC63C59-6471-C633-74A4-FAD6C1BF2210}"/>
+              </a:ext>
+            </a:extLst>
+          </p:cNvPr>
+          <p:cNvSpPr txBox="1">
+            <a:spLocks/>
+          </p:cNvSpPr>
+          <p:nvPr/>
+        </p:nvSpPr>
+        <p:spPr>
+          <a:xfrm>
+            <a:off x="116541" y="6400797"/>
+            <a:ext cx="3827930" cy="457203"/>
+          </a:xfrm>
+          <a:prstGeom prst="rect">
+            <a:avLst/>
+          </a:prstGeom>
+        </p:spPr>
+        <p:txBody>
+          <a:bodyPr vert="horz" lIns="91440" tIns="45720" rIns="91440" bIns="45720" rtlCol="0" anchor="b">
+            <a:normAutofit/>
+          </a:bodyPr>
+          <a:lstStyle>
+            <a:lvl1pPr algn="ctr" defTabSz="914400" rtl="0" eaLnBrk="1" latinLnBrk="0" hangingPunct="1">
+              <a:lnSpc>
+                <a:spcPct val="90000"/>
+              </a:lnSpc>
+              <a:spcBef>
+                <a:spcPct val="0"/>
+              </a:spcBef>
+              <a:buNone/>
+              <a:defRPr sz="6000" kern="1200">
+                <a:solidFill>
+                  <a:schemeClr val="tx1"/>
+                </a:solidFill>
+                <a:latin typeface="+mj-lt"/>
+                <a:ea typeface="+mj-ea"/>
+                <a:cs typeface="+mj-cs"/>
+              </a:defRPr>
+            </a:lvl1pPr>
+          </a:lstStyle>
+          <a:p>
+            <a:pPr algn="l"/>
+            <a:r>
+              <a:rPr lang="en-NZ" sz="2000" b="1" dirty="0"/>
+              <a:t>613 measurements</a:t>
+            </a:r>
+          </a:p>
+        </p:txBody>
+      </p:sp>
+    </p:spTree>
+    <p:extLst>
+      <p:ext uri="{BB962C8B-B14F-4D97-AF65-F5344CB8AC3E}">
+        <p14:creationId xmlns:p14="http://schemas.microsoft.com/office/powerpoint/2010/main" val="3549256860"/>
+      </p:ext>
+    </p:extLst>
+  </p:cSld>
+  <p:clrMapOvr>
+    <a:masterClrMapping/>
+  </p:clrMapOvr>
+</p:sld>
+</file>
+
+<file path=ppt/slides/slide21.xml><?xml version="1.0" encoding="utf-8"?>
+<p:sld xmlns:a="http://schemas.openxmlformats.org/drawingml/2006/main" xmlns:r="http://schemas.openxmlformats.org/officeDocument/2006/relationships" xmlns:p="http://schemas.openxmlformats.org/presentationml/2006/main">
+  <p:cSld>
+    <p:spTree>
+      <p:nvGrpSpPr>
+        <p:cNvPr id="1" name=""/>
+        <p:cNvGrpSpPr/>
+        <p:nvPr/>
+      </p:nvGrpSpPr>
+      <p:grpSpPr>
+        <a:xfrm>
+          <a:off x="0" y="0"/>
+          <a:ext cx="0" cy="0"/>
+          <a:chOff x="0" y="0"/>
+          <a:chExt cx="0" cy="0"/>
+        </a:xfrm>
+      </p:grpSpPr>
+      <p:pic>
+        <p:nvPicPr>
+          <p:cNvPr id="5" name="Picture 4">
+            <a:extLst>
+              <a:ext uri="{FF2B5EF4-FFF2-40B4-BE49-F238E27FC236}">
+                <a16:creationId xmlns:a16="http://schemas.microsoft.com/office/drawing/2014/main" id="{F431D470-5159-EF0A-9DFC-9D3E91A718AD}"/>
+              </a:ext>
+            </a:extLst>
+          </p:cNvPr>
+          <p:cNvPicPr>
+            <a:picLocks noChangeAspect="1"/>
+          </p:cNvPicPr>
+          <p:nvPr/>
+        </p:nvPicPr>
+        <p:blipFill>
+          <a:blip r:embed="rId2"/>
+          <a:stretch>
+            <a:fillRect/>
+          </a:stretch>
+        </p:blipFill>
+        <p:spPr>
+          <a:xfrm>
+            <a:off x="0" y="493059"/>
+            <a:ext cx="5978286" cy="5913904"/>
+          </a:xfrm>
+          <a:prstGeom prst="rect">
+            <a:avLst/>
+          </a:prstGeom>
+        </p:spPr>
+      </p:pic>
+      <p:pic>
+        <p:nvPicPr>
+          <p:cNvPr id="7" name="Picture 6">
+            <a:extLst>
+              <a:ext uri="{FF2B5EF4-FFF2-40B4-BE49-F238E27FC236}">
+                <a16:creationId xmlns:a16="http://schemas.microsoft.com/office/drawing/2014/main" id="{F2D0A048-EDA3-FA1D-C707-DB4B852BEBEE}"/>
+              </a:ext>
+            </a:extLst>
+          </p:cNvPr>
+          <p:cNvPicPr>
+            <a:picLocks noChangeAspect="1"/>
+          </p:cNvPicPr>
+          <p:nvPr/>
+        </p:nvPicPr>
+        <p:blipFill>
+          <a:blip r:embed="rId3"/>
+          <a:stretch>
+            <a:fillRect/>
+          </a:stretch>
+        </p:blipFill>
+        <p:spPr>
+          <a:xfrm>
+            <a:off x="6213716" y="494696"/>
+            <a:ext cx="5941496" cy="5959891"/>
+          </a:xfrm>
+          <a:prstGeom prst="rect">
+            <a:avLst/>
+          </a:prstGeom>
+        </p:spPr>
+      </p:pic>
+      <p:sp>
+        <p:nvSpPr>
+          <p:cNvPr id="8" name="Title 1">
+            <a:extLst>
+              <a:ext uri="{FF2B5EF4-FFF2-40B4-BE49-F238E27FC236}">
+                <a16:creationId xmlns:a16="http://schemas.microsoft.com/office/drawing/2014/main" id="{7A6C8733-34D6-30BA-B85A-C9F97CA0C120}"/>
+              </a:ext>
+            </a:extLst>
+          </p:cNvPr>
+          <p:cNvSpPr txBox="1">
+            <a:spLocks/>
+          </p:cNvSpPr>
+          <p:nvPr/>
+        </p:nvSpPr>
+        <p:spPr>
+          <a:xfrm>
+            <a:off x="0" y="-62755"/>
+            <a:ext cx="5876925" cy="457203"/>
+          </a:xfrm>
+          <a:prstGeom prst="rect">
+            <a:avLst/>
+          </a:prstGeom>
+        </p:spPr>
+        <p:txBody>
+          <a:bodyPr vert="horz" lIns="91440" tIns="45720" rIns="91440" bIns="45720" rtlCol="0" anchor="b">
+            <a:normAutofit/>
+          </a:bodyPr>
+          <a:lstStyle>
+            <a:lvl1pPr algn="ctr" defTabSz="914400" rtl="0" eaLnBrk="1" latinLnBrk="0" hangingPunct="1">
+              <a:lnSpc>
+                <a:spcPct val="90000"/>
+              </a:lnSpc>
+              <a:spcBef>
+                <a:spcPct val="0"/>
+              </a:spcBef>
+              <a:buNone/>
+              <a:defRPr sz="6000" kern="1200">
+                <a:solidFill>
+                  <a:schemeClr val="tx1"/>
+                </a:solidFill>
+                <a:latin typeface="+mj-lt"/>
+                <a:ea typeface="+mj-ea"/>
+                <a:cs typeface="+mj-cs"/>
+              </a:defRPr>
+            </a:lvl1pPr>
+          </a:lstStyle>
+          <a:p>
+            <a:r>
+              <a:rPr lang="en-NZ" sz="2400" b="1" dirty="0"/>
+              <a:t>Limit Hyper Score range to 0-0.6</a:t>
+            </a:r>
+          </a:p>
+        </p:txBody>
+      </p:sp>
+      <p:sp>
+        <p:nvSpPr>
+          <p:cNvPr id="9" name="Title 1">
+            <a:extLst>
+              <a:ext uri="{FF2B5EF4-FFF2-40B4-BE49-F238E27FC236}">
+                <a16:creationId xmlns:a16="http://schemas.microsoft.com/office/drawing/2014/main" id="{2DF8CAE5-E03F-4B00-497F-42CA066ACC7F}"/>
+              </a:ext>
+            </a:extLst>
+          </p:cNvPr>
+          <p:cNvSpPr txBox="1">
+            <a:spLocks/>
+          </p:cNvSpPr>
+          <p:nvPr/>
+        </p:nvSpPr>
+        <p:spPr>
+          <a:xfrm>
+            <a:off x="6311452" y="-62755"/>
+            <a:ext cx="5876925" cy="457203"/>
+          </a:xfrm>
+          <a:prstGeom prst="rect">
+            <a:avLst/>
+          </a:prstGeom>
+        </p:spPr>
+        <p:txBody>
+          <a:bodyPr vert="horz" lIns="91440" tIns="45720" rIns="91440" bIns="45720" rtlCol="0" anchor="b">
+            <a:normAutofit/>
+          </a:bodyPr>
+          <a:lstStyle>
+            <a:lvl1pPr algn="ctr" defTabSz="914400" rtl="0" eaLnBrk="1" latinLnBrk="0" hangingPunct="1">
+              <a:lnSpc>
+                <a:spcPct val="90000"/>
+              </a:lnSpc>
+              <a:spcBef>
+                <a:spcPct val="0"/>
+              </a:spcBef>
+              <a:buNone/>
+              <a:defRPr sz="6000" kern="1200">
+                <a:solidFill>
+                  <a:schemeClr val="tx1"/>
+                </a:solidFill>
+                <a:latin typeface="+mj-lt"/>
+                <a:ea typeface="+mj-ea"/>
+                <a:cs typeface="+mj-cs"/>
+              </a:defRPr>
+            </a:lvl1pPr>
+          </a:lstStyle>
+          <a:p>
+            <a:r>
+              <a:rPr lang="en-NZ" sz="2400" b="1" dirty="0"/>
+              <a:t>Limit Hyper Score range to 0-0.5</a:t>
+            </a:r>
+          </a:p>
+        </p:txBody>
+      </p:sp>
+    </p:spTree>
+    <p:extLst>
+      <p:ext uri="{BB962C8B-B14F-4D97-AF65-F5344CB8AC3E}">
+        <p14:creationId xmlns:p14="http://schemas.microsoft.com/office/powerpoint/2010/main" val="894404234"/>
+      </p:ext>
+    </p:extLst>
+  </p:cSld>
+  <p:clrMapOvr>
+    <a:masterClrMapping/>
+  </p:clrMapOvr>
+</p:sld>
+</file>
+
+<file path=ppt/slides/slide22.xml><?xml version="1.0" encoding="utf-8"?>
+<p:sld xmlns:a="http://schemas.openxmlformats.org/drawingml/2006/main" xmlns:r="http://schemas.openxmlformats.org/officeDocument/2006/relationships" xmlns:p="http://schemas.openxmlformats.org/presentationml/2006/main">
+  <p:cSld>
+    <p:spTree>
+      <p:nvGrpSpPr>
+        <p:cNvPr id="1" name=""/>
+        <p:cNvGrpSpPr/>
+        <p:nvPr/>
+      </p:nvGrpSpPr>
+      <p:grpSpPr>
+        <a:xfrm>
+          <a:off x="0" y="0"/>
+          <a:ext cx="0" cy="0"/>
+          <a:chOff x="0" y="0"/>
+          <a:chExt cx="0" cy="0"/>
+        </a:xfrm>
+      </p:grpSpPr>
+      <p:pic>
+        <p:nvPicPr>
+          <p:cNvPr id="9" name="Picture 8">
+            <a:extLst>
+              <a:ext uri="{FF2B5EF4-FFF2-40B4-BE49-F238E27FC236}">
+                <a16:creationId xmlns:a16="http://schemas.microsoft.com/office/drawing/2014/main" id="{7D2BD7A8-14DE-8822-DF80-9BD6C027420A}"/>
+              </a:ext>
+            </a:extLst>
+          </p:cNvPr>
+          <p:cNvPicPr>
+            <a:picLocks noChangeAspect="1"/>
+          </p:cNvPicPr>
+          <p:nvPr/>
+        </p:nvPicPr>
+        <p:blipFill>
+          <a:blip r:embed="rId2"/>
+          <a:stretch>
+            <a:fillRect/>
+          </a:stretch>
+        </p:blipFill>
+        <p:spPr>
+          <a:xfrm>
+            <a:off x="0" y="150437"/>
+            <a:ext cx="12192000" cy="6073031"/>
+          </a:xfrm>
+          <a:prstGeom prst="rect">
+            <a:avLst/>
+          </a:prstGeom>
+        </p:spPr>
+      </p:pic>
+      <p:sp>
+        <p:nvSpPr>
+          <p:cNvPr id="10" name="Title 1">
+            <a:extLst>
+              <a:ext uri="{FF2B5EF4-FFF2-40B4-BE49-F238E27FC236}">
+                <a16:creationId xmlns:a16="http://schemas.microsoft.com/office/drawing/2014/main" id="{C3CAEE8D-4C7C-0FD5-65FC-3A8BFE531854}"/>
+              </a:ext>
+            </a:extLst>
+          </p:cNvPr>
+          <p:cNvSpPr txBox="1">
+            <a:spLocks/>
+          </p:cNvSpPr>
+          <p:nvPr/>
+        </p:nvSpPr>
+        <p:spPr>
+          <a:xfrm>
+            <a:off x="116541" y="6400797"/>
+            <a:ext cx="3827930" cy="457203"/>
+          </a:xfrm>
+          <a:prstGeom prst="rect">
+            <a:avLst/>
+          </a:prstGeom>
+        </p:spPr>
+        <p:txBody>
+          <a:bodyPr vert="horz" lIns="91440" tIns="45720" rIns="91440" bIns="45720" rtlCol="0" anchor="b">
+            <a:normAutofit/>
+          </a:bodyPr>
+          <a:lstStyle>
+            <a:lvl1pPr algn="ctr" defTabSz="914400" rtl="0" eaLnBrk="1" latinLnBrk="0" hangingPunct="1">
+              <a:lnSpc>
+                <a:spcPct val="90000"/>
+              </a:lnSpc>
+              <a:spcBef>
+                <a:spcPct val="0"/>
+              </a:spcBef>
+              <a:buNone/>
+              <a:defRPr sz="6000" kern="1200">
+                <a:solidFill>
+                  <a:schemeClr val="tx1"/>
+                </a:solidFill>
+                <a:latin typeface="+mj-lt"/>
+                <a:ea typeface="+mj-ea"/>
+                <a:cs typeface="+mj-cs"/>
+              </a:defRPr>
+            </a:lvl1pPr>
+          </a:lstStyle>
+          <a:p>
+            <a:pPr algn="l"/>
+            <a:r>
+              <a:rPr lang="en-NZ" sz="2000" b="1" dirty="0"/>
+              <a:t>610 measurements</a:t>
+            </a:r>
+          </a:p>
+        </p:txBody>
+      </p:sp>
+    </p:spTree>
+    <p:extLst>
+      <p:ext uri="{BB962C8B-B14F-4D97-AF65-F5344CB8AC3E}">
+        <p14:creationId xmlns:p14="http://schemas.microsoft.com/office/powerpoint/2010/main" val="70301993"/>
+      </p:ext>
+    </p:extLst>
+  </p:cSld>
+  <p:clrMapOvr>
+    <a:masterClrMapping/>
+  </p:clrMapOvr>
+</p:sld>
+</file>
+
+<file path=ppt/slides/slide23.xml><?xml version="1.0" encoding="utf-8"?>
+<p:sld xmlns:a="http://schemas.openxmlformats.org/drawingml/2006/main" xmlns:r="http://schemas.openxmlformats.org/officeDocument/2006/relationships" xmlns:p="http://schemas.openxmlformats.org/presentationml/2006/main">
+  <p:cSld>
+    <p:spTree>
+      <p:nvGrpSpPr>
+        <p:cNvPr id="1" name=""/>
+        <p:cNvGrpSpPr/>
+        <p:nvPr/>
+      </p:nvGrpSpPr>
+      <p:grpSpPr>
+        <a:xfrm>
+          <a:off x="0" y="0"/>
+          <a:ext cx="0" cy="0"/>
+          <a:chOff x="0" y="0"/>
+          <a:chExt cx="0" cy="0"/>
+        </a:xfrm>
+      </p:grpSpPr>
+      <p:pic>
+        <p:nvPicPr>
+          <p:cNvPr id="5" name="Picture 4">
+            <a:extLst>
+              <a:ext uri="{FF2B5EF4-FFF2-40B4-BE49-F238E27FC236}">
+                <a16:creationId xmlns:a16="http://schemas.microsoft.com/office/drawing/2014/main" id="{6E0CBF26-D35E-C456-579F-0E1A6F46166C}"/>
+              </a:ext>
+            </a:extLst>
+          </p:cNvPr>
+          <p:cNvPicPr>
+            <a:picLocks noChangeAspect="1"/>
+          </p:cNvPicPr>
+          <p:nvPr/>
+        </p:nvPicPr>
+        <p:blipFill>
+          <a:blip r:embed="rId2"/>
+          <a:stretch>
+            <a:fillRect/>
+          </a:stretch>
+        </p:blipFill>
+        <p:spPr>
+          <a:xfrm>
+            <a:off x="0" y="695326"/>
+            <a:ext cx="5873597" cy="5828554"/>
+          </a:xfrm>
+          <a:prstGeom prst="rect">
+            <a:avLst/>
+          </a:prstGeom>
+        </p:spPr>
+      </p:pic>
+      <p:sp>
+        <p:nvSpPr>
+          <p:cNvPr id="6" name="Title 1">
+            <a:extLst>
+              <a:ext uri="{FF2B5EF4-FFF2-40B4-BE49-F238E27FC236}">
+                <a16:creationId xmlns:a16="http://schemas.microsoft.com/office/drawing/2014/main" id="{4303E238-705D-9368-F2CD-BAA14F979936}"/>
+              </a:ext>
+            </a:extLst>
+          </p:cNvPr>
+          <p:cNvSpPr txBox="1">
+            <a:spLocks/>
+          </p:cNvSpPr>
+          <p:nvPr/>
+        </p:nvSpPr>
+        <p:spPr>
+          <a:xfrm>
+            <a:off x="0" y="179292"/>
+            <a:ext cx="5876925" cy="457203"/>
+          </a:xfrm>
+          <a:prstGeom prst="rect">
+            <a:avLst/>
+          </a:prstGeom>
+        </p:spPr>
+        <p:txBody>
+          <a:bodyPr vert="horz" lIns="91440" tIns="45720" rIns="91440" bIns="45720" rtlCol="0" anchor="b">
+            <a:normAutofit/>
+          </a:bodyPr>
+          <a:lstStyle>
+            <a:lvl1pPr algn="ctr" defTabSz="914400" rtl="0" eaLnBrk="1" latinLnBrk="0" hangingPunct="1">
+              <a:lnSpc>
+                <a:spcPct val="90000"/>
+              </a:lnSpc>
+              <a:spcBef>
+                <a:spcPct val="0"/>
+              </a:spcBef>
+              <a:buNone/>
+              <a:defRPr sz="6000" kern="1200">
+                <a:solidFill>
+                  <a:schemeClr val="tx1"/>
+                </a:solidFill>
+                <a:latin typeface="+mj-lt"/>
+                <a:ea typeface="+mj-ea"/>
+                <a:cs typeface="+mj-cs"/>
+              </a:defRPr>
+            </a:lvl1pPr>
+          </a:lstStyle>
+          <a:p>
+            <a:r>
+              <a:rPr lang="en-NZ" sz="2400" b="1" dirty="0"/>
+              <a:t>Limit Hyper Score range to 0-0.6</a:t>
+            </a:r>
+          </a:p>
+        </p:txBody>
+      </p:sp>
+      <p:sp>
+        <p:nvSpPr>
+          <p:cNvPr id="7" name="Title 1">
+            <a:extLst>
+              <a:ext uri="{FF2B5EF4-FFF2-40B4-BE49-F238E27FC236}">
+                <a16:creationId xmlns:a16="http://schemas.microsoft.com/office/drawing/2014/main" id="{21BFBFF7-2DB5-D2F9-073A-00C640C510D9}"/>
+              </a:ext>
+            </a:extLst>
+          </p:cNvPr>
+          <p:cNvSpPr txBox="1">
+            <a:spLocks/>
+          </p:cNvSpPr>
+          <p:nvPr/>
+        </p:nvSpPr>
+        <p:spPr>
+          <a:xfrm>
+            <a:off x="6311452" y="179292"/>
+            <a:ext cx="5876925" cy="457203"/>
+          </a:xfrm>
+          <a:prstGeom prst="rect">
+            <a:avLst/>
+          </a:prstGeom>
+        </p:spPr>
+        <p:txBody>
+          <a:bodyPr vert="horz" lIns="91440" tIns="45720" rIns="91440" bIns="45720" rtlCol="0" anchor="b">
+            <a:normAutofit/>
+          </a:bodyPr>
+          <a:lstStyle>
+            <a:lvl1pPr algn="ctr" defTabSz="914400" rtl="0" eaLnBrk="1" latinLnBrk="0" hangingPunct="1">
+              <a:lnSpc>
+                <a:spcPct val="90000"/>
+              </a:lnSpc>
+              <a:spcBef>
+                <a:spcPct val="0"/>
+              </a:spcBef>
+              <a:buNone/>
+              <a:defRPr sz="6000" kern="1200">
+                <a:solidFill>
+                  <a:schemeClr val="tx1"/>
+                </a:solidFill>
+                <a:latin typeface="+mj-lt"/>
+                <a:ea typeface="+mj-ea"/>
+                <a:cs typeface="+mj-cs"/>
+              </a:defRPr>
+            </a:lvl1pPr>
+          </a:lstStyle>
+          <a:p>
+            <a:r>
+              <a:rPr lang="en-NZ" sz="2400" b="1" dirty="0"/>
+              <a:t>Limit Hyper Score range to 0-0.5</a:t>
+            </a:r>
+          </a:p>
+        </p:txBody>
+      </p:sp>
+      <p:pic>
+        <p:nvPicPr>
+          <p:cNvPr id="9" name="Picture 8">
+            <a:extLst>
+              <a:ext uri="{FF2B5EF4-FFF2-40B4-BE49-F238E27FC236}">
+                <a16:creationId xmlns:a16="http://schemas.microsoft.com/office/drawing/2014/main" id="{EDF18D84-A0DB-B4C3-D272-68A87D8A0675}"/>
+              </a:ext>
+            </a:extLst>
+          </p:cNvPr>
+          <p:cNvPicPr>
+            <a:picLocks noChangeAspect="1"/>
+          </p:cNvPicPr>
+          <p:nvPr/>
+        </p:nvPicPr>
+        <p:blipFill>
+          <a:blip r:embed="rId3"/>
+          <a:stretch>
+            <a:fillRect/>
+          </a:stretch>
+        </p:blipFill>
+        <p:spPr>
+          <a:xfrm>
+            <a:off x="6210300" y="695325"/>
+            <a:ext cx="5981700" cy="5945666"/>
+          </a:xfrm>
+          <a:prstGeom prst="rect">
+            <a:avLst/>
+          </a:prstGeom>
+        </p:spPr>
+      </p:pic>
+    </p:spTree>
+    <p:extLst>
+      <p:ext uri="{BB962C8B-B14F-4D97-AF65-F5344CB8AC3E}">
+        <p14:creationId xmlns:p14="http://schemas.microsoft.com/office/powerpoint/2010/main" val="286186238"/>
+      </p:ext>
+    </p:extLst>
+  </p:cSld>
+  <p:clrMapOvr>
+    <a:masterClrMapping/>
+  </p:clrMapOvr>
+</p:sld>
+</file>
+
+<file path=ppt/slides/slide24.xml><?xml version="1.0" encoding="utf-8"?>
+<p:sld xmlns:a="http://schemas.openxmlformats.org/drawingml/2006/main" xmlns:r="http://schemas.openxmlformats.org/officeDocument/2006/relationships" xmlns:p="http://schemas.openxmlformats.org/presentationml/2006/main">
+  <p:cSld>
+    <p:spTree>
+      <p:nvGrpSpPr>
+        <p:cNvPr id="1" name=""/>
+        <p:cNvGrpSpPr/>
+        <p:nvPr/>
+      </p:nvGrpSpPr>
+      <p:grpSpPr>
+        <a:xfrm>
+          <a:off x="0" y="0"/>
+          <a:ext cx="0" cy="0"/>
+          <a:chOff x="0" y="0"/>
+          <a:chExt cx="0" cy="0"/>
+        </a:xfrm>
+      </p:grpSpPr>
+      <p:pic>
+        <p:nvPicPr>
+          <p:cNvPr id="5" name="Picture 4">
+            <a:extLst>
+              <a:ext uri="{FF2B5EF4-FFF2-40B4-BE49-F238E27FC236}">
+                <a16:creationId xmlns:a16="http://schemas.microsoft.com/office/drawing/2014/main" id="{3E2FDC9E-1A18-385C-E5FC-74CD34E459D6}"/>
+              </a:ext>
+            </a:extLst>
+          </p:cNvPr>
+          <p:cNvPicPr>
+            <a:picLocks noChangeAspect="1"/>
+          </p:cNvPicPr>
+          <p:nvPr/>
+        </p:nvPicPr>
+        <p:blipFill>
+          <a:blip r:embed="rId2"/>
+          <a:stretch>
+            <a:fillRect/>
+          </a:stretch>
+        </p:blipFill>
+        <p:spPr>
+          <a:xfrm>
+            <a:off x="0" y="145854"/>
+            <a:ext cx="12192000" cy="6082198"/>
+          </a:xfrm>
+          <a:prstGeom prst="rect">
+            <a:avLst/>
+          </a:prstGeom>
+        </p:spPr>
+      </p:pic>
+      <p:sp>
+        <p:nvSpPr>
+          <p:cNvPr id="6" name="Title 1">
+            <a:extLst>
+              <a:ext uri="{FF2B5EF4-FFF2-40B4-BE49-F238E27FC236}">
+                <a16:creationId xmlns:a16="http://schemas.microsoft.com/office/drawing/2014/main" id="{90CF9770-D223-A47C-B7F9-37654584C09F}"/>
+              </a:ext>
+            </a:extLst>
+          </p:cNvPr>
+          <p:cNvSpPr txBox="1">
+            <a:spLocks/>
+          </p:cNvSpPr>
+          <p:nvPr/>
+        </p:nvSpPr>
+        <p:spPr>
+          <a:xfrm>
+            <a:off x="116541" y="6400797"/>
+            <a:ext cx="3827930" cy="457203"/>
+          </a:xfrm>
+          <a:prstGeom prst="rect">
+            <a:avLst/>
+          </a:prstGeom>
+        </p:spPr>
+        <p:txBody>
+          <a:bodyPr vert="horz" lIns="91440" tIns="45720" rIns="91440" bIns="45720" rtlCol="0" anchor="b">
+            <a:normAutofit/>
+          </a:bodyPr>
+          <a:lstStyle>
+            <a:lvl1pPr algn="ctr" defTabSz="914400" rtl="0" eaLnBrk="1" latinLnBrk="0" hangingPunct="1">
+              <a:lnSpc>
+                <a:spcPct val="90000"/>
+              </a:lnSpc>
+              <a:spcBef>
+                <a:spcPct val="0"/>
+              </a:spcBef>
+              <a:buNone/>
+              <a:defRPr sz="6000" kern="1200">
+                <a:solidFill>
+                  <a:schemeClr val="tx1"/>
+                </a:solidFill>
+                <a:latin typeface="+mj-lt"/>
+                <a:ea typeface="+mj-ea"/>
+                <a:cs typeface="+mj-cs"/>
+              </a:defRPr>
+            </a:lvl1pPr>
+          </a:lstStyle>
+          <a:p>
+            <a:pPr algn="l"/>
+            <a:r>
+              <a:rPr lang="en-NZ" sz="2000" b="1" dirty="0"/>
+              <a:t>2447 measurements</a:t>
+            </a:r>
+          </a:p>
+        </p:txBody>
+      </p:sp>
+    </p:spTree>
+    <p:extLst>
+      <p:ext uri="{BB962C8B-B14F-4D97-AF65-F5344CB8AC3E}">
+        <p14:creationId xmlns:p14="http://schemas.microsoft.com/office/powerpoint/2010/main" val="2890954449"/>
+      </p:ext>
+    </p:extLst>
+  </p:cSld>
+  <p:clrMapOvr>
+    <a:masterClrMapping/>
+  </p:clrMapOvr>
+</p:sld>
+</file>
+
+<file path=ppt/slides/slide25.xml><?xml version="1.0" encoding="utf-8"?>
+<p:sld xmlns:a="http://schemas.openxmlformats.org/drawingml/2006/main" xmlns:r="http://schemas.openxmlformats.org/officeDocument/2006/relationships" xmlns:p="http://schemas.openxmlformats.org/presentationml/2006/main">
+  <p:cSld>
+    <p:spTree>
+      <p:nvGrpSpPr>
+        <p:cNvPr id="1" name=""/>
+        <p:cNvGrpSpPr/>
+        <p:nvPr/>
+      </p:nvGrpSpPr>
+      <p:grpSpPr>
+        <a:xfrm>
+          <a:off x="0" y="0"/>
+          <a:ext cx="0" cy="0"/>
+          <a:chOff x="0" y="0"/>
+          <a:chExt cx="0" cy="0"/>
+        </a:xfrm>
+      </p:grpSpPr>
+      <p:pic>
+        <p:nvPicPr>
+          <p:cNvPr id="3" name="Picture 2">
+            <a:extLst>
+              <a:ext uri="{FF2B5EF4-FFF2-40B4-BE49-F238E27FC236}">
+                <a16:creationId xmlns:a16="http://schemas.microsoft.com/office/drawing/2014/main" id="{35E58E87-4129-4681-D5E6-038E94891EA6}"/>
+              </a:ext>
+            </a:extLst>
+          </p:cNvPr>
+          <p:cNvPicPr>
+            <a:picLocks noChangeAspect="1"/>
+          </p:cNvPicPr>
+          <p:nvPr/>
+        </p:nvPicPr>
+        <p:blipFill>
+          <a:blip r:embed="rId2"/>
+          <a:stretch>
+            <a:fillRect/>
+          </a:stretch>
+        </p:blipFill>
+        <p:spPr>
+          <a:xfrm>
+            <a:off x="0" y="401672"/>
+            <a:ext cx="12192000" cy="6054656"/>
+          </a:xfrm>
+          <a:prstGeom prst="rect">
+            <a:avLst/>
+          </a:prstGeom>
+        </p:spPr>
+      </p:pic>
+      <p:sp>
+        <p:nvSpPr>
+          <p:cNvPr id="4" name="Title 1">
+            <a:extLst>
+              <a:ext uri="{FF2B5EF4-FFF2-40B4-BE49-F238E27FC236}">
+                <a16:creationId xmlns:a16="http://schemas.microsoft.com/office/drawing/2014/main" id="{5FB983BD-982F-CA30-FDD1-680215710280}"/>
+              </a:ext>
+            </a:extLst>
+          </p:cNvPr>
+          <p:cNvSpPr txBox="1">
+            <a:spLocks/>
+          </p:cNvSpPr>
+          <p:nvPr/>
+        </p:nvSpPr>
+        <p:spPr>
+          <a:xfrm>
+            <a:off x="116541" y="6400797"/>
+            <a:ext cx="3827930" cy="457203"/>
+          </a:xfrm>
+          <a:prstGeom prst="rect">
+            <a:avLst/>
+          </a:prstGeom>
+        </p:spPr>
+        <p:txBody>
+          <a:bodyPr vert="horz" lIns="91440" tIns="45720" rIns="91440" bIns="45720" rtlCol="0" anchor="b">
+            <a:normAutofit/>
+          </a:bodyPr>
+          <a:lstStyle>
+            <a:lvl1pPr algn="ctr" defTabSz="914400" rtl="0" eaLnBrk="1" latinLnBrk="0" hangingPunct="1">
+              <a:lnSpc>
+                <a:spcPct val="90000"/>
+              </a:lnSpc>
+              <a:spcBef>
+                <a:spcPct val="0"/>
+              </a:spcBef>
+              <a:buNone/>
+              <a:defRPr sz="6000" kern="1200">
+                <a:solidFill>
+                  <a:schemeClr val="tx1"/>
+                </a:solidFill>
+                <a:latin typeface="+mj-lt"/>
+                <a:ea typeface="+mj-ea"/>
+                <a:cs typeface="+mj-cs"/>
+              </a:defRPr>
+            </a:lvl1pPr>
+          </a:lstStyle>
+          <a:p>
+            <a:pPr algn="l"/>
+            <a:r>
+              <a:rPr lang="en-NZ" sz="2000" b="1" dirty="0"/>
+              <a:t>2669 measurements</a:t>
+            </a:r>
+          </a:p>
+        </p:txBody>
+      </p:sp>
+    </p:spTree>
+    <p:extLst>
+      <p:ext uri="{BB962C8B-B14F-4D97-AF65-F5344CB8AC3E}">
+        <p14:creationId xmlns:p14="http://schemas.microsoft.com/office/powerpoint/2010/main" val="3626909285"/>
+      </p:ext>
+    </p:extLst>
+  </p:cSld>
+  <p:clrMapOvr>
+    <a:masterClrMapping/>
+  </p:clrMapOvr>
+</p:sld>
+</file>
+
+<file path=ppt/slides/slide26.xml><?xml version="1.0" encoding="utf-8"?>
+<p:sld xmlns:a="http://schemas.openxmlformats.org/drawingml/2006/main" xmlns:r="http://schemas.openxmlformats.org/officeDocument/2006/relationships" xmlns:p="http://schemas.openxmlformats.org/presentationml/2006/main">
+  <p:cSld>
+    <p:spTree>
+      <p:nvGrpSpPr>
+        <p:cNvPr id="1" name=""/>
+        <p:cNvGrpSpPr/>
+        <p:nvPr/>
+      </p:nvGrpSpPr>
+      <p:grpSpPr>
+        <a:xfrm>
+          <a:off x="0" y="0"/>
+          <a:ext cx="0" cy="0"/>
+          <a:chOff x="0" y="0"/>
+          <a:chExt cx="0" cy="0"/>
+        </a:xfrm>
+      </p:grpSpPr>
+    </p:spTree>
+    <p:extLst>
+      <p:ext uri="{BB962C8B-B14F-4D97-AF65-F5344CB8AC3E}">
+        <p14:creationId xmlns:p14="http://schemas.microsoft.com/office/powerpoint/2010/main" val="3082692664"/>
+      </p:ext>
+    </p:extLst>
+  </p:cSld>
+  <p:clrMapOvr>
+    <a:masterClrMapping/>
+  </p:clrMapOvr>
+</p:sld>
+</file>
+
+<file path=ppt/slides/slide27.xml><?xml version="1.0" encoding="utf-8"?>
+<p:sld xmlns:a="http://schemas.openxmlformats.org/drawingml/2006/main" xmlns:r="http://schemas.openxmlformats.org/officeDocument/2006/relationships" xmlns:p="http://schemas.openxmlformats.org/presentationml/2006/main">
+  <p:cSld>
+    <p:spTree>
+      <p:nvGrpSpPr>
+        <p:cNvPr id="1" name=""/>
+        <p:cNvGrpSpPr/>
+        <p:nvPr/>
+      </p:nvGrpSpPr>
+      <p:grpSpPr>
+        <a:xfrm>
+          <a:off x="0" y="0"/>
+          <a:ext cx="0" cy="0"/>
+          <a:chOff x="0" y="0"/>
+          <a:chExt cx="0" cy="0"/>
+        </a:xfrm>
+      </p:grpSpPr>
+    </p:spTree>
+    <p:extLst>
+      <p:ext uri="{BB962C8B-B14F-4D97-AF65-F5344CB8AC3E}">
+        <p14:creationId xmlns:p14="http://schemas.microsoft.com/office/powerpoint/2010/main" val="1421719640"/>
       </p:ext>
     </p:extLst>
   </p:cSld>
@@ -15831,12 +18265,42 @@
           <a:chExt cx="0" cy="0"/>
         </a:xfrm>
       </p:grpSpPr>
+      <p:pic>
+        <p:nvPicPr>
+          <p:cNvPr id="4" name="Picture 3">
+            <a:extLst>
+              <a:ext uri="{FF2B5EF4-FFF2-40B4-BE49-F238E27FC236}">
+                <a16:creationId xmlns:a16="http://schemas.microsoft.com/office/drawing/2014/main" id="{1460A8B6-A27B-2DD6-FB2F-16CF2F7CBA59}"/>
+              </a:ext>
+            </a:extLst>
+          </p:cNvPr>
+          <p:cNvPicPr>
+            <a:picLocks noChangeAspect="1"/>
+          </p:cNvPicPr>
+          <p:nvPr/>
+        </p:nvPicPr>
+        <p:blipFill>
+          <a:blip r:embed="rId2"/>
+          <a:stretch>
+            <a:fillRect/>
+          </a:stretch>
+        </p:blipFill>
+        <p:spPr>
+          <a:xfrm>
+            <a:off x="0" y="753751"/>
+            <a:ext cx="6096000" cy="6104249"/>
+          </a:xfrm>
+          <a:prstGeom prst="rect">
+            <a:avLst/>
+          </a:prstGeom>
+        </p:spPr>
+      </p:pic>
       <p:sp>
         <p:nvSpPr>
-          <p:cNvPr id="2" name="Title 1">
+          <p:cNvPr id="5" name="Title 1">
             <a:extLst>
               <a:ext uri="{FF2B5EF4-FFF2-40B4-BE49-F238E27FC236}">
-                <a16:creationId xmlns:a16="http://schemas.microsoft.com/office/drawing/2014/main" id="{48BDDA02-5D37-DA16-4744-8ECE4782E128}"/>
+                <a16:creationId xmlns:a16="http://schemas.microsoft.com/office/drawing/2014/main" id="{65AB64CC-F54F-B83D-BC48-47C644585A47}"/>
               </a:ext>
             </a:extLst>
           </p:cNvPr>
@@ -15847,15 +18311,15 @@
         </p:nvSpPr>
         <p:spPr>
           <a:xfrm>
-            <a:off x="0" y="0"/>
-            <a:ext cx="12192000" cy="6858000"/>
+            <a:off x="0" y="179292"/>
+            <a:ext cx="5876925" cy="457203"/>
           </a:xfrm>
           <a:prstGeom prst="rect">
             <a:avLst/>
           </a:prstGeom>
         </p:spPr>
         <p:txBody>
-          <a:bodyPr vert="horz" lIns="91440" tIns="45720" rIns="91440" bIns="45720" rtlCol="0" anchor="ctr">
+          <a:bodyPr vert="horz" lIns="91440" tIns="45720" rIns="91440" bIns="45720" rtlCol="0" anchor="b">
             <a:normAutofit/>
           </a:bodyPr>
           <a:lstStyle>
@@ -15879,16 +18343,100 @@
           </a:lstStyle>
           <a:p>
             <a:r>
-              <a:rPr lang="en-NZ" sz="4800" b="1" dirty="0"/>
-              <a:t>Event vs Hyper Score</a:t>
+              <a:rPr lang="en-NZ" sz="2400" b="1" dirty="0"/>
+              <a:t>Mean per (10) intervals</a:t>
             </a:r>
           </a:p>
         </p:txBody>
       </p:sp>
+      <p:sp>
+        <p:nvSpPr>
+          <p:cNvPr id="6" name="Title 1">
+            <a:extLst>
+              <a:ext uri="{FF2B5EF4-FFF2-40B4-BE49-F238E27FC236}">
+                <a16:creationId xmlns:a16="http://schemas.microsoft.com/office/drawing/2014/main" id="{A2540AC6-EB9A-C519-66D2-FA1B4798F0EA}"/>
+              </a:ext>
+            </a:extLst>
+          </p:cNvPr>
+          <p:cNvSpPr txBox="1">
+            <a:spLocks/>
+          </p:cNvSpPr>
+          <p:nvPr/>
+        </p:nvSpPr>
+        <p:spPr>
+          <a:xfrm>
+            <a:off x="6311452" y="179292"/>
+            <a:ext cx="5876925" cy="457203"/>
+          </a:xfrm>
+          <a:prstGeom prst="rect">
+            <a:avLst/>
+          </a:prstGeom>
+        </p:spPr>
+        <p:txBody>
+          <a:bodyPr vert="horz" lIns="91440" tIns="45720" rIns="91440" bIns="45720" rtlCol="0" anchor="b">
+            <a:normAutofit/>
+          </a:bodyPr>
+          <a:lstStyle>
+            <a:lvl1pPr algn="ctr" defTabSz="914400" rtl="0" eaLnBrk="1" latinLnBrk="0" hangingPunct="1">
+              <a:lnSpc>
+                <a:spcPct val="90000"/>
+              </a:lnSpc>
+              <a:spcBef>
+                <a:spcPct val="0"/>
+              </a:spcBef>
+              <a:buNone/>
+              <a:defRPr sz="6000" kern="1200">
+                <a:solidFill>
+                  <a:schemeClr val="tx1"/>
+                </a:solidFill>
+                <a:latin typeface="+mj-lt"/>
+                <a:ea typeface="+mj-ea"/>
+                <a:cs typeface="+mj-cs"/>
+              </a:defRPr>
+            </a:lvl1pPr>
+          </a:lstStyle>
+          <a:p>
+            <a:r>
+              <a:rPr lang="en-NZ" sz="2400" b="1" dirty="0"/>
+              <a:t>Median per (10) intervals</a:t>
+            </a:r>
+          </a:p>
+        </p:txBody>
+      </p:sp>
+      <p:pic>
+        <p:nvPicPr>
+          <p:cNvPr id="8" name="Picture 7">
+            <a:extLst>
+              <a:ext uri="{FF2B5EF4-FFF2-40B4-BE49-F238E27FC236}">
+                <a16:creationId xmlns:a16="http://schemas.microsoft.com/office/drawing/2014/main" id="{9C35EA45-7105-BB9D-46C4-756DC4E4F040}"/>
+              </a:ext>
+            </a:extLst>
+          </p:cNvPr>
+          <p:cNvPicPr>
+            <a:picLocks noChangeAspect="1"/>
+          </p:cNvPicPr>
+          <p:nvPr/>
+        </p:nvPicPr>
+        <p:blipFill>
+          <a:blip r:embed="rId3"/>
+          <a:stretch>
+            <a:fillRect/>
+          </a:stretch>
+        </p:blipFill>
+        <p:spPr>
+          <a:xfrm>
+            <a:off x="6133203" y="753750"/>
+            <a:ext cx="6068759" cy="6104249"/>
+          </a:xfrm>
+          <a:prstGeom prst="rect">
+            <a:avLst/>
+          </a:prstGeom>
+        </p:spPr>
+      </p:pic>
     </p:spTree>
     <p:extLst>
       <p:ext uri="{BB962C8B-B14F-4D97-AF65-F5344CB8AC3E}">
-        <p14:creationId xmlns:p14="http://schemas.microsoft.com/office/powerpoint/2010/main" val="2906041494"/>
+        <p14:creationId xmlns:p14="http://schemas.microsoft.com/office/powerpoint/2010/main" val="4070709631"/>
       </p:ext>
     </p:extLst>
   </p:cSld>
@@ -15915,10 +18463,178 @@
           <a:chExt cx="0" cy="0"/>
         </a:xfrm>
       </p:grpSpPr>
+      <p:sp>
+        <p:nvSpPr>
+          <p:cNvPr id="5" name="Title 1">
+            <a:extLst>
+              <a:ext uri="{FF2B5EF4-FFF2-40B4-BE49-F238E27FC236}">
+                <a16:creationId xmlns:a16="http://schemas.microsoft.com/office/drawing/2014/main" id="{65AB64CC-F54F-B83D-BC48-47C644585A47}"/>
+              </a:ext>
+            </a:extLst>
+          </p:cNvPr>
+          <p:cNvSpPr txBox="1">
+            <a:spLocks/>
+          </p:cNvSpPr>
+          <p:nvPr/>
+        </p:nvSpPr>
+        <p:spPr>
+          <a:xfrm>
+            <a:off x="0" y="179292"/>
+            <a:ext cx="5876925" cy="457203"/>
+          </a:xfrm>
+          <a:prstGeom prst="rect">
+            <a:avLst/>
+          </a:prstGeom>
+        </p:spPr>
+        <p:txBody>
+          <a:bodyPr vert="horz" lIns="91440" tIns="45720" rIns="91440" bIns="45720" rtlCol="0" anchor="b">
+            <a:normAutofit/>
+          </a:bodyPr>
+          <a:lstStyle>
+            <a:lvl1pPr algn="ctr" defTabSz="914400" rtl="0" eaLnBrk="1" latinLnBrk="0" hangingPunct="1">
+              <a:lnSpc>
+                <a:spcPct val="90000"/>
+              </a:lnSpc>
+              <a:spcBef>
+                <a:spcPct val="0"/>
+              </a:spcBef>
+              <a:buNone/>
+              <a:defRPr sz="6000" kern="1200">
+                <a:solidFill>
+                  <a:schemeClr val="tx1"/>
+                </a:solidFill>
+                <a:latin typeface="+mj-lt"/>
+                <a:ea typeface="+mj-ea"/>
+                <a:cs typeface="+mj-cs"/>
+              </a:defRPr>
+            </a:lvl1pPr>
+          </a:lstStyle>
+          <a:p>
+            <a:r>
+              <a:rPr lang="en-NZ" sz="2400" b="1" dirty="0"/>
+              <a:t>Mean per (20) intervals</a:t>
+            </a:r>
+          </a:p>
+        </p:txBody>
+      </p:sp>
+      <p:sp>
+        <p:nvSpPr>
+          <p:cNvPr id="6" name="Title 1">
+            <a:extLst>
+              <a:ext uri="{FF2B5EF4-FFF2-40B4-BE49-F238E27FC236}">
+                <a16:creationId xmlns:a16="http://schemas.microsoft.com/office/drawing/2014/main" id="{A2540AC6-EB9A-C519-66D2-FA1B4798F0EA}"/>
+              </a:ext>
+            </a:extLst>
+          </p:cNvPr>
+          <p:cNvSpPr txBox="1">
+            <a:spLocks/>
+          </p:cNvSpPr>
+          <p:nvPr/>
+        </p:nvSpPr>
+        <p:spPr>
+          <a:xfrm>
+            <a:off x="6311452" y="179292"/>
+            <a:ext cx="5876925" cy="457203"/>
+          </a:xfrm>
+          <a:prstGeom prst="rect">
+            <a:avLst/>
+          </a:prstGeom>
+        </p:spPr>
+        <p:txBody>
+          <a:bodyPr vert="horz" lIns="91440" tIns="45720" rIns="91440" bIns="45720" rtlCol="0" anchor="b">
+            <a:normAutofit/>
+          </a:bodyPr>
+          <a:lstStyle>
+            <a:lvl1pPr algn="ctr" defTabSz="914400" rtl="0" eaLnBrk="1" latinLnBrk="0" hangingPunct="1">
+              <a:lnSpc>
+                <a:spcPct val="90000"/>
+              </a:lnSpc>
+              <a:spcBef>
+                <a:spcPct val="0"/>
+              </a:spcBef>
+              <a:buNone/>
+              <a:defRPr sz="6000" kern="1200">
+                <a:solidFill>
+                  <a:schemeClr val="tx1"/>
+                </a:solidFill>
+                <a:latin typeface="+mj-lt"/>
+                <a:ea typeface="+mj-ea"/>
+                <a:cs typeface="+mj-cs"/>
+              </a:defRPr>
+            </a:lvl1pPr>
+          </a:lstStyle>
+          <a:p>
+            <a:r>
+              <a:rPr lang="en-NZ" sz="2400" b="1" dirty="0"/>
+              <a:t>Median per (20) intervals</a:t>
+            </a:r>
+          </a:p>
+        </p:txBody>
+      </p:sp>
+      <p:pic>
+        <p:nvPicPr>
+          <p:cNvPr id="3" name="Picture 2">
+            <a:extLst>
+              <a:ext uri="{FF2B5EF4-FFF2-40B4-BE49-F238E27FC236}">
+                <a16:creationId xmlns:a16="http://schemas.microsoft.com/office/drawing/2014/main" id="{DC93CCCE-1329-F3C7-10FB-56DD255BF9DF}"/>
+              </a:ext>
+            </a:extLst>
+          </p:cNvPr>
+          <p:cNvPicPr>
+            <a:picLocks noChangeAspect="1"/>
+          </p:cNvPicPr>
+          <p:nvPr/>
+        </p:nvPicPr>
+        <p:blipFill>
+          <a:blip r:embed="rId2"/>
+          <a:stretch>
+            <a:fillRect/>
+          </a:stretch>
+        </p:blipFill>
+        <p:spPr>
+          <a:xfrm>
+            <a:off x="0" y="636495"/>
+            <a:ext cx="6203260" cy="6221505"/>
+          </a:xfrm>
+          <a:prstGeom prst="rect">
+            <a:avLst/>
+          </a:prstGeom>
+        </p:spPr>
+      </p:pic>
+      <p:pic>
+        <p:nvPicPr>
+          <p:cNvPr id="11" name="Picture 10">
+            <a:extLst>
+              <a:ext uri="{FF2B5EF4-FFF2-40B4-BE49-F238E27FC236}">
+                <a16:creationId xmlns:a16="http://schemas.microsoft.com/office/drawing/2014/main" id="{3D383634-7D34-D781-E936-E734C1DA782C}"/>
+              </a:ext>
+            </a:extLst>
+          </p:cNvPr>
+          <p:cNvPicPr>
+            <a:picLocks noChangeAspect="1"/>
+          </p:cNvPicPr>
+          <p:nvPr/>
+        </p:nvPicPr>
+        <p:blipFill>
+          <a:blip r:embed="rId3"/>
+          <a:stretch>
+            <a:fillRect/>
+          </a:stretch>
+        </p:blipFill>
+        <p:spPr>
+          <a:xfrm>
+            <a:off x="6203260" y="636495"/>
+            <a:ext cx="6110660" cy="6166380"/>
+          </a:xfrm>
+          <a:prstGeom prst="rect">
+            <a:avLst/>
+          </a:prstGeom>
+        </p:spPr>
+      </p:pic>
     </p:spTree>
     <p:extLst>
       <p:ext uri="{BB962C8B-B14F-4D97-AF65-F5344CB8AC3E}">
-        <p14:creationId xmlns:p14="http://schemas.microsoft.com/office/powerpoint/2010/main" val="3863605535"/>
+        <p14:creationId xmlns:p14="http://schemas.microsoft.com/office/powerpoint/2010/main" val="2786945941"/>
       </p:ext>
     </p:extLst>
   </p:cSld>
@@ -15945,10 +18661,124 @@
           <a:chExt cx="0" cy="0"/>
         </a:xfrm>
       </p:grpSpPr>
+      <p:pic>
+        <p:nvPicPr>
+          <p:cNvPr id="4" name="Picture 3">
+            <a:extLst>
+              <a:ext uri="{FF2B5EF4-FFF2-40B4-BE49-F238E27FC236}">
+                <a16:creationId xmlns:a16="http://schemas.microsoft.com/office/drawing/2014/main" id="{FAEECF93-BE50-4E76-BE96-52F636803F11}"/>
+              </a:ext>
+            </a:extLst>
+          </p:cNvPr>
+          <p:cNvPicPr>
+            <a:picLocks noChangeAspect="1"/>
+          </p:cNvPicPr>
+          <p:nvPr/>
+        </p:nvPicPr>
+        <p:blipFill>
+          <a:blip r:embed="rId2"/>
+          <a:stretch>
+            <a:fillRect/>
+          </a:stretch>
+        </p:blipFill>
+        <p:spPr>
+          <a:xfrm>
+            <a:off x="0" y="0"/>
+            <a:ext cx="2689860" cy="2732331"/>
+          </a:xfrm>
+          <a:prstGeom prst="rect">
+            <a:avLst/>
+          </a:prstGeom>
+        </p:spPr>
+      </p:pic>
+      <p:sp>
+        <p:nvSpPr>
+          <p:cNvPr id="5" name="Title 1">
+            <a:extLst>
+              <a:ext uri="{FF2B5EF4-FFF2-40B4-BE49-F238E27FC236}">
+                <a16:creationId xmlns:a16="http://schemas.microsoft.com/office/drawing/2014/main" id="{F555BC56-2E57-6626-A2EC-BDA22BF34400}"/>
+              </a:ext>
+            </a:extLst>
+          </p:cNvPr>
+          <p:cNvSpPr txBox="1">
+            <a:spLocks/>
+          </p:cNvSpPr>
+          <p:nvPr/>
+        </p:nvSpPr>
+        <p:spPr>
+          <a:xfrm>
+            <a:off x="4709159" y="735552"/>
+            <a:ext cx="6803129" cy="457203"/>
+          </a:xfrm>
+          <a:prstGeom prst="rect">
+            <a:avLst/>
+          </a:prstGeom>
+        </p:spPr>
+        <p:txBody>
+          <a:bodyPr vert="horz" lIns="91440" tIns="45720" rIns="91440" bIns="45720" rtlCol="0" anchor="b">
+            <a:normAutofit fontScale="92500" lnSpcReduction="20000"/>
+          </a:bodyPr>
+          <a:lstStyle>
+            <a:lvl1pPr algn="ctr" defTabSz="914400" rtl="0" eaLnBrk="1" latinLnBrk="0" hangingPunct="1">
+              <a:lnSpc>
+                <a:spcPct val="90000"/>
+              </a:lnSpc>
+              <a:spcBef>
+                <a:spcPct val="0"/>
+              </a:spcBef>
+              <a:buNone/>
+              <a:defRPr sz="6000" kern="1200">
+                <a:solidFill>
+                  <a:schemeClr val="tx1"/>
+                </a:solidFill>
+                <a:latin typeface="+mj-lt"/>
+                <a:ea typeface="+mj-ea"/>
+                <a:cs typeface="+mj-cs"/>
+              </a:defRPr>
+            </a:lvl1pPr>
+          </a:lstStyle>
+          <a:p>
+            <a:r>
+              <a:rPr lang="en-NZ" sz="3200" b="1" dirty="0"/>
+              <a:t>LV Stroke Volume</a:t>
+            </a:r>
+          </a:p>
+        </p:txBody>
+      </p:sp>
+      <p:pic>
+        <p:nvPicPr>
+          <p:cNvPr id="7" name="Picture 6">
+            <a:extLst>
+              <a:ext uri="{FF2B5EF4-FFF2-40B4-BE49-F238E27FC236}">
+                <a16:creationId xmlns:a16="http://schemas.microsoft.com/office/drawing/2014/main" id="{083F0054-29CC-8C1F-7A06-09672FDCCFC7}"/>
+              </a:ext>
+            </a:extLst>
+          </p:cNvPr>
+          <p:cNvPicPr>
+            <a:picLocks noChangeAspect="1"/>
+          </p:cNvPicPr>
+          <p:nvPr/>
+        </p:nvPicPr>
+        <p:blipFill>
+          <a:blip r:embed="rId3"/>
+          <a:stretch>
+            <a:fillRect/>
+          </a:stretch>
+        </p:blipFill>
+        <p:spPr>
+          <a:xfrm>
+            <a:off x="0" y="2811834"/>
+            <a:ext cx="12192000" cy="4046166"/>
+          </a:xfrm>
+          <a:prstGeom prst="rect">
+            <a:avLst/>
+          </a:prstGeom>
+        </p:spPr>
+      </p:pic>
     </p:spTree>
     <p:extLst>
       <p:ext uri="{BB962C8B-B14F-4D97-AF65-F5344CB8AC3E}">
-        <p14:creationId xmlns:p14="http://schemas.microsoft.com/office/powerpoint/2010/main" val="1248420201"/>
+        <p14:creationId xmlns:p14="http://schemas.microsoft.com/office/powerpoint/2010/main" val="1055090564"/>
       </p:ext>
     </p:extLst>
   </p:cSld>

--- a/resources/job_results2.pptx
+++ b/resources/job_results2.pptx
@@ -2761,7 +2761,7 @@
   <pc:docChgLst>
     <pc:chgData name="zhaohan" userId="95e304e8ede71739" providerId="LiveId" clId="{6F4793E2-BFDC-471C-9F01-BB7EFE32CA5F}"/>
     <pc:docChg chg="undo custSel addSld delSld modSld sldOrd">
-      <pc:chgData name="zhaohan" userId="95e304e8ede71739" providerId="LiveId" clId="{6F4793E2-BFDC-471C-9F01-BB7EFE32CA5F}" dt="2022-12-28T00:35:38.254" v="812"/>
+      <pc:chgData name="zhaohan" userId="95e304e8ede71739" providerId="LiveId" clId="{6F4793E2-BFDC-471C-9F01-BB7EFE32CA5F}" dt="2022-12-28T00:36:45.894" v="842" actId="20577"/>
       <pc:docMkLst>
         <pc:docMk/>
       </pc:docMkLst>
@@ -3900,13 +3900,13 @@
         </pc:sldMkLst>
       </pc:sldChg>
       <pc:sldChg chg="modSp mod">
-        <pc:chgData name="zhaohan" userId="95e304e8ede71739" providerId="LiveId" clId="{6F4793E2-BFDC-471C-9F01-BB7EFE32CA5F}" dt="2022-12-27T16:06:38.952" v="82" actId="20577"/>
+        <pc:chgData name="zhaohan" userId="95e304e8ede71739" providerId="LiveId" clId="{6F4793E2-BFDC-471C-9F01-BB7EFE32CA5F}" dt="2022-12-28T00:36:45.894" v="842" actId="20577"/>
         <pc:sldMkLst>
           <pc:docMk/>
           <pc:sldMk cId="3700847906" sldId="510"/>
         </pc:sldMkLst>
         <pc:spChg chg="mod">
-          <ac:chgData name="zhaohan" userId="95e304e8ede71739" providerId="LiveId" clId="{6F4793E2-BFDC-471C-9F01-BB7EFE32CA5F}" dt="2022-12-27T16:06:38.952" v="82" actId="20577"/>
+          <ac:chgData name="zhaohan" userId="95e304e8ede71739" providerId="LiveId" clId="{6F4793E2-BFDC-471C-9F01-BB7EFE32CA5F}" dt="2022-12-28T00:36:45.894" v="842" actId="20577"/>
           <ac:spMkLst>
             <pc:docMk/>
             <pc:sldMk cId="3700847906" sldId="510"/>
@@ -11708,7 +11708,7 @@
           <a:p>
             <a:fld id="{3F756EDF-0C8E-4F27-B2A4-7BBF4F0FD9CE}" type="datetimeFigureOut">
               <a:rPr lang="en-GB" smtClean="0"/>
-              <a:t>27/12/2022</a:t>
+              <a:t>28/12/2022</a:t>
             </a:fld>
             <a:endParaRPr lang="en-GB"/>
           </a:p>
@@ -12125,7 +12125,7 @@
           <a:p>
             <a:fld id="{B1B6DC73-6F54-48A7-AC0A-0EE4EE00B05A}" type="datetimeFigureOut">
               <a:rPr lang="en-GB" smtClean="0"/>
-              <a:t>27/12/2022</a:t>
+              <a:t>28/12/2022</a:t>
             </a:fld>
             <a:endParaRPr lang="en-GB"/>
           </a:p>
@@ -12325,7 +12325,7 @@
           <a:p>
             <a:fld id="{B1B6DC73-6F54-48A7-AC0A-0EE4EE00B05A}" type="datetimeFigureOut">
               <a:rPr lang="en-GB" smtClean="0"/>
-              <a:t>27/12/2022</a:t>
+              <a:t>28/12/2022</a:t>
             </a:fld>
             <a:endParaRPr lang="en-GB"/>
           </a:p>
@@ -12535,7 +12535,7 @@
           <a:p>
             <a:fld id="{B1B6DC73-6F54-48A7-AC0A-0EE4EE00B05A}" type="datetimeFigureOut">
               <a:rPr lang="en-GB" smtClean="0"/>
-              <a:t>27/12/2022</a:t>
+              <a:t>28/12/2022</a:t>
             </a:fld>
             <a:endParaRPr lang="en-GB"/>
           </a:p>
@@ -12735,7 +12735,7 @@
           <a:p>
             <a:fld id="{B1B6DC73-6F54-48A7-AC0A-0EE4EE00B05A}" type="datetimeFigureOut">
               <a:rPr lang="en-GB" smtClean="0"/>
-              <a:t>27/12/2022</a:t>
+              <a:t>28/12/2022</a:t>
             </a:fld>
             <a:endParaRPr lang="en-GB"/>
           </a:p>
@@ -13011,7 +13011,7 @@
           <a:p>
             <a:fld id="{B1B6DC73-6F54-48A7-AC0A-0EE4EE00B05A}" type="datetimeFigureOut">
               <a:rPr lang="en-GB" smtClean="0"/>
-              <a:t>27/12/2022</a:t>
+              <a:t>28/12/2022</a:t>
             </a:fld>
             <a:endParaRPr lang="en-GB"/>
           </a:p>
@@ -13279,7 +13279,7 @@
           <a:p>
             <a:fld id="{B1B6DC73-6F54-48A7-AC0A-0EE4EE00B05A}" type="datetimeFigureOut">
               <a:rPr lang="en-GB" smtClean="0"/>
-              <a:t>27/12/2022</a:t>
+              <a:t>28/12/2022</a:t>
             </a:fld>
             <a:endParaRPr lang="en-GB"/>
           </a:p>
@@ -13694,7 +13694,7 @@
           <a:p>
             <a:fld id="{B1B6DC73-6F54-48A7-AC0A-0EE4EE00B05A}" type="datetimeFigureOut">
               <a:rPr lang="en-GB" smtClean="0"/>
-              <a:t>27/12/2022</a:t>
+              <a:t>28/12/2022</a:t>
             </a:fld>
             <a:endParaRPr lang="en-GB"/>
           </a:p>
@@ -13836,7 +13836,7 @@
           <a:p>
             <a:fld id="{B1B6DC73-6F54-48A7-AC0A-0EE4EE00B05A}" type="datetimeFigureOut">
               <a:rPr lang="en-GB" smtClean="0"/>
-              <a:t>27/12/2022</a:t>
+              <a:t>28/12/2022</a:t>
             </a:fld>
             <a:endParaRPr lang="en-GB"/>
           </a:p>
@@ -13949,7 +13949,7 @@
           <a:p>
             <a:fld id="{B1B6DC73-6F54-48A7-AC0A-0EE4EE00B05A}" type="datetimeFigureOut">
               <a:rPr lang="en-GB" smtClean="0"/>
-              <a:t>27/12/2022</a:t>
+              <a:t>28/12/2022</a:t>
             </a:fld>
             <a:endParaRPr lang="en-GB"/>
           </a:p>
@@ -14262,7 +14262,7 @@
           <a:p>
             <a:fld id="{B1B6DC73-6F54-48A7-AC0A-0EE4EE00B05A}" type="datetimeFigureOut">
               <a:rPr lang="en-GB" smtClean="0"/>
-              <a:t>27/12/2022</a:t>
+              <a:t>28/12/2022</a:t>
             </a:fld>
             <a:endParaRPr lang="en-GB"/>
           </a:p>
@@ -14551,7 +14551,7 @@
           <a:p>
             <a:fld id="{B1B6DC73-6F54-48A7-AC0A-0EE4EE00B05A}" type="datetimeFigureOut">
               <a:rPr lang="en-GB" smtClean="0"/>
-              <a:t>27/12/2022</a:t>
+              <a:t>28/12/2022</a:t>
             </a:fld>
             <a:endParaRPr lang="en-GB"/>
           </a:p>
@@ -14794,7 +14794,7 @@
           <a:p>
             <a:fld id="{B1B6DC73-6F54-48A7-AC0A-0EE4EE00B05A}" type="datetimeFigureOut">
               <a:rPr lang="en-GB" smtClean="0"/>
-              <a:t>27/12/2022</a:t>
+              <a:t>28/12/2022</a:t>
             </a:fld>
             <a:endParaRPr lang="en-GB"/>
           </a:p>
@@ -15226,7 +15226,7 @@
         <p:spPr>
           <a:xfrm>
             <a:off x="340659" y="324803"/>
-            <a:ext cx="11510682" cy="5384872"/>
+            <a:ext cx="11510682" cy="4276876"/>
           </a:xfrm>
           <a:prstGeom prst="rect">
             <a:avLst/>
@@ -15273,8 +15273,25 @@
                 <a:effectLst/>
                 <a:latin typeface="-apple-system"/>
               </a:rPr>
-              <a:t>Known variables vs disease score</a:t>
+              <a:t>Known variables vs disease score </a:t>
             </a:r>
+            <a:r>
+              <a:rPr lang="en-US" sz="3600" b="1">
+                <a:solidFill>
+                  <a:srgbClr val="242424"/>
+                </a:solidFill>
+                <a:effectLst/>
+                <a:latin typeface="-apple-system"/>
+              </a:rPr>
+              <a:t>(&amp; trajectories)</a:t>
+            </a:r>
+            <a:endParaRPr lang="en-US" sz="3600" b="1" dirty="0">
+              <a:solidFill>
+                <a:srgbClr val="242424"/>
+              </a:solidFill>
+              <a:effectLst/>
+              <a:latin typeface="-apple-system"/>
+            </a:endParaRPr>
           </a:p>
           <a:p>
             <a:pPr marL="685800" indent="-685800" algn="l">
@@ -15353,31 +15370,6 @@
               </a:rPr>
               <a:t>) vs disease score</a:t>
             </a:r>
-          </a:p>
-          <a:p>
-            <a:pPr marL="685800" indent="-685800" algn="l">
-              <a:lnSpc>
-                <a:spcPct val="200000"/>
-              </a:lnSpc>
-              <a:buFont typeface="Wingdings" panose="05000000000000000000" pitchFamily="2" charset="2"/>
-              <a:buChar char="v"/>
-            </a:pPr>
-            <a:r>
-              <a:rPr lang="en-US" sz="3600" b="1" dirty="0">
-                <a:solidFill>
-                  <a:srgbClr val="242424"/>
-                </a:solidFill>
-                <a:latin typeface="-apple-system"/>
-              </a:rPr>
-              <a:t>Variables in different trajectories</a:t>
-            </a:r>
-            <a:endParaRPr lang="en-US" sz="3600" b="1" dirty="0">
-              <a:solidFill>
-                <a:srgbClr val="242424"/>
-              </a:solidFill>
-              <a:effectLst/>
-              <a:latin typeface="-apple-system"/>
-            </a:endParaRPr>
           </a:p>
         </p:txBody>
       </p:sp>

--- a/resources/job_results2.pptx
+++ b/resources/job_results2.pptx
@@ -2761,7 +2761,7 @@
   <pc:docChgLst>
     <pc:chgData name="zhaohan" userId="95e304e8ede71739" providerId="LiveId" clId="{6F4793E2-BFDC-471C-9F01-BB7EFE32CA5F}"/>
     <pc:docChg chg="undo custSel addSld delSld modSld sldOrd">
-      <pc:chgData name="zhaohan" userId="95e304e8ede71739" providerId="LiveId" clId="{6F4793E2-BFDC-471C-9F01-BB7EFE32CA5F}" dt="2022-12-28T00:36:45.894" v="842" actId="20577"/>
+      <pc:chgData name="zhaohan" userId="95e304e8ede71739" providerId="LiveId" clId="{6F4793E2-BFDC-471C-9F01-BB7EFE32CA5F}" dt="2023-01-03T12:24:06.910" v="1012" actId="20577"/>
       <pc:docMkLst>
         <pc:docMk/>
       </pc:docMkLst>
@@ -3900,13 +3900,13 @@
         </pc:sldMkLst>
       </pc:sldChg>
       <pc:sldChg chg="modSp mod">
-        <pc:chgData name="zhaohan" userId="95e304e8ede71739" providerId="LiveId" clId="{6F4793E2-BFDC-471C-9F01-BB7EFE32CA5F}" dt="2022-12-28T00:36:45.894" v="842" actId="20577"/>
+        <pc:chgData name="zhaohan" userId="95e304e8ede71739" providerId="LiveId" clId="{6F4793E2-BFDC-471C-9F01-BB7EFE32CA5F}" dt="2023-01-03T12:24:06.910" v="1012" actId="20577"/>
         <pc:sldMkLst>
           <pc:docMk/>
           <pc:sldMk cId="3700847906" sldId="510"/>
         </pc:sldMkLst>
         <pc:spChg chg="mod">
-          <ac:chgData name="zhaohan" userId="95e304e8ede71739" providerId="LiveId" clId="{6F4793E2-BFDC-471C-9F01-BB7EFE32CA5F}" dt="2022-12-28T00:36:45.894" v="842" actId="20577"/>
+          <ac:chgData name="zhaohan" userId="95e304e8ede71739" providerId="LiveId" clId="{6F4793E2-BFDC-471C-9F01-BB7EFE32CA5F}" dt="2023-01-03T12:24:06.910" v="1012" actId="20577"/>
           <ac:spMkLst>
             <pc:docMk/>
             <pc:sldMk cId="3700847906" sldId="510"/>
@@ -11708,7 +11708,7 @@
           <a:p>
             <a:fld id="{3F756EDF-0C8E-4F27-B2A4-7BBF4F0FD9CE}" type="datetimeFigureOut">
               <a:rPr lang="en-GB" smtClean="0"/>
-              <a:t>28/12/2022</a:t>
+              <a:t>03/01/2023</a:t>
             </a:fld>
             <a:endParaRPr lang="en-GB"/>
           </a:p>
@@ -12125,7 +12125,7 @@
           <a:p>
             <a:fld id="{B1B6DC73-6F54-48A7-AC0A-0EE4EE00B05A}" type="datetimeFigureOut">
               <a:rPr lang="en-GB" smtClean="0"/>
-              <a:t>28/12/2022</a:t>
+              <a:t>03/01/2023</a:t>
             </a:fld>
             <a:endParaRPr lang="en-GB"/>
           </a:p>
@@ -12325,7 +12325,7 @@
           <a:p>
             <a:fld id="{B1B6DC73-6F54-48A7-AC0A-0EE4EE00B05A}" type="datetimeFigureOut">
               <a:rPr lang="en-GB" smtClean="0"/>
-              <a:t>28/12/2022</a:t>
+              <a:t>03/01/2023</a:t>
             </a:fld>
             <a:endParaRPr lang="en-GB"/>
           </a:p>
@@ -12535,7 +12535,7 @@
           <a:p>
             <a:fld id="{B1B6DC73-6F54-48A7-AC0A-0EE4EE00B05A}" type="datetimeFigureOut">
               <a:rPr lang="en-GB" smtClean="0"/>
-              <a:t>28/12/2022</a:t>
+              <a:t>03/01/2023</a:t>
             </a:fld>
             <a:endParaRPr lang="en-GB"/>
           </a:p>
@@ -12735,7 +12735,7 @@
           <a:p>
             <a:fld id="{B1B6DC73-6F54-48A7-AC0A-0EE4EE00B05A}" type="datetimeFigureOut">
               <a:rPr lang="en-GB" smtClean="0"/>
-              <a:t>28/12/2022</a:t>
+              <a:t>03/01/2023</a:t>
             </a:fld>
             <a:endParaRPr lang="en-GB"/>
           </a:p>
@@ -13011,7 +13011,7 @@
           <a:p>
             <a:fld id="{B1B6DC73-6F54-48A7-AC0A-0EE4EE00B05A}" type="datetimeFigureOut">
               <a:rPr lang="en-GB" smtClean="0"/>
-              <a:t>28/12/2022</a:t>
+              <a:t>03/01/2023</a:t>
             </a:fld>
             <a:endParaRPr lang="en-GB"/>
           </a:p>
@@ -13279,7 +13279,7 @@
           <a:p>
             <a:fld id="{B1B6DC73-6F54-48A7-AC0A-0EE4EE00B05A}" type="datetimeFigureOut">
               <a:rPr lang="en-GB" smtClean="0"/>
-              <a:t>28/12/2022</a:t>
+              <a:t>03/01/2023</a:t>
             </a:fld>
             <a:endParaRPr lang="en-GB"/>
           </a:p>
@@ -13694,7 +13694,7 @@
           <a:p>
             <a:fld id="{B1B6DC73-6F54-48A7-AC0A-0EE4EE00B05A}" type="datetimeFigureOut">
               <a:rPr lang="en-GB" smtClean="0"/>
-              <a:t>28/12/2022</a:t>
+              <a:t>03/01/2023</a:t>
             </a:fld>
             <a:endParaRPr lang="en-GB"/>
           </a:p>
@@ -13836,7 +13836,7 @@
           <a:p>
             <a:fld id="{B1B6DC73-6F54-48A7-AC0A-0EE4EE00B05A}" type="datetimeFigureOut">
               <a:rPr lang="en-GB" smtClean="0"/>
-              <a:t>28/12/2022</a:t>
+              <a:t>03/01/2023</a:t>
             </a:fld>
             <a:endParaRPr lang="en-GB"/>
           </a:p>
@@ -13949,7 +13949,7 @@
           <a:p>
             <a:fld id="{B1B6DC73-6F54-48A7-AC0A-0EE4EE00B05A}" type="datetimeFigureOut">
               <a:rPr lang="en-GB" smtClean="0"/>
-              <a:t>28/12/2022</a:t>
+              <a:t>03/01/2023</a:t>
             </a:fld>
             <a:endParaRPr lang="en-GB"/>
           </a:p>
@@ -14262,7 +14262,7 @@
           <a:p>
             <a:fld id="{B1B6DC73-6F54-48A7-AC0A-0EE4EE00B05A}" type="datetimeFigureOut">
               <a:rPr lang="en-GB" smtClean="0"/>
-              <a:t>28/12/2022</a:t>
+              <a:t>03/01/2023</a:t>
             </a:fld>
             <a:endParaRPr lang="en-GB"/>
           </a:p>
@@ -14551,7 +14551,7 @@
           <a:p>
             <a:fld id="{B1B6DC73-6F54-48A7-AC0A-0EE4EE00B05A}" type="datetimeFigureOut">
               <a:rPr lang="en-GB" smtClean="0"/>
-              <a:t>28/12/2022</a:t>
+              <a:t>03/01/2023</a:t>
             </a:fld>
             <a:endParaRPr lang="en-GB"/>
           </a:p>
@@ -14794,7 +14794,7 @@
           <a:p>
             <a:fld id="{B1B6DC73-6F54-48A7-AC0A-0EE4EE00B05A}" type="datetimeFigureOut">
               <a:rPr lang="en-GB" smtClean="0"/>
-              <a:t>28/12/2022</a:t>
+              <a:t>03/01/2023</a:t>
             </a:fld>
             <a:endParaRPr lang="en-GB"/>
           </a:p>
@@ -15226,7 +15226,7 @@
         <p:spPr>
           <a:xfrm>
             <a:off x="340659" y="324803"/>
-            <a:ext cx="11510682" cy="4276876"/>
+            <a:ext cx="11510682" cy="5384872"/>
           </a:xfrm>
           <a:prstGeom prst="rect">
             <a:avLst/>
@@ -15273,25 +15273,8 @@
                 <a:effectLst/>
                 <a:latin typeface="-apple-system"/>
               </a:rPr>
-              <a:t>Known variables vs disease score </a:t>
+              <a:t>Known variables vs disease score (&amp; trajectories)</a:t>
             </a:r>
-            <a:r>
-              <a:rPr lang="en-US" sz="3600" b="1">
-                <a:solidFill>
-                  <a:srgbClr val="242424"/>
-                </a:solidFill>
-                <a:effectLst/>
-                <a:latin typeface="-apple-system"/>
-              </a:rPr>
-              <a:t>(&amp; trajectories)</a:t>
-            </a:r>
-            <a:endParaRPr lang="en-US" sz="3600" b="1" dirty="0">
-              <a:solidFill>
-                <a:srgbClr val="242424"/>
-              </a:solidFill>
-              <a:effectLst/>
-              <a:latin typeface="-apple-system"/>
-            </a:endParaRPr>
           </a:p>
           <a:p>
             <a:pPr marL="685800" indent="-685800" algn="l">
@@ -15325,17 +15308,15 @@
                 <a:solidFill>
                   <a:srgbClr val="242424"/>
                 </a:solidFill>
-                <a:effectLst/>
                 <a:latin typeface="-apple-system"/>
               </a:rPr>
-              <a:t>Repeat imaging variable change (1</a:t>
+              <a:t>Disease score (1</a:t>
             </a:r>
             <a:r>
               <a:rPr lang="en-US" sz="3600" b="1" baseline="30000" dirty="0">
                 <a:solidFill>
                   <a:srgbClr val="242424"/>
                 </a:solidFill>
-                <a:effectLst/>
                 <a:latin typeface="-apple-system"/>
               </a:rPr>
               <a:t>st</a:t>
@@ -15345,17 +15326,15 @@
                 <a:solidFill>
                   <a:srgbClr val="242424"/>
                 </a:solidFill>
-                <a:effectLst/>
                 <a:latin typeface="-apple-system"/>
               </a:rPr>
-              <a:t>/2</a:t>
+              <a:t> visit) vs re-calculated disease score (2</a:t>
             </a:r>
             <a:r>
               <a:rPr lang="en-US" sz="3600" b="1" baseline="30000" dirty="0">
                 <a:solidFill>
                   <a:srgbClr val="242424"/>
                 </a:solidFill>
-                <a:effectLst/>
                 <a:latin typeface="-apple-system"/>
               </a:rPr>
               <a:t>nd</a:t>
@@ -15365,11 +15344,26 @@
                 <a:solidFill>
                   <a:srgbClr val="242424"/>
                 </a:solidFill>
-                <a:effectLst/>
                 <a:latin typeface="-apple-system"/>
               </a:rPr>
-              <a:t>) vs disease score</a:t>
+              <a:t> imaging visit) for </a:t>
             </a:r>
+            <a:r>
+              <a:rPr lang="en-US" sz="3600" b="1">
+                <a:solidFill>
+                  <a:srgbClr val="242424"/>
+                </a:solidFill>
+                <a:latin typeface="-apple-system"/>
+              </a:rPr>
+              <a:t>known variables</a:t>
+            </a:r>
+            <a:endParaRPr lang="en-US" sz="3600" b="1" dirty="0">
+              <a:solidFill>
+                <a:srgbClr val="242424"/>
+              </a:solidFill>
+              <a:effectLst/>
+              <a:latin typeface="-apple-system"/>
+            </a:endParaRPr>
           </a:p>
         </p:txBody>
       </p:sp>

--- a/resources/job_results2.pptx
+++ b/resources/job_results2.pptx
@@ -5,7 +5,7 @@
     <p:sldMasterId id="2147483648" r:id="rId1"/>
   </p:sldMasterIdLst>
   <p:notesMasterIdLst>
-    <p:notesMasterId r:id="rId29"/>
+    <p:notesMasterId r:id="rId25"/>
   </p:notesMasterIdLst>
   <p:sldIdLst>
     <p:sldId id="510" r:id="rId2"/>
@@ -16,25 +16,21 @@
     <p:sldId id="513" r:id="rId7"/>
     <p:sldId id="538" r:id="rId8"/>
     <p:sldId id="539" r:id="rId9"/>
-    <p:sldId id="540" r:id="rId10"/>
-    <p:sldId id="537" r:id="rId11"/>
-    <p:sldId id="542" r:id="rId12"/>
-    <p:sldId id="543" r:id="rId13"/>
-    <p:sldId id="541" r:id="rId14"/>
-    <p:sldId id="544" r:id="rId15"/>
-    <p:sldId id="545" r:id="rId16"/>
-    <p:sldId id="530" r:id="rId17"/>
-    <p:sldId id="535" r:id="rId18"/>
-    <p:sldId id="555" r:id="rId19"/>
-    <p:sldId id="531" r:id="rId20"/>
-    <p:sldId id="551" r:id="rId21"/>
-    <p:sldId id="553" r:id="rId22"/>
-    <p:sldId id="529" r:id="rId23"/>
-    <p:sldId id="554" r:id="rId24"/>
-    <p:sldId id="552" r:id="rId25"/>
-    <p:sldId id="532" r:id="rId26"/>
-    <p:sldId id="526" r:id="rId27"/>
-    <p:sldId id="556" r:id="rId28"/>
+    <p:sldId id="557" r:id="rId10"/>
+    <p:sldId id="558" r:id="rId11"/>
+    <p:sldId id="540" r:id="rId12"/>
+    <p:sldId id="537" r:id="rId13"/>
+    <p:sldId id="542" r:id="rId14"/>
+    <p:sldId id="543" r:id="rId15"/>
+    <p:sldId id="541" r:id="rId16"/>
+    <p:sldId id="544" r:id="rId17"/>
+    <p:sldId id="545" r:id="rId18"/>
+    <p:sldId id="530" r:id="rId19"/>
+    <p:sldId id="535" r:id="rId20"/>
+    <p:sldId id="555" r:id="rId21"/>
+    <p:sldId id="531" r:id="rId22"/>
+    <p:sldId id="526" r:id="rId23"/>
+    <p:sldId id="556" r:id="rId24"/>
   </p:sldIdLst>
   <p:sldSz cx="12192000" cy="6858000"/>
   <p:notesSz cx="6858000" cy="9144000"/>
@@ -2761,7 +2757,7 @@
   <pc:docChgLst>
     <pc:chgData name="zhaohan" userId="95e304e8ede71739" providerId="LiveId" clId="{6F4793E2-BFDC-471C-9F01-BB7EFE32CA5F}"/>
     <pc:docChg chg="undo custSel addSld delSld modSld sldOrd">
-      <pc:chgData name="zhaohan" userId="95e304e8ede71739" providerId="LiveId" clId="{6F4793E2-BFDC-471C-9F01-BB7EFE32CA5F}" dt="2023-01-03T12:24:06.910" v="1012" actId="20577"/>
+      <pc:chgData name="zhaohan" userId="95e304e8ede71739" providerId="LiveId" clId="{6F4793E2-BFDC-471C-9F01-BB7EFE32CA5F}" dt="2023-01-09T22:22:19.780" v="2192" actId="1076"/>
       <pc:docMkLst>
         <pc:docMk/>
       </pc:docMkLst>
@@ -3942,8 +3938,31 @@
           <pc:sldMk cId="3406896528" sldId="517"/>
         </pc:sldMkLst>
       </pc:sldChg>
-      <pc:sldChg chg="add">
-        <pc:chgData name="zhaohan" userId="95e304e8ede71739" providerId="LiveId" clId="{6F4793E2-BFDC-471C-9F01-BB7EFE32CA5F}" dt="2022-12-28T00:35:31.586" v="807"/>
+      <pc:sldChg chg="addSp modSp mod">
+        <pc:chgData name="zhaohan" userId="95e304e8ede71739" providerId="LiveId" clId="{6F4793E2-BFDC-471C-9F01-BB7EFE32CA5F}" dt="2023-01-09T22:22:19.780" v="2192" actId="1076"/>
+        <pc:sldMkLst>
+          <pc:docMk/>
+          <pc:sldMk cId="3082692664" sldId="526"/>
+        </pc:sldMkLst>
+        <pc:spChg chg="add mod">
+          <ac:chgData name="zhaohan" userId="95e304e8ede71739" providerId="LiveId" clId="{6F4793E2-BFDC-471C-9F01-BB7EFE32CA5F}" dt="2023-01-09T22:22:19.780" v="2192" actId="1076"/>
+          <ac:spMkLst>
+            <pc:docMk/>
+            <pc:sldMk cId="3082692664" sldId="526"/>
+            <ac:spMk id="4" creationId="{EF336E6A-11BD-060C-D978-2E5605FBEA65}"/>
+          </ac:spMkLst>
+        </pc:spChg>
+        <pc:picChg chg="add mod">
+          <ac:chgData name="zhaohan" userId="95e304e8ede71739" providerId="LiveId" clId="{6F4793E2-BFDC-471C-9F01-BB7EFE32CA5F}" dt="2023-01-09T22:18:16.622" v="1363" actId="1076"/>
+          <ac:picMkLst>
+            <pc:docMk/>
+            <pc:sldMk cId="3082692664" sldId="526"/>
+            <ac:picMk id="3" creationId="{A4B0444C-B574-B2E3-B419-3DC5684A5984}"/>
+          </ac:picMkLst>
+        </pc:picChg>
+      </pc:sldChg>
+      <pc:sldChg chg="add del">
+        <pc:chgData name="zhaohan" userId="95e304e8ede71739" providerId="LiveId" clId="{6F4793E2-BFDC-471C-9F01-BB7EFE32CA5F}" dt="2023-01-09T22:14:21.651" v="1021" actId="2696"/>
         <pc:sldMkLst>
           <pc:docMk/>
           <pc:sldMk cId="70301993" sldId="529"/>
@@ -4034,8 +4053,8 @@
           </ac:picMkLst>
         </pc:picChg>
       </pc:sldChg>
-      <pc:sldChg chg="add">
-        <pc:chgData name="zhaohan" userId="95e304e8ede71739" providerId="LiveId" clId="{6F4793E2-BFDC-471C-9F01-BB7EFE32CA5F}" dt="2022-12-28T00:35:31.586" v="807"/>
+      <pc:sldChg chg="add del">
+        <pc:chgData name="zhaohan" userId="95e304e8ede71739" providerId="LiveId" clId="{6F4793E2-BFDC-471C-9F01-BB7EFE32CA5F}" dt="2023-01-09T22:14:21.651" v="1021" actId="2696"/>
         <pc:sldMkLst>
           <pc:docMk/>
           <pc:sldMk cId="3626909285" sldId="532"/>
@@ -4512,8 +4531,8 @@
           </ac:picMkLst>
         </pc:picChg>
       </pc:sldChg>
-      <pc:sldChg chg="add">
-        <pc:chgData name="zhaohan" userId="95e304e8ede71739" providerId="LiveId" clId="{6F4793E2-BFDC-471C-9F01-BB7EFE32CA5F}" dt="2022-12-28T00:35:31.586" v="807"/>
+      <pc:sldChg chg="add del">
+        <pc:chgData name="zhaohan" userId="95e304e8ede71739" providerId="LiveId" clId="{6F4793E2-BFDC-471C-9F01-BB7EFE32CA5F}" dt="2023-01-09T22:14:21.651" v="1021" actId="2696"/>
         <pc:sldMkLst>
           <pc:docMk/>
           <pc:sldMk cId="3549256860" sldId="551"/>
@@ -4550,15 +4569,15 @@
           </ac:picMkLst>
         </pc:picChg>
       </pc:sldChg>
-      <pc:sldChg chg="add">
-        <pc:chgData name="zhaohan" userId="95e304e8ede71739" providerId="LiveId" clId="{6F4793E2-BFDC-471C-9F01-BB7EFE32CA5F}" dt="2022-12-28T00:35:31.586" v="807"/>
+      <pc:sldChg chg="add del">
+        <pc:chgData name="zhaohan" userId="95e304e8ede71739" providerId="LiveId" clId="{6F4793E2-BFDC-471C-9F01-BB7EFE32CA5F}" dt="2023-01-09T22:14:21.651" v="1021" actId="2696"/>
         <pc:sldMkLst>
           <pc:docMk/>
           <pc:sldMk cId="2890954449" sldId="552"/>
         </pc:sldMkLst>
       </pc:sldChg>
-      <pc:sldChg chg="add">
-        <pc:chgData name="zhaohan" userId="95e304e8ede71739" providerId="LiveId" clId="{6F4793E2-BFDC-471C-9F01-BB7EFE32CA5F}" dt="2022-12-28T00:35:31.586" v="807"/>
+      <pc:sldChg chg="add del">
+        <pc:chgData name="zhaohan" userId="95e304e8ede71739" providerId="LiveId" clId="{6F4793E2-BFDC-471C-9F01-BB7EFE32CA5F}" dt="2023-01-09T22:14:21.651" v="1021" actId="2696"/>
         <pc:sldMkLst>
           <pc:docMk/>
           <pc:sldMk cId="894404234" sldId="553"/>
@@ -4627,8 +4646,8 @@
           </ac:picMkLst>
         </pc:picChg>
       </pc:sldChg>
-      <pc:sldChg chg="add">
-        <pc:chgData name="zhaohan" userId="95e304e8ede71739" providerId="LiveId" clId="{6F4793E2-BFDC-471C-9F01-BB7EFE32CA5F}" dt="2022-12-28T00:35:31.586" v="807"/>
+      <pc:sldChg chg="add del">
+        <pc:chgData name="zhaohan" userId="95e304e8ede71739" providerId="LiveId" clId="{6F4793E2-BFDC-471C-9F01-BB7EFE32CA5F}" dt="2023-01-09T22:14:21.651" v="1021" actId="2696"/>
         <pc:sldMkLst>
           <pc:docMk/>
           <pc:sldMk cId="286186238" sldId="554"/>
@@ -4702,6 +4721,82 @@
           <pc:docMk/>
           <pc:sldMk cId="1421719640" sldId="556"/>
         </pc:sldMkLst>
+      </pc:sldChg>
+      <pc:sldChg chg="add del">
+        <pc:chgData name="zhaohan" userId="95e304e8ede71739" providerId="LiveId" clId="{6F4793E2-BFDC-471C-9F01-BB7EFE32CA5F}" dt="2023-01-09T22:14:08.058" v="1016"/>
+        <pc:sldMkLst>
+          <pc:docMk/>
+          <pc:sldMk cId="130594750" sldId="557"/>
+        </pc:sldMkLst>
+      </pc:sldChg>
+      <pc:sldChg chg="addSp delSp modSp new mod">
+        <pc:chgData name="zhaohan" userId="95e304e8ede71739" providerId="LiveId" clId="{6F4793E2-BFDC-471C-9F01-BB7EFE32CA5F}" dt="2023-01-09T22:15:06.961" v="1030" actId="1076"/>
+        <pc:sldMkLst>
+          <pc:docMk/>
+          <pc:sldMk cId="1187583025" sldId="557"/>
+        </pc:sldMkLst>
+        <pc:spChg chg="del">
+          <ac:chgData name="zhaohan" userId="95e304e8ede71739" providerId="LiveId" clId="{6F4793E2-BFDC-471C-9F01-BB7EFE32CA5F}" dt="2023-01-09T22:14:53.743" v="1023" actId="478"/>
+          <ac:spMkLst>
+            <pc:docMk/>
+            <pc:sldMk cId="1187583025" sldId="557"/>
+            <ac:spMk id="2" creationId="{AC164686-AA55-D9DA-3F7B-A947407FA756}"/>
+          </ac:spMkLst>
+        </pc:spChg>
+        <pc:spChg chg="del">
+          <ac:chgData name="zhaohan" userId="95e304e8ede71739" providerId="LiveId" clId="{6F4793E2-BFDC-471C-9F01-BB7EFE32CA5F}" dt="2023-01-09T22:14:53.743" v="1023" actId="478"/>
+          <ac:spMkLst>
+            <pc:docMk/>
+            <pc:sldMk cId="1187583025" sldId="557"/>
+            <ac:spMk id="3" creationId="{65160773-5EBA-363C-8841-0176583B052C}"/>
+          </ac:spMkLst>
+        </pc:spChg>
+        <pc:picChg chg="add mod">
+          <ac:chgData name="zhaohan" userId="95e304e8ede71739" providerId="LiveId" clId="{6F4793E2-BFDC-471C-9F01-BB7EFE32CA5F}" dt="2023-01-09T22:15:06.961" v="1030" actId="1076"/>
+          <ac:picMkLst>
+            <pc:docMk/>
+            <pc:sldMk cId="1187583025" sldId="557"/>
+            <ac:picMk id="4" creationId="{38127154-A687-0752-41B4-4E4C0F80DAA3}"/>
+          </ac:picMkLst>
+        </pc:picChg>
+      </pc:sldChg>
+      <pc:sldChg chg="add del">
+        <pc:chgData name="zhaohan" userId="95e304e8ede71739" providerId="LiveId" clId="{6F4793E2-BFDC-471C-9F01-BB7EFE32CA5F}" dt="2023-01-09T22:14:07.893" v="1015"/>
+        <pc:sldMkLst>
+          <pc:docMk/>
+          <pc:sldMk cId="99329629" sldId="558"/>
+        </pc:sldMkLst>
+      </pc:sldChg>
+      <pc:sldChg chg="addSp delSp modSp new mod">
+        <pc:chgData name="zhaohan" userId="95e304e8ede71739" providerId="LiveId" clId="{6F4793E2-BFDC-471C-9F01-BB7EFE32CA5F}" dt="2023-01-09T22:15:23.171" v="1048" actId="20577"/>
+        <pc:sldMkLst>
+          <pc:docMk/>
+          <pc:sldMk cId="2006653195" sldId="558"/>
+        </pc:sldMkLst>
+        <pc:spChg chg="del">
+          <ac:chgData name="zhaohan" userId="95e304e8ede71739" providerId="LiveId" clId="{6F4793E2-BFDC-471C-9F01-BB7EFE32CA5F}" dt="2023-01-09T22:15:10.546" v="1032" actId="21"/>
+          <ac:spMkLst>
+            <pc:docMk/>
+            <pc:sldMk cId="2006653195" sldId="558"/>
+            <ac:spMk id="2" creationId="{B3C76694-FABA-D660-A2D7-E9EE8ECF4A1A}"/>
+          </ac:spMkLst>
+        </pc:spChg>
+        <pc:spChg chg="del">
+          <ac:chgData name="zhaohan" userId="95e304e8ede71739" providerId="LiveId" clId="{6F4793E2-BFDC-471C-9F01-BB7EFE32CA5F}" dt="2023-01-09T22:15:10.546" v="1032" actId="21"/>
+          <ac:spMkLst>
+            <pc:docMk/>
+            <pc:sldMk cId="2006653195" sldId="558"/>
+            <ac:spMk id="3" creationId="{C01E654F-8E00-EAAA-3AFE-997CBDFEF1C4}"/>
+          </ac:spMkLst>
+        </pc:spChg>
+        <pc:spChg chg="add mod">
+          <ac:chgData name="zhaohan" userId="95e304e8ede71739" providerId="LiveId" clId="{6F4793E2-BFDC-471C-9F01-BB7EFE32CA5F}" dt="2023-01-09T22:15:23.171" v="1048" actId="20577"/>
+          <ac:spMkLst>
+            <pc:docMk/>
+            <pc:sldMk cId="2006653195" sldId="558"/>
+            <ac:spMk id="4" creationId="{B172AABC-EF90-6556-4689-D1C8D135A113}"/>
+          </ac:spMkLst>
+        </pc:spChg>
       </pc:sldChg>
     </pc:docChg>
   </pc:docChgLst>
@@ -11708,7 +11803,7 @@
           <a:p>
             <a:fld id="{3F756EDF-0C8E-4F27-B2A4-7BBF4F0FD9CE}" type="datetimeFigureOut">
               <a:rPr lang="en-GB" smtClean="0"/>
-              <a:t>03/01/2023</a:t>
+              <a:t>09/01/2023</a:t>
             </a:fld>
             <a:endParaRPr lang="en-GB"/>
           </a:p>
@@ -12125,7 +12220,7 @@
           <a:p>
             <a:fld id="{B1B6DC73-6F54-48A7-AC0A-0EE4EE00B05A}" type="datetimeFigureOut">
               <a:rPr lang="en-GB" smtClean="0"/>
-              <a:t>03/01/2023</a:t>
+              <a:t>09/01/2023</a:t>
             </a:fld>
             <a:endParaRPr lang="en-GB"/>
           </a:p>
@@ -12325,7 +12420,7 @@
           <a:p>
             <a:fld id="{B1B6DC73-6F54-48A7-AC0A-0EE4EE00B05A}" type="datetimeFigureOut">
               <a:rPr lang="en-GB" smtClean="0"/>
-              <a:t>03/01/2023</a:t>
+              <a:t>09/01/2023</a:t>
             </a:fld>
             <a:endParaRPr lang="en-GB"/>
           </a:p>
@@ -12535,7 +12630,7 @@
           <a:p>
             <a:fld id="{B1B6DC73-6F54-48A7-AC0A-0EE4EE00B05A}" type="datetimeFigureOut">
               <a:rPr lang="en-GB" smtClean="0"/>
-              <a:t>03/01/2023</a:t>
+              <a:t>09/01/2023</a:t>
             </a:fld>
             <a:endParaRPr lang="en-GB"/>
           </a:p>
@@ -12735,7 +12830,7 @@
           <a:p>
             <a:fld id="{B1B6DC73-6F54-48A7-AC0A-0EE4EE00B05A}" type="datetimeFigureOut">
               <a:rPr lang="en-GB" smtClean="0"/>
-              <a:t>03/01/2023</a:t>
+              <a:t>09/01/2023</a:t>
             </a:fld>
             <a:endParaRPr lang="en-GB"/>
           </a:p>
@@ -13011,7 +13106,7 @@
           <a:p>
             <a:fld id="{B1B6DC73-6F54-48A7-AC0A-0EE4EE00B05A}" type="datetimeFigureOut">
               <a:rPr lang="en-GB" smtClean="0"/>
-              <a:t>03/01/2023</a:t>
+              <a:t>09/01/2023</a:t>
             </a:fld>
             <a:endParaRPr lang="en-GB"/>
           </a:p>
@@ -13279,7 +13374,7 @@
           <a:p>
             <a:fld id="{B1B6DC73-6F54-48A7-AC0A-0EE4EE00B05A}" type="datetimeFigureOut">
               <a:rPr lang="en-GB" smtClean="0"/>
-              <a:t>03/01/2023</a:t>
+              <a:t>09/01/2023</a:t>
             </a:fld>
             <a:endParaRPr lang="en-GB"/>
           </a:p>
@@ -13694,7 +13789,7 @@
           <a:p>
             <a:fld id="{B1B6DC73-6F54-48A7-AC0A-0EE4EE00B05A}" type="datetimeFigureOut">
               <a:rPr lang="en-GB" smtClean="0"/>
-              <a:t>03/01/2023</a:t>
+              <a:t>09/01/2023</a:t>
             </a:fld>
             <a:endParaRPr lang="en-GB"/>
           </a:p>
@@ -13836,7 +13931,7 @@
           <a:p>
             <a:fld id="{B1B6DC73-6F54-48A7-AC0A-0EE4EE00B05A}" type="datetimeFigureOut">
               <a:rPr lang="en-GB" smtClean="0"/>
-              <a:t>03/01/2023</a:t>
+              <a:t>09/01/2023</a:t>
             </a:fld>
             <a:endParaRPr lang="en-GB"/>
           </a:p>
@@ -13949,7 +14044,7 @@
           <a:p>
             <a:fld id="{B1B6DC73-6F54-48A7-AC0A-0EE4EE00B05A}" type="datetimeFigureOut">
               <a:rPr lang="en-GB" smtClean="0"/>
-              <a:t>03/01/2023</a:t>
+              <a:t>09/01/2023</a:t>
             </a:fld>
             <a:endParaRPr lang="en-GB"/>
           </a:p>
@@ -14262,7 +14357,7 @@
           <a:p>
             <a:fld id="{B1B6DC73-6F54-48A7-AC0A-0EE4EE00B05A}" type="datetimeFigureOut">
               <a:rPr lang="en-GB" smtClean="0"/>
-              <a:t>03/01/2023</a:t>
+              <a:t>09/01/2023</a:t>
             </a:fld>
             <a:endParaRPr lang="en-GB"/>
           </a:p>
@@ -14551,7 +14646,7 @@
           <a:p>
             <a:fld id="{B1B6DC73-6F54-48A7-AC0A-0EE4EE00B05A}" type="datetimeFigureOut">
               <a:rPr lang="en-GB" smtClean="0"/>
-              <a:t>03/01/2023</a:t>
+              <a:t>09/01/2023</a:t>
             </a:fld>
             <a:endParaRPr lang="en-GB"/>
           </a:p>
@@ -14794,7 +14889,7 @@
           <a:p>
             <a:fld id="{B1B6DC73-6F54-48A7-AC0A-0EE4EE00B05A}" type="datetimeFigureOut">
               <a:rPr lang="en-GB" smtClean="0"/>
-              <a:t>03/01/2023</a:t>
+              <a:t>09/01/2023</a:t>
             </a:fld>
             <a:endParaRPr lang="en-GB"/>
           </a:p>
@@ -15397,6 +15492,234 @@
           <a:chExt cx="0" cy="0"/>
         </a:xfrm>
       </p:grpSpPr>
+      <p:sp>
+        <p:nvSpPr>
+          <p:cNvPr id="4" name="Title 1">
+            <a:extLst>
+              <a:ext uri="{FF2B5EF4-FFF2-40B4-BE49-F238E27FC236}">
+                <a16:creationId xmlns:a16="http://schemas.microsoft.com/office/drawing/2014/main" id="{B172AABC-EF90-6556-4689-D1C8D135A113}"/>
+              </a:ext>
+            </a:extLst>
+          </p:cNvPr>
+          <p:cNvSpPr txBox="1">
+            <a:spLocks/>
+          </p:cNvSpPr>
+          <p:nvPr/>
+        </p:nvSpPr>
+        <p:spPr>
+          <a:xfrm>
+            <a:off x="0" y="0"/>
+            <a:ext cx="12192000" cy="6858000"/>
+          </a:xfrm>
+          <a:prstGeom prst="rect">
+            <a:avLst/>
+          </a:prstGeom>
+        </p:spPr>
+        <p:txBody>
+          <a:bodyPr vert="horz" lIns="91440" tIns="45720" rIns="91440" bIns="45720" rtlCol="0" anchor="ctr">
+            <a:normAutofit/>
+          </a:bodyPr>
+          <a:lstStyle>
+            <a:lvl1pPr algn="ctr" defTabSz="914400" rtl="0" eaLnBrk="1" latinLnBrk="0" hangingPunct="1">
+              <a:lnSpc>
+                <a:spcPct val="90000"/>
+              </a:lnSpc>
+              <a:spcBef>
+                <a:spcPct val="0"/>
+              </a:spcBef>
+              <a:buNone/>
+              <a:defRPr sz="6000" kern="1200">
+                <a:solidFill>
+                  <a:schemeClr val="tx1"/>
+                </a:solidFill>
+                <a:latin typeface="+mj-lt"/>
+                <a:ea typeface="+mj-ea"/>
+                <a:cs typeface="+mj-cs"/>
+              </a:defRPr>
+            </a:lvl1pPr>
+          </a:lstStyle>
+          <a:p>
+            <a:r>
+              <a:rPr lang="en-NZ" sz="4800" b="1" dirty="0"/>
+              <a:t>Variable Vs Hyper Score Per Trajectory</a:t>
+            </a:r>
+          </a:p>
+        </p:txBody>
+      </p:sp>
+    </p:spTree>
+    <p:extLst>
+      <p:ext uri="{BB962C8B-B14F-4D97-AF65-F5344CB8AC3E}">
+        <p14:creationId xmlns:p14="http://schemas.microsoft.com/office/powerpoint/2010/main" val="2006653195"/>
+      </p:ext>
+    </p:extLst>
+  </p:cSld>
+  <p:clrMapOvr>
+    <a:masterClrMapping/>
+  </p:clrMapOvr>
+</p:sld>
+</file>
+
+<file path=ppt/slides/slide11.xml><?xml version="1.0" encoding="utf-8"?>
+<p:sld xmlns:a="http://schemas.openxmlformats.org/drawingml/2006/main" xmlns:r="http://schemas.openxmlformats.org/officeDocument/2006/relationships" xmlns:p="http://schemas.openxmlformats.org/presentationml/2006/main">
+  <p:cSld>
+    <p:spTree>
+      <p:nvGrpSpPr>
+        <p:cNvPr id="1" name=""/>
+        <p:cNvGrpSpPr/>
+        <p:nvPr/>
+      </p:nvGrpSpPr>
+      <p:grpSpPr>
+        <a:xfrm>
+          <a:off x="0" y="0"/>
+          <a:ext cx="0" cy="0"/>
+          <a:chOff x="0" y="0"/>
+          <a:chExt cx="0" cy="0"/>
+        </a:xfrm>
+      </p:grpSpPr>
+      <p:pic>
+        <p:nvPicPr>
+          <p:cNvPr id="4" name="Picture 3">
+            <a:extLst>
+              <a:ext uri="{FF2B5EF4-FFF2-40B4-BE49-F238E27FC236}">
+                <a16:creationId xmlns:a16="http://schemas.microsoft.com/office/drawing/2014/main" id="{FAEECF93-BE50-4E76-BE96-52F636803F11}"/>
+              </a:ext>
+            </a:extLst>
+          </p:cNvPr>
+          <p:cNvPicPr>
+            <a:picLocks noChangeAspect="1"/>
+          </p:cNvPicPr>
+          <p:nvPr/>
+        </p:nvPicPr>
+        <p:blipFill>
+          <a:blip r:embed="rId2"/>
+          <a:stretch>
+            <a:fillRect/>
+          </a:stretch>
+        </p:blipFill>
+        <p:spPr>
+          <a:xfrm>
+            <a:off x="0" y="0"/>
+            <a:ext cx="2689860" cy="2732331"/>
+          </a:xfrm>
+          <a:prstGeom prst="rect">
+            <a:avLst/>
+          </a:prstGeom>
+        </p:spPr>
+      </p:pic>
+      <p:sp>
+        <p:nvSpPr>
+          <p:cNvPr id="5" name="Title 1">
+            <a:extLst>
+              <a:ext uri="{FF2B5EF4-FFF2-40B4-BE49-F238E27FC236}">
+                <a16:creationId xmlns:a16="http://schemas.microsoft.com/office/drawing/2014/main" id="{F555BC56-2E57-6626-A2EC-BDA22BF34400}"/>
+              </a:ext>
+            </a:extLst>
+          </p:cNvPr>
+          <p:cNvSpPr txBox="1">
+            <a:spLocks/>
+          </p:cNvSpPr>
+          <p:nvPr/>
+        </p:nvSpPr>
+        <p:spPr>
+          <a:xfrm>
+            <a:off x="4709159" y="735552"/>
+            <a:ext cx="6803129" cy="457203"/>
+          </a:xfrm>
+          <a:prstGeom prst="rect">
+            <a:avLst/>
+          </a:prstGeom>
+        </p:spPr>
+        <p:txBody>
+          <a:bodyPr vert="horz" lIns="91440" tIns="45720" rIns="91440" bIns="45720" rtlCol="0" anchor="b">
+            <a:normAutofit fontScale="92500" lnSpcReduction="20000"/>
+          </a:bodyPr>
+          <a:lstStyle>
+            <a:lvl1pPr algn="ctr" defTabSz="914400" rtl="0" eaLnBrk="1" latinLnBrk="0" hangingPunct="1">
+              <a:lnSpc>
+                <a:spcPct val="90000"/>
+              </a:lnSpc>
+              <a:spcBef>
+                <a:spcPct val="0"/>
+              </a:spcBef>
+              <a:buNone/>
+              <a:defRPr sz="6000" kern="1200">
+                <a:solidFill>
+                  <a:schemeClr val="tx1"/>
+                </a:solidFill>
+                <a:latin typeface="+mj-lt"/>
+                <a:ea typeface="+mj-ea"/>
+                <a:cs typeface="+mj-cs"/>
+              </a:defRPr>
+            </a:lvl1pPr>
+          </a:lstStyle>
+          <a:p>
+            <a:r>
+              <a:rPr lang="en-NZ" sz="3200" b="1" dirty="0"/>
+              <a:t>LV Stroke Volume</a:t>
+            </a:r>
+          </a:p>
+        </p:txBody>
+      </p:sp>
+      <p:pic>
+        <p:nvPicPr>
+          <p:cNvPr id="7" name="Picture 6">
+            <a:extLst>
+              <a:ext uri="{FF2B5EF4-FFF2-40B4-BE49-F238E27FC236}">
+                <a16:creationId xmlns:a16="http://schemas.microsoft.com/office/drawing/2014/main" id="{083F0054-29CC-8C1F-7A06-09672FDCCFC7}"/>
+              </a:ext>
+            </a:extLst>
+          </p:cNvPr>
+          <p:cNvPicPr>
+            <a:picLocks noChangeAspect="1"/>
+          </p:cNvPicPr>
+          <p:nvPr/>
+        </p:nvPicPr>
+        <p:blipFill>
+          <a:blip r:embed="rId3"/>
+          <a:stretch>
+            <a:fillRect/>
+          </a:stretch>
+        </p:blipFill>
+        <p:spPr>
+          <a:xfrm>
+            <a:off x="0" y="2811834"/>
+            <a:ext cx="12192000" cy="4046166"/>
+          </a:xfrm>
+          <a:prstGeom prst="rect">
+            <a:avLst/>
+          </a:prstGeom>
+        </p:spPr>
+      </p:pic>
+    </p:spTree>
+    <p:extLst>
+      <p:ext uri="{BB962C8B-B14F-4D97-AF65-F5344CB8AC3E}">
+        <p14:creationId xmlns:p14="http://schemas.microsoft.com/office/powerpoint/2010/main" val="1055090564"/>
+      </p:ext>
+    </p:extLst>
+  </p:cSld>
+  <p:clrMapOvr>
+    <a:masterClrMapping/>
+  </p:clrMapOvr>
+</p:sld>
+</file>
+
+<file path=ppt/slides/slide12.xml><?xml version="1.0" encoding="utf-8"?>
+<p:sld xmlns:a="http://schemas.openxmlformats.org/drawingml/2006/main" xmlns:r="http://schemas.openxmlformats.org/officeDocument/2006/relationships" xmlns:p="http://schemas.openxmlformats.org/presentationml/2006/main">
+  <p:cSld>
+    <p:spTree>
+      <p:nvGrpSpPr>
+        <p:cNvPr id="1" name=""/>
+        <p:cNvGrpSpPr/>
+        <p:nvPr/>
+      </p:nvGrpSpPr>
+      <p:grpSpPr>
+        <a:xfrm>
+          <a:off x="0" y="0"/>
+          <a:ext cx="0" cy="0"/>
+          <a:chOff x="0" y="0"/>
+          <a:chExt cx="0" cy="0"/>
+        </a:xfrm>
+      </p:grpSpPr>
       <p:pic>
         <p:nvPicPr>
           <p:cNvPr id="3" name="Picture 2">
@@ -15524,7 +15847,7 @@
 </p:sld>
 </file>
 
-<file path=ppt/slides/slide11.xml><?xml version="1.0" encoding="utf-8"?>
+<file path=ppt/slides/slide13.xml><?xml version="1.0" encoding="utf-8"?>
 <p:sld xmlns:a="http://schemas.openxmlformats.org/drawingml/2006/main" xmlns:r="http://schemas.openxmlformats.org/officeDocument/2006/relationships" xmlns:p="http://schemas.openxmlformats.org/presentationml/2006/main">
   <p:cSld>
     <p:spTree>
@@ -15668,7 +15991,7 @@
 </p:sld>
 </file>
 
-<file path=ppt/slides/slide12.xml><?xml version="1.0" encoding="utf-8"?>
+<file path=ppt/slides/slide14.xml><?xml version="1.0" encoding="utf-8"?>
 <p:sld xmlns:a="http://schemas.openxmlformats.org/drawingml/2006/main" xmlns:r="http://schemas.openxmlformats.org/officeDocument/2006/relationships" xmlns:p="http://schemas.openxmlformats.org/presentationml/2006/main">
   <p:cSld>
     <p:spTree>
@@ -15812,7 +16135,7 @@
 </p:sld>
 </file>
 
-<file path=ppt/slides/slide13.xml><?xml version="1.0" encoding="utf-8"?>
+<file path=ppt/slides/slide15.xml><?xml version="1.0" encoding="utf-8"?>
 <p:sld xmlns:a="http://schemas.openxmlformats.org/drawingml/2006/main" xmlns:r="http://schemas.openxmlformats.org/officeDocument/2006/relationships" xmlns:p="http://schemas.openxmlformats.org/presentationml/2006/main">
   <p:cSld>
     <p:spTree>
@@ -15956,7 +16279,7 @@
 </p:sld>
 </file>
 
-<file path=ppt/slides/slide14.xml><?xml version="1.0" encoding="utf-8"?>
+<file path=ppt/slides/slide16.xml><?xml version="1.0" encoding="utf-8"?>
 <p:sld xmlns:a="http://schemas.openxmlformats.org/drawingml/2006/main" xmlns:r="http://schemas.openxmlformats.org/officeDocument/2006/relationships" xmlns:p="http://schemas.openxmlformats.org/presentationml/2006/main">
   <p:cSld>
     <p:spTree>
@@ -16100,7 +16423,7 @@
 </p:sld>
 </file>
 
-<file path=ppt/slides/slide15.xml><?xml version="1.0" encoding="utf-8"?>
+<file path=ppt/slides/slide17.xml><?xml version="1.0" encoding="utf-8"?>
 <p:sld xmlns:a="http://schemas.openxmlformats.org/drawingml/2006/main" xmlns:r="http://schemas.openxmlformats.org/officeDocument/2006/relationships" xmlns:p="http://schemas.openxmlformats.org/presentationml/2006/main">
   <p:cSld>
     <p:spTree>
@@ -16244,7 +16567,7 @@
 </p:sld>
 </file>
 
-<file path=ppt/slides/slide16.xml><?xml version="1.0" encoding="utf-8"?>
+<file path=ppt/slides/slide18.xml><?xml version="1.0" encoding="utf-8"?>
 <p:sld xmlns:a="http://schemas.openxmlformats.org/drawingml/2006/main" xmlns:r="http://schemas.openxmlformats.org/officeDocument/2006/relationships" xmlns:p="http://schemas.openxmlformats.org/presentationml/2006/main">
   <p:cSld>
     <p:spTree>
@@ -16328,7 +16651,7 @@
 </p:sld>
 </file>
 
-<file path=ppt/slides/slide17.xml><?xml version="1.0" encoding="utf-8"?>
+<file path=ppt/slides/slide19.xml><?xml version="1.0" encoding="utf-8"?>
 <p:sld xmlns:a="http://schemas.openxmlformats.org/drawingml/2006/main" xmlns:r="http://schemas.openxmlformats.org/officeDocument/2006/relationships" xmlns:p="http://schemas.openxmlformats.org/presentationml/2006/main">
   <p:cSld>
     <p:spTree>
@@ -16349,125 +16672,6 @@
     <p:extLst>
       <p:ext uri="{BB962C8B-B14F-4D97-AF65-F5344CB8AC3E}">
         <p14:creationId xmlns:p14="http://schemas.microsoft.com/office/powerpoint/2010/main" val="3882910330"/>
-      </p:ext>
-    </p:extLst>
-  </p:cSld>
-  <p:clrMapOvr>
-    <a:masterClrMapping/>
-  </p:clrMapOvr>
-</p:sld>
-</file>
-
-<file path=ppt/slides/slide18.xml><?xml version="1.0" encoding="utf-8"?>
-<p:sld xmlns:a="http://schemas.openxmlformats.org/drawingml/2006/main" xmlns:r="http://schemas.openxmlformats.org/officeDocument/2006/relationships" xmlns:p="http://schemas.openxmlformats.org/presentationml/2006/main">
-  <p:cSld>
-    <p:spTree>
-      <p:nvGrpSpPr>
-        <p:cNvPr id="1" name=""/>
-        <p:cNvGrpSpPr/>
-        <p:nvPr/>
-      </p:nvGrpSpPr>
-      <p:grpSpPr>
-        <a:xfrm>
-          <a:off x="0" y="0"/>
-          <a:ext cx="0" cy="0"/>
-          <a:chOff x="0" y="0"/>
-          <a:chExt cx="0" cy="0"/>
-        </a:xfrm>
-      </p:grpSpPr>
-    </p:spTree>
-    <p:extLst>
-      <p:ext uri="{BB962C8B-B14F-4D97-AF65-F5344CB8AC3E}">
-        <p14:creationId xmlns:p14="http://schemas.microsoft.com/office/powerpoint/2010/main" val="1568944927"/>
-      </p:ext>
-    </p:extLst>
-  </p:cSld>
-  <p:clrMapOvr>
-    <a:masterClrMapping/>
-  </p:clrMapOvr>
-</p:sld>
-</file>
-
-<file path=ppt/slides/slide19.xml><?xml version="1.0" encoding="utf-8"?>
-<p:sld xmlns:a="http://schemas.openxmlformats.org/drawingml/2006/main" xmlns:r="http://schemas.openxmlformats.org/officeDocument/2006/relationships" xmlns:p="http://schemas.openxmlformats.org/presentationml/2006/main">
-  <p:cSld>
-    <p:spTree>
-      <p:nvGrpSpPr>
-        <p:cNvPr id="1" name=""/>
-        <p:cNvGrpSpPr/>
-        <p:nvPr/>
-      </p:nvGrpSpPr>
-      <p:grpSpPr>
-        <a:xfrm>
-          <a:off x="0" y="0"/>
-          <a:ext cx="0" cy="0"/>
-          <a:chOff x="0" y="0"/>
-          <a:chExt cx="0" cy="0"/>
-        </a:xfrm>
-      </p:grpSpPr>
-      <p:sp>
-        <p:nvSpPr>
-          <p:cNvPr id="2" name="Title 1">
-            <a:extLst>
-              <a:ext uri="{FF2B5EF4-FFF2-40B4-BE49-F238E27FC236}">
-                <a16:creationId xmlns:a16="http://schemas.microsoft.com/office/drawing/2014/main" id="{48BDDA02-5D37-DA16-4744-8ECE4782E128}"/>
-              </a:ext>
-            </a:extLst>
-          </p:cNvPr>
-          <p:cNvSpPr txBox="1">
-            <a:spLocks/>
-          </p:cNvSpPr>
-          <p:nvPr/>
-        </p:nvSpPr>
-        <p:spPr>
-          <a:xfrm>
-            <a:off x="0" y="0"/>
-            <a:ext cx="12192000" cy="6858000"/>
-          </a:xfrm>
-          <a:prstGeom prst="rect">
-            <a:avLst/>
-          </a:prstGeom>
-        </p:spPr>
-        <p:txBody>
-          <a:bodyPr vert="horz" lIns="91440" tIns="45720" rIns="91440" bIns="45720" rtlCol="0" anchor="ctr">
-            <a:normAutofit/>
-          </a:bodyPr>
-          <a:lstStyle>
-            <a:lvl1pPr algn="ctr" defTabSz="914400" rtl="0" eaLnBrk="1" latinLnBrk="0" hangingPunct="1">
-              <a:lnSpc>
-                <a:spcPct val="90000"/>
-              </a:lnSpc>
-              <a:spcBef>
-                <a:spcPct val="0"/>
-              </a:spcBef>
-              <a:buNone/>
-              <a:defRPr sz="6000" kern="1200">
-                <a:solidFill>
-                  <a:schemeClr val="tx1"/>
-                </a:solidFill>
-                <a:latin typeface="+mj-lt"/>
-                <a:ea typeface="+mj-ea"/>
-                <a:cs typeface="+mj-cs"/>
-              </a:defRPr>
-            </a:lvl1pPr>
-          </a:lstStyle>
-          <a:p>
-            <a:r>
-              <a:rPr lang="en-NZ" sz="4800" b="1" dirty="0"/>
-              <a:t>Repeat Imaging Visit Measure vs </a:t>
-            </a:r>
-            <a:r>
-              <a:rPr lang="en-NZ" sz="4800" b="1"/>
-              <a:t>Hyper Score</a:t>
-            </a:r>
-            <a:endParaRPr lang="en-NZ" sz="4800" b="1" dirty="0"/>
-          </a:p>
-        </p:txBody>
-      </p:sp>
-    </p:spTree>
-    <p:extLst>
-      <p:ext uri="{BB962C8B-B14F-4D97-AF65-F5344CB8AC3E}">
-        <p14:creationId xmlns:p14="http://schemas.microsoft.com/office/powerpoint/2010/main" val="66558581"/>
       </p:ext>
     </p:extLst>
   </p:cSld>
@@ -16578,94 +16782,10 @@
           <a:chExt cx="0" cy="0"/>
         </a:xfrm>
       </p:grpSpPr>
-      <p:pic>
-        <p:nvPicPr>
-          <p:cNvPr id="5" name="Picture 4">
-            <a:extLst>
-              <a:ext uri="{FF2B5EF4-FFF2-40B4-BE49-F238E27FC236}">
-                <a16:creationId xmlns:a16="http://schemas.microsoft.com/office/drawing/2014/main" id="{F59254BF-E2DD-3AE1-702E-39339B0598A5}"/>
-              </a:ext>
-            </a:extLst>
-          </p:cNvPr>
-          <p:cNvPicPr>
-            <a:picLocks noChangeAspect="1"/>
-          </p:cNvPicPr>
-          <p:nvPr/>
-        </p:nvPicPr>
-        <p:blipFill rotWithShape="1">
-          <a:blip r:embed="rId2"/>
-          <a:srcRect t="408"/>
-          <a:stretch/>
-        </p:blipFill>
-        <p:spPr>
-          <a:xfrm>
-            <a:off x="0" y="188259"/>
-            <a:ext cx="12192000" cy="6094089"/>
-          </a:xfrm>
-          <a:prstGeom prst="rect">
-            <a:avLst/>
-          </a:prstGeom>
-        </p:spPr>
-      </p:pic>
-      <p:sp>
-        <p:nvSpPr>
-          <p:cNvPr id="6" name="Title 1">
-            <a:extLst>
-              <a:ext uri="{FF2B5EF4-FFF2-40B4-BE49-F238E27FC236}">
-                <a16:creationId xmlns:a16="http://schemas.microsoft.com/office/drawing/2014/main" id="{BDC63C59-6471-C633-74A4-FAD6C1BF2210}"/>
-              </a:ext>
-            </a:extLst>
-          </p:cNvPr>
-          <p:cNvSpPr txBox="1">
-            <a:spLocks/>
-          </p:cNvSpPr>
-          <p:nvPr/>
-        </p:nvSpPr>
-        <p:spPr>
-          <a:xfrm>
-            <a:off x="116541" y="6400797"/>
-            <a:ext cx="3827930" cy="457203"/>
-          </a:xfrm>
-          <a:prstGeom prst="rect">
-            <a:avLst/>
-          </a:prstGeom>
-        </p:spPr>
-        <p:txBody>
-          <a:bodyPr vert="horz" lIns="91440" tIns="45720" rIns="91440" bIns="45720" rtlCol="0" anchor="b">
-            <a:normAutofit/>
-          </a:bodyPr>
-          <a:lstStyle>
-            <a:lvl1pPr algn="ctr" defTabSz="914400" rtl="0" eaLnBrk="1" latinLnBrk="0" hangingPunct="1">
-              <a:lnSpc>
-                <a:spcPct val="90000"/>
-              </a:lnSpc>
-              <a:spcBef>
-                <a:spcPct val="0"/>
-              </a:spcBef>
-              <a:buNone/>
-              <a:defRPr sz="6000" kern="1200">
-                <a:solidFill>
-                  <a:schemeClr val="tx1"/>
-                </a:solidFill>
-                <a:latin typeface="+mj-lt"/>
-                <a:ea typeface="+mj-ea"/>
-                <a:cs typeface="+mj-cs"/>
-              </a:defRPr>
-            </a:lvl1pPr>
-          </a:lstStyle>
-          <a:p>
-            <a:pPr algn="l"/>
-            <a:r>
-              <a:rPr lang="en-NZ" sz="2000" b="1" dirty="0"/>
-              <a:t>613 measurements</a:t>
-            </a:r>
-          </a:p>
-        </p:txBody>
-      </p:sp>
     </p:spTree>
     <p:extLst>
       <p:ext uri="{BB962C8B-B14F-4D97-AF65-F5344CB8AC3E}">
-        <p14:creationId xmlns:p14="http://schemas.microsoft.com/office/powerpoint/2010/main" val="3549256860"/>
+        <p14:creationId xmlns:p14="http://schemas.microsoft.com/office/powerpoint/2010/main" val="1568944927"/>
       </p:ext>
     </p:extLst>
   </p:cSld>
@@ -16692,72 +16812,12 @@
           <a:chExt cx="0" cy="0"/>
         </a:xfrm>
       </p:grpSpPr>
-      <p:pic>
-        <p:nvPicPr>
-          <p:cNvPr id="5" name="Picture 4">
+      <p:sp>
+        <p:nvSpPr>
+          <p:cNvPr id="2" name="Title 1">
             <a:extLst>
               <a:ext uri="{FF2B5EF4-FFF2-40B4-BE49-F238E27FC236}">
-                <a16:creationId xmlns:a16="http://schemas.microsoft.com/office/drawing/2014/main" id="{F431D470-5159-EF0A-9DFC-9D3E91A718AD}"/>
-              </a:ext>
-            </a:extLst>
-          </p:cNvPr>
-          <p:cNvPicPr>
-            <a:picLocks noChangeAspect="1"/>
-          </p:cNvPicPr>
-          <p:nvPr/>
-        </p:nvPicPr>
-        <p:blipFill>
-          <a:blip r:embed="rId2"/>
-          <a:stretch>
-            <a:fillRect/>
-          </a:stretch>
-        </p:blipFill>
-        <p:spPr>
-          <a:xfrm>
-            <a:off x="0" y="493059"/>
-            <a:ext cx="5978286" cy="5913904"/>
-          </a:xfrm>
-          <a:prstGeom prst="rect">
-            <a:avLst/>
-          </a:prstGeom>
-        </p:spPr>
-      </p:pic>
-      <p:pic>
-        <p:nvPicPr>
-          <p:cNvPr id="7" name="Picture 6">
-            <a:extLst>
-              <a:ext uri="{FF2B5EF4-FFF2-40B4-BE49-F238E27FC236}">
-                <a16:creationId xmlns:a16="http://schemas.microsoft.com/office/drawing/2014/main" id="{F2D0A048-EDA3-FA1D-C707-DB4B852BEBEE}"/>
-              </a:ext>
-            </a:extLst>
-          </p:cNvPr>
-          <p:cNvPicPr>
-            <a:picLocks noChangeAspect="1"/>
-          </p:cNvPicPr>
-          <p:nvPr/>
-        </p:nvPicPr>
-        <p:blipFill>
-          <a:blip r:embed="rId3"/>
-          <a:stretch>
-            <a:fillRect/>
-          </a:stretch>
-        </p:blipFill>
-        <p:spPr>
-          <a:xfrm>
-            <a:off x="6213716" y="494696"/>
-            <a:ext cx="5941496" cy="5959891"/>
-          </a:xfrm>
-          <a:prstGeom prst="rect">
-            <a:avLst/>
-          </a:prstGeom>
-        </p:spPr>
-      </p:pic>
-      <p:sp>
-        <p:nvSpPr>
-          <p:cNvPr id="8" name="Title 1">
-            <a:extLst>
-              <a:ext uri="{FF2B5EF4-FFF2-40B4-BE49-F238E27FC236}">
-                <a16:creationId xmlns:a16="http://schemas.microsoft.com/office/drawing/2014/main" id="{7A6C8733-34D6-30BA-B85A-C9F97CA0C120}"/>
+                <a16:creationId xmlns:a16="http://schemas.microsoft.com/office/drawing/2014/main" id="{48BDDA02-5D37-DA16-4744-8ECE4782E128}"/>
               </a:ext>
             </a:extLst>
           </p:cNvPr>
@@ -16768,15 +16828,15 @@
         </p:nvSpPr>
         <p:spPr>
           <a:xfrm>
-            <a:off x="0" y="-62755"/>
-            <a:ext cx="5876925" cy="457203"/>
+            <a:off x="0" y="0"/>
+            <a:ext cx="12192000" cy="6858000"/>
           </a:xfrm>
           <a:prstGeom prst="rect">
             <a:avLst/>
           </a:prstGeom>
         </p:spPr>
         <p:txBody>
-          <a:bodyPr vert="horz" lIns="91440" tIns="45720" rIns="91440" bIns="45720" rtlCol="0" anchor="b">
+          <a:bodyPr vert="horz" lIns="91440" tIns="45720" rIns="91440" bIns="45720" rtlCol="0" anchor="ctr">
             <a:normAutofit/>
           </a:bodyPr>
           <a:lstStyle>
@@ -16800,70 +16860,21 @@
           </a:lstStyle>
           <a:p>
             <a:r>
-              <a:rPr lang="en-NZ" sz="2400" b="1" dirty="0"/>
-              <a:t>Limit Hyper Score range to 0-0.6</a:t>
+              <a:rPr lang="en-NZ" sz="4800" b="1" dirty="0"/>
+              <a:t>Repeat Imaging Visit Measure vs </a:t>
             </a:r>
-          </a:p>
-        </p:txBody>
-      </p:sp>
-      <p:sp>
-        <p:nvSpPr>
-          <p:cNvPr id="9" name="Title 1">
-            <a:extLst>
-              <a:ext uri="{FF2B5EF4-FFF2-40B4-BE49-F238E27FC236}">
-                <a16:creationId xmlns:a16="http://schemas.microsoft.com/office/drawing/2014/main" id="{2DF8CAE5-E03F-4B00-497F-42CA066ACC7F}"/>
-              </a:ext>
-            </a:extLst>
-          </p:cNvPr>
-          <p:cNvSpPr txBox="1">
-            <a:spLocks/>
-          </p:cNvSpPr>
-          <p:nvPr/>
-        </p:nvSpPr>
-        <p:spPr>
-          <a:xfrm>
-            <a:off x="6311452" y="-62755"/>
-            <a:ext cx="5876925" cy="457203"/>
-          </a:xfrm>
-          <a:prstGeom prst="rect">
-            <a:avLst/>
-          </a:prstGeom>
-        </p:spPr>
-        <p:txBody>
-          <a:bodyPr vert="horz" lIns="91440" tIns="45720" rIns="91440" bIns="45720" rtlCol="0" anchor="b">
-            <a:normAutofit/>
-          </a:bodyPr>
-          <a:lstStyle>
-            <a:lvl1pPr algn="ctr" defTabSz="914400" rtl="0" eaLnBrk="1" latinLnBrk="0" hangingPunct="1">
-              <a:lnSpc>
-                <a:spcPct val="90000"/>
-              </a:lnSpc>
-              <a:spcBef>
-                <a:spcPct val="0"/>
-              </a:spcBef>
-              <a:buNone/>
-              <a:defRPr sz="6000" kern="1200">
-                <a:solidFill>
-                  <a:schemeClr val="tx1"/>
-                </a:solidFill>
-                <a:latin typeface="+mj-lt"/>
-                <a:ea typeface="+mj-ea"/>
-                <a:cs typeface="+mj-cs"/>
-              </a:defRPr>
-            </a:lvl1pPr>
-          </a:lstStyle>
-          <a:p>
             <a:r>
-              <a:rPr lang="en-NZ" sz="2400" b="1" dirty="0"/>
-              <a:t>Limit Hyper Score range to 0-0.5</a:t>
+              <a:rPr lang="en-NZ" sz="4800" b="1"/>
+              <a:t>Hyper Score</a:t>
             </a:r>
+            <a:endParaRPr lang="en-NZ" sz="4800" b="1" dirty="0"/>
           </a:p>
         </p:txBody>
       </p:sp>
     </p:spTree>
     <p:extLst>
       <p:ext uri="{BB962C8B-B14F-4D97-AF65-F5344CB8AC3E}">
-        <p14:creationId xmlns:p14="http://schemas.microsoft.com/office/powerpoint/2010/main" val="894404234"/>
+        <p14:creationId xmlns:p14="http://schemas.microsoft.com/office/powerpoint/2010/main" val="66558581"/>
       </p:ext>
     </p:extLst>
   </p:cSld>
@@ -16892,10 +16903,10 @@
       </p:grpSpPr>
       <p:pic>
         <p:nvPicPr>
-          <p:cNvPr id="9" name="Picture 8">
+          <p:cNvPr id="3" name="Picture 2">
             <a:extLst>
               <a:ext uri="{FF2B5EF4-FFF2-40B4-BE49-F238E27FC236}">
-                <a16:creationId xmlns:a16="http://schemas.microsoft.com/office/drawing/2014/main" id="{7D2BD7A8-14DE-8822-DF80-9BD6C027420A}"/>
+                <a16:creationId xmlns:a16="http://schemas.microsoft.com/office/drawing/2014/main" id="{A4B0444C-B574-B2E3-B419-3DC5684A5984}"/>
               </a:ext>
             </a:extLst>
           </p:cNvPr>
@@ -16912,8 +16923,8 @@
         </p:blipFill>
         <p:spPr>
           <a:xfrm>
-            <a:off x="0" y="150437"/>
-            <a:ext cx="12192000" cy="6073031"/>
+            <a:off x="0" y="0"/>
+            <a:ext cx="4509977" cy="6858000"/>
           </a:xfrm>
           <a:prstGeom prst="rect">
             <a:avLst/>
@@ -16922,10 +16933,10 @@
       </p:pic>
       <p:sp>
         <p:nvSpPr>
-          <p:cNvPr id="10" name="Title 1">
+          <p:cNvPr id="4" name="Title 1">
             <a:extLst>
               <a:ext uri="{FF2B5EF4-FFF2-40B4-BE49-F238E27FC236}">
-                <a16:creationId xmlns:a16="http://schemas.microsoft.com/office/drawing/2014/main" id="{C3CAEE8D-4C7C-0FD5-65FC-3A8BFE531854}"/>
+                <a16:creationId xmlns:a16="http://schemas.microsoft.com/office/drawing/2014/main" id="{EF336E6A-11BD-060C-D978-2E5605FBEA65}"/>
               </a:ext>
             </a:extLst>
           </p:cNvPr>
@@ -16936,16 +16947,16 @@
         </p:nvSpPr>
         <p:spPr>
           <a:xfrm>
-            <a:off x="116541" y="6400797"/>
-            <a:ext cx="3827930" cy="457203"/>
+            <a:off x="4509977" y="0"/>
+            <a:ext cx="7544722" cy="6553200"/>
           </a:xfrm>
           <a:prstGeom prst="rect">
             <a:avLst/>
           </a:prstGeom>
         </p:spPr>
         <p:txBody>
-          <a:bodyPr vert="horz" lIns="91440" tIns="45720" rIns="91440" bIns="45720" rtlCol="0" anchor="b">
-            <a:normAutofit/>
+          <a:bodyPr vert="horz" lIns="91440" tIns="45720" rIns="91440" bIns="45720" rtlCol="0" anchor="t">
+            <a:noAutofit/>
           </a:bodyPr>
           <a:lstStyle>
             <a:lvl1pPr algn="ctr" defTabSz="914400" rtl="0" eaLnBrk="1" latinLnBrk="0" hangingPunct="1">
@@ -16967,472 +16978,247 @@
             </a:lvl1pPr>
           </a:lstStyle>
           <a:p>
-            <a:pPr algn="l"/>
+            <a:pPr marL="457200" indent="-457200" algn="l">
+              <a:lnSpc>
+                <a:spcPct val="100000"/>
+              </a:lnSpc>
+              <a:buFont typeface="Wingdings" panose="05000000000000000000" pitchFamily="2" charset="2"/>
+              <a:buChar char="§"/>
+            </a:pPr>
             <a:r>
-              <a:rPr lang="en-NZ" sz="2000" b="1" dirty="0"/>
-              <a:t>610 measurements</a:t>
+              <a:rPr lang="en-NZ" sz="2000" dirty="0">
+                <a:latin typeface="+mn-lt"/>
+              </a:rPr>
+              <a:t>Instance 2 = first imaging visit</a:t>
+            </a:r>
+          </a:p>
+          <a:p>
+            <a:pPr marL="457200" indent="-457200" algn="l">
+              <a:lnSpc>
+                <a:spcPct val="100000"/>
+              </a:lnSpc>
+              <a:buFont typeface="Wingdings" panose="05000000000000000000" pitchFamily="2" charset="2"/>
+              <a:buChar char="§"/>
+            </a:pPr>
+            <a:r>
+              <a:rPr lang="en-NZ" sz="2000" dirty="0">
+                <a:latin typeface="+mn-lt"/>
+              </a:rPr>
+              <a:t>Instance 3 = second imaging visit</a:t>
+            </a:r>
+            <a:br>
+              <a:rPr lang="en-NZ" sz="2000" dirty="0">
+                <a:latin typeface="+mn-lt"/>
+              </a:rPr>
+            </a:br>
+            <a:endParaRPr lang="en-NZ" sz="2000" dirty="0">
+              <a:latin typeface="+mn-lt"/>
+            </a:endParaRPr>
+          </a:p>
+          <a:p>
+            <a:pPr marL="457200" indent="-457200" algn="l">
+              <a:lnSpc>
+                <a:spcPct val="100000"/>
+              </a:lnSpc>
+              <a:buFont typeface="Wingdings" panose="05000000000000000000" pitchFamily="2" charset="2"/>
+              <a:buChar char="§"/>
+            </a:pPr>
+            <a:r>
+              <a:rPr lang="en-NZ" sz="2000" dirty="0">
+                <a:latin typeface="+mn-lt"/>
+              </a:rPr>
+              <a:t>Find Instance 3 version for all variables (after feature selection) used in </a:t>
+            </a:r>
+            <a:r>
+              <a:rPr lang="en-NZ" sz="2000" dirty="0" err="1">
+                <a:latin typeface="+mn-lt"/>
+              </a:rPr>
+              <a:t>cPCA</a:t>
+            </a:r>
+            <a:endParaRPr lang="en-NZ" sz="2000" dirty="0">
+              <a:latin typeface="+mn-lt"/>
+            </a:endParaRPr>
+          </a:p>
+          <a:p>
+            <a:pPr marL="457200" indent="-457200" algn="l">
+              <a:lnSpc>
+                <a:spcPct val="100000"/>
+              </a:lnSpc>
+              <a:buFont typeface="Wingdings" panose="05000000000000000000" pitchFamily="2" charset="2"/>
+              <a:buChar char="§"/>
+            </a:pPr>
+            <a:r>
+              <a:rPr lang="en-NZ" sz="2000" dirty="0">
+                <a:latin typeface="+mn-lt"/>
+              </a:rPr>
+              <a:t>If variable did not have instances (only 1 recording at instance 0), just re-use what was used previously</a:t>
+            </a:r>
+          </a:p>
+          <a:p>
+            <a:pPr marL="457200" indent="-457200" algn="l">
+              <a:lnSpc>
+                <a:spcPct val="100000"/>
+              </a:lnSpc>
+              <a:buFont typeface="Wingdings" panose="05000000000000000000" pitchFamily="2" charset="2"/>
+              <a:buChar char="§"/>
+            </a:pPr>
+            <a:r>
+              <a:rPr lang="en-NZ" sz="2000" dirty="0">
+                <a:latin typeface="+mn-lt"/>
+              </a:rPr>
+              <a:t>Generate the same “feature matrix” as used as the input to </a:t>
+            </a:r>
+            <a:r>
+              <a:rPr lang="en-NZ" sz="2000" dirty="0" err="1">
+                <a:latin typeface="+mn-lt"/>
+              </a:rPr>
+              <a:t>cPCA</a:t>
+            </a:r>
+            <a:r>
+              <a:rPr lang="en-NZ" sz="2000" dirty="0">
+                <a:latin typeface="+mn-lt"/>
+              </a:rPr>
+              <a:t>, same column order</a:t>
+            </a:r>
+            <a:br>
+              <a:rPr lang="en-NZ" sz="2000" dirty="0">
+                <a:latin typeface="+mn-lt"/>
+              </a:rPr>
+            </a:br>
+            <a:endParaRPr lang="en-NZ" sz="2000" dirty="0">
+              <a:latin typeface="+mn-lt"/>
+            </a:endParaRPr>
+          </a:p>
+          <a:p>
+            <a:pPr marL="457200" indent="-457200" algn="l">
+              <a:lnSpc>
+                <a:spcPct val="100000"/>
+              </a:lnSpc>
+              <a:buFont typeface="Wingdings" panose="05000000000000000000" pitchFamily="2" charset="2"/>
+              <a:buChar char="§"/>
+            </a:pPr>
+            <a:r>
+              <a:rPr lang="en-NZ" sz="2000" dirty="0">
+                <a:latin typeface="+mn-lt"/>
+              </a:rPr>
+              <a:t>New matrix has ~550 columns, ~500 of them were instance 3 values</a:t>
+            </a:r>
+          </a:p>
+          <a:p>
+            <a:pPr marL="457200" indent="-457200" algn="l">
+              <a:lnSpc>
+                <a:spcPct val="100000"/>
+              </a:lnSpc>
+              <a:buFont typeface="Wingdings" panose="05000000000000000000" pitchFamily="2" charset="2"/>
+              <a:buChar char="§"/>
+            </a:pPr>
+            <a:r>
+              <a:rPr lang="en-NZ" sz="2000" dirty="0">
+                <a:latin typeface="+mn-lt"/>
+              </a:rPr>
+              <a:t>New matrix has ~2300 rows as only a portion of patients performed repeat visit</a:t>
+            </a:r>
+            <a:br>
+              <a:rPr lang="en-NZ" sz="2000" dirty="0">
+                <a:latin typeface="+mn-lt"/>
+              </a:rPr>
+            </a:br>
+            <a:endParaRPr lang="en-NZ" sz="2000" dirty="0">
+              <a:latin typeface="+mn-lt"/>
+            </a:endParaRPr>
+          </a:p>
+          <a:p>
+            <a:pPr marL="457200" indent="-457200" algn="l">
+              <a:lnSpc>
+                <a:spcPct val="100000"/>
+              </a:lnSpc>
+              <a:buFont typeface="Wingdings" panose="05000000000000000000" pitchFamily="2" charset="2"/>
+              <a:buChar char="§"/>
+            </a:pPr>
+            <a:r>
+              <a:rPr lang="en-NZ" sz="2000" dirty="0">
+                <a:latin typeface="+mn-lt"/>
+              </a:rPr>
+              <a:t>Transform the new matrix into the </a:t>
+            </a:r>
+            <a:r>
+              <a:rPr lang="en-NZ" sz="2000" dirty="0" err="1">
+                <a:latin typeface="+mn-lt"/>
+              </a:rPr>
+              <a:t>cPC</a:t>
+            </a:r>
+            <a:r>
+              <a:rPr lang="en-NZ" sz="2000" dirty="0">
+                <a:latin typeface="+mn-lt"/>
+              </a:rPr>
+              <a:t> space using eigen matrix computed during </a:t>
+            </a:r>
+            <a:r>
+              <a:rPr lang="en-NZ" sz="2000" dirty="0" err="1">
+                <a:latin typeface="+mn-lt"/>
+              </a:rPr>
+              <a:t>cPCA</a:t>
+            </a:r>
+            <a:endParaRPr lang="en-NZ" sz="2000" dirty="0">
+              <a:latin typeface="+mn-lt"/>
+            </a:endParaRPr>
+          </a:p>
+          <a:p>
+            <a:pPr marL="457200" indent="-457200" algn="l">
+              <a:lnSpc>
+                <a:spcPct val="100000"/>
+              </a:lnSpc>
+              <a:buFont typeface="Wingdings" panose="05000000000000000000" pitchFamily="2" charset="2"/>
+              <a:buChar char="§"/>
+            </a:pPr>
+            <a:r>
+              <a:rPr lang="en-NZ" sz="2000" dirty="0">
+                <a:latin typeface="+mn-lt"/>
+              </a:rPr>
+              <a:t>Use K-Nearest Neighbour (K = 25) to match new </a:t>
+            </a:r>
+            <a:r>
+              <a:rPr lang="en-NZ" sz="2000" dirty="0" err="1">
+                <a:latin typeface="+mn-lt"/>
+              </a:rPr>
+              <a:t>cPC</a:t>
+            </a:r>
+            <a:r>
+              <a:rPr lang="en-NZ" sz="2000" dirty="0">
+                <a:latin typeface="+mn-lt"/>
+              </a:rPr>
+              <a:t> (instance 3) with original </a:t>
+            </a:r>
+            <a:r>
+              <a:rPr lang="en-NZ" sz="2000" dirty="0" err="1">
+                <a:latin typeface="+mn-lt"/>
+              </a:rPr>
+              <a:t>cPC</a:t>
+            </a:r>
+            <a:r>
+              <a:rPr lang="en-NZ" sz="2000" dirty="0">
+                <a:latin typeface="+mn-lt"/>
+              </a:rPr>
+              <a:t> (instance 2)</a:t>
+            </a:r>
+          </a:p>
+          <a:p>
+            <a:pPr marL="457200" indent="-457200" algn="l">
+              <a:lnSpc>
+                <a:spcPct val="100000"/>
+              </a:lnSpc>
+              <a:buFont typeface="Wingdings" panose="05000000000000000000" pitchFamily="2" charset="2"/>
+              <a:buChar char="§"/>
+            </a:pPr>
+            <a:r>
+              <a:rPr lang="en-NZ" sz="2000" dirty="0">
+                <a:latin typeface="+mn-lt"/>
+              </a:rPr>
+              <a:t>Average out the hyper scores (instance 2) of 25 nearest neighbours to get updated hyper score (instance 3)</a:t>
             </a:r>
           </a:p>
         </p:txBody>
       </p:sp>
-    </p:spTree>
-    <p:extLst>
-      <p:ext uri="{BB962C8B-B14F-4D97-AF65-F5344CB8AC3E}">
-        <p14:creationId xmlns:p14="http://schemas.microsoft.com/office/powerpoint/2010/main" val="70301993"/>
-      </p:ext>
-    </p:extLst>
-  </p:cSld>
-  <p:clrMapOvr>
-    <a:masterClrMapping/>
-  </p:clrMapOvr>
-</p:sld>
-</file>
-
-<file path=ppt/slides/slide23.xml><?xml version="1.0" encoding="utf-8"?>
-<p:sld xmlns:a="http://schemas.openxmlformats.org/drawingml/2006/main" xmlns:r="http://schemas.openxmlformats.org/officeDocument/2006/relationships" xmlns:p="http://schemas.openxmlformats.org/presentationml/2006/main">
-  <p:cSld>
-    <p:spTree>
-      <p:nvGrpSpPr>
-        <p:cNvPr id="1" name=""/>
-        <p:cNvGrpSpPr/>
-        <p:nvPr/>
-      </p:nvGrpSpPr>
-      <p:grpSpPr>
-        <a:xfrm>
-          <a:off x="0" y="0"/>
-          <a:ext cx="0" cy="0"/>
-          <a:chOff x="0" y="0"/>
-          <a:chExt cx="0" cy="0"/>
-        </a:xfrm>
-      </p:grpSpPr>
-      <p:pic>
-        <p:nvPicPr>
-          <p:cNvPr id="5" name="Picture 4">
-            <a:extLst>
-              <a:ext uri="{FF2B5EF4-FFF2-40B4-BE49-F238E27FC236}">
-                <a16:creationId xmlns:a16="http://schemas.microsoft.com/office/drawing/2014/main" id="{6E0CBF26-D35E-C456-579F-0E1A6F46166C}"/>
-              </a:ext>
-            </a:extLst>
-          </p:cNvPr>
-          <p:cNvPicPr>
-            <a:picLocks noChangeAspect="1"/>
-          </p:cNvPicPr>
-          <p:nvPr/>
-        </p:nvPicPr>
-        <p:blipFill>
-          <a:blip r:embed="rId2"/>
-          <a:stretch>
-            <a:fillRect/>
-          </a:stretch>
-        </p:blipFill>
-        <p:spPr>
-          <a:xfrm>
-            <a:off x="0" y="695326"/>
-            <a:ext cx="5873597" cy="5828554"/>
-          </a:xfrm>
-          <a:prstGeom prst="rect">
-            <a:avLst/>
-          </a:prstGeom>
-        </p:spPr>
-      </p:pic>
-      <p:sp>
-        <p:nvSpPr>
-          <p:cNvPr id="6" name="Title 1">
-            <a:extLst>
-              <a:ext uri="{FF2B5EF4-FFF2-40B4-BE49-F238E27FC236}">
-                <a16:creationId xmlns:a16="http://schemas.microsoft.com/office/drawing/2014/main" id="{4303E238-705D-9368-F2CD-BAA14F979936}"/>
-              </a:ext>
-            </a:extLst>
-          </p:cNvPr>
-          <p:cNvSpPr txBox="1">
-            <a:spLocks/>
-          </p:cNvSpPr>
-          <p:nvPr/>
-        </p:nvSpPr>
-        <p:spPr>
-          <a:xfrm>
-            <a:off x="0" y="179292"/>
-            <a:ext cx="5876925" cy="457203"/>
-          </a:xfrm>
-          <a:prstGeom prst="rect">
-            <a:avLst/>
-          </a:prstGeom>
-        </p:spPr>
-        <p:txBody>
-          <a:bodyPr vert="horz" lIns="91440" tIns="45720" rIns="91440" bIns="45720" rtlCol="0" anchor="b">
-            <a:normAutofit/>
-          </a:bodyPr>
-          <a:lstStyle>
-            <a:lvl1pPr algn="ctr" defTabSz="914400" rtl="0" eaLnBrk="1" latinLnBrk="0" hangingPunct="1">
-              <a:lnSpc>
-                <a:spcPct val="90000"/>
-              </a:lnSpc>
-              <a:spcBef>
-                <a:spcPct val="0"/>
-              </a:spcBef>
-              <a:buNone/>
-              <a:defRPr sz="6000" kern="1200">
-                <a:solidFill>
-                  <a:schemeClr val="tx1"/>
-                </a:solidFill>
-                <a:latin typeface="+mj-lt"/>
-                <a:ea typeface="+mj-ea"/>
-                <a:cs typeface="+mj-cs"/>
-              </a:defRPr>
-            </a:lvl1pPr>
-          </a:lstStyle>
-          <a:p>
-            <a:r>
-              <a:rPr lang="en-NZ" sz="2400" b="1" dirty="0"/>
-              <a:t>Limit Hyper Score range to 0-0.6</a:t>
-            </a:r>
-          </a:p>
-        </p:txBody>
-      </p:sp>
-      <p:sp>
-        <p:nvSpPr>
-          <p:cNvPr id="7" name="Title 1">
-            <a:extLst>
-              <a:ext uri="{FF2B5EF4-FFF2-40B4-BE49-F238E27FC236}">
-                <a16:creationId xmlns:a16="http://schemas.microsoft.com/office/drawing/2014/main" id="{21BFBFF7-2DB5-D2F9-073A-00C640C510D9}"/>
-              </a:ext>
-            </a:extLst>
-          </p:cNvPr>
-          <p:cNvSpPr txBox="1">
-            <a:spLocks/>
-          </p:cNvSpPr>
-          <p:nvPr/>
-        </p:nvSpPr>
-        <p:spPr>
-          <a:xfrm>
-            <a:off x="6311452" y="179292"/>
-            <a:ext cx="5876925" cy="457203"/>
-          </a:xfrm>
-          <a:prstGeom prst="rect">
-            <a:avLst/>
-          </a:prstGeom>
-        </p:spPr>
-        <p:txBody>
-          <a:bodyPr vert="horz" lIns="91440" tIns="45720" rIns="91440" bIns="45720" rtlCol="0" anchor="b">
-            <a:normAutofit/>
-          </a:bodyPr>
-          <a:lstStyle>
-            <a:lvl1pPr algn="ctr" defTabSz="914400" rtl="0" eaLnBrk="1" latinLnBrk="0" hangingPunct="1">
-              <a:lnSpc>
-                <a:spcPct val="90000"/>
-              </a:lnSpc>
-              <a:spcBef>
-                <a:spcPct val="0"/>
-              </a:spcBef>
-              <a:buNone/>
-              <a:defRPr sz="6000" kern="1200">
-                <a:solidFill>
-                  <a:schemeClr val="tx1"/>
-                </a:solidFill>
-                <a:latin typeface="+mj-lt"/>
-                <a:ea typeface="+mj-ea"/>
-                <a:cs typeface="+mj-cs"/>
-              </a:defRPr>
-            </a:lvl1pPr>
-          </a:lstStyle>
-          <a:p>
-            <a:r>
-              <a:rPr lang="en-NZ" sz="2400" b="1" dirty="0"/>
-              <a:t>Limit Hyper Score range to 0-0.5</a:t>
-            </a:r>
-          </a:p>
-        </p:txBody>
-      </p:sp>
-      <p:pic>
-        <p:nvPicPr>
-          <p:cNvPr id="9" name="Picture 8">
-            <a:extLst>
-              <a:ext uri="{FF2B5EF4-FFF2-40B4-BE49-F238E27FC236}">
-                <a16:creationId xmlns:a16="http://schemas.microsoft.com/office/drawing/2014/main" id="{EDF18D84-A0DB-B4C3-D272-68A87D8A0675}"/>
-              </a:ext>
-            </a:extLst>
-          </p:cNvPr>
-          <p:cNvPicPr>
-            <a:picLocks noChangeAspect="1"/>
-          </p:cNvPicPr>
-          <p:nvPr/>
-        </p:nvPicPr>
-        <p:blipFill>
-          <a:blip r:embed="rId3"/>
-          <a:stretch>
-            <a:fillRect/>
-          </a:stretch>
-        </p:blipFill>
-        <p:spPr>
-          <a:xfrm>
-            <a:off x="6210300" y="695325"/>
-            <a:ext cx="5981700" cy="5945666"/>
-          </a:xfrm>
-          <a:prstGeom prst="rect">
-            <a:avLst/>
-          </a:prstGeom>
-        </p:spPr>
-      </p:pic>
-    </p:spTree>
-    <p:extLst>
-      <p:ext uri="{BB962C8B-B14F-4D97-AF65-F5344CB8AC3E}">
-        <p14:creationId xmlns:p14="http://schemas.microsoft.com/office/powerpoint/2010/main" val="286186238"/>
-      </p:ext>
-    </p:extLst>
-  </p:cSld>
-  <p:clrMapOvr>
-    <a:masterClrMapping/>
-  </p:clrMapOvr>
-</p:sld>
-</file>
-
-<file path=ppt/slides/slide24.xml><?xml version="1.0" encoding="utf-8"?>
-<p:sld xmlns:a="http://schemas.openxmlformats.org/drawingml/2006/main" xmlns:r="http://schemas.openxmlformats.org/officeDocument/2006/relationships" xmlns:p="http://schemas.openxmlformats.org/presentationml/2006/main">
-  <p:cSld>
-    <p:spTree>
-      <p:nvGrpSpPr>
-        <p:cNvPr id="1" name=""/>
-        <p:cNvGrpSpPr/>
-        <p:nvPr/>
-      </p:nvGrpSpPr>
-      <p:grpSpPr>
-        <a:xfrm>
-          <a:off x="0" y="0"/>
-          <a:ext cx="0" cy="0"/>
-          <a:chOff x="0" y="0"/>
-          <a:chExt cx="0" cy="0"/>
-        </a:xfrm>
-      </p:grpSpPr>
-      <p:pic>
-        <p:nvPicPr>
-          <p:cNvPr id="5" name="Picture 4">
-            <a:extLst>
-              <a:ext uri="{FF2B5EF4-FFF2-40B4-BE49-F238E27FC236}">
-                <a16:creationId xmlns:a16="http://schemas.microsoft.com/office/drawing/2014/main" id="{3E2FDC9E-1A18-385C-E5FC-74CD34E459D6}"/>
-              </a:ext>
-            </a:extLst>
-          </p:cNvPr>
-          <p:cNvPicPr>
-            <a:picLocks noChangeAspect="1"/>
-          </p:cNvPicPr>
-          <p:nvPr/>
-        </p:nvPicPr>
-        <p:blipFill>
-          <a:blip r:embed="rId2"/>
-          <a:stretch>
-            <a:fillRect/>
-          </a:stretch>
-        </p:blipFill>
-        <p:spPr>
-          <a:xfrm>
-            <a:off x="0" y="145854"/>
-            <a:ext cx="12192000" cy="6082198"/>
-          </a:xfrm>
-          <a:prstGeom prst="rect">
-            <a:avLst/>
-          </a:prstGeom>
-        </p:spPr>
-      </p:pic>
-      <p:sp>
-        <p:nvSpPr>
-          <p:cNvPr id="6" name="Title 1">
-            <a:extLst>
-              <a:ext uri="{FF2B5EF4-FFF2-40B4-BE49-F238E27FC236}">
-                <a16:creationId xmlns:a16="http://schemas.microsoft.com/office/drawing/2014/main" id="{90CF9770-D223-A47C-B7F9-37654584C09F}"/>
-              </a:ext>
-            </a:extLst>
-          </p:cNvPr>
-          <p:cNvSpPr txBox="1">
-            <a:spLocks/>
-          </p:cNvSpPr>
-          <p:nvPr/>
-        </p:nvSpPr>
-        <p:spPr>
-          <a:xfrm>
-            <a:off x="116541" y="6400797"/>
-            <a:ext cx="3827930" cy="457203"/>
-          </a:xfrm>
-          <a:prstGeom prst="rect">
-            <a:avLst/>
-          </a:prstGeom>
-        </p:spPr>
-        <p:txBody>
-          <a:bodyPr vert="horz" lIns="91440" tIns="45720" rIns="91440" bIns="45720" rtlCol="0" anchor="b">
-            <a:normAutofit/>
-          </a:bodyPr>
-          <a:lstStyle>
-            <a:lvl1pPr algn="ctr" defTabSz="914400" rtl="0" eaLnBrk="1" latinLnBrk="0" hangingPunct="1">
-              <a:lnSpc>
-                <a:spcPct val="90000"/>
-              </a:lnSpc>
-              <a:spcBef>
-                <a:spcPct val="0"/>
-              </a:spcBef>
-              <a:buNone/>
-              <a:defRPr sz="6000" kern="1200">
-                <a:solidFill>
-                  <a:schemeClr val="tx1"/>
-                </a:solidFill>
-                <a:latin typeface="+mj-lt"/>
-                <a:ea typeface="+mj-ea"/>
-                <a:cs typeface="+mj-cs"/>
-              </a:defRPr>
-            </a:lvl1pPr>
-          </a:lstStyle>
-          <a:p>
-            <a:pPr algn="l"/>
-            <a:r>
-              <a:rPr lang="en-NZ" sz="2000" b="1" dirty="0"/>
-              <a:t>2447 measurements</a:t>
-            </a:r>
-          </a:p>
-        </p:txBody>
-      </p:sp>
-    </p:spTree>
-    <p:extLst>
-      <p:ext uri="{BB962C8B-B14F-4D97-AF65-F5344CB8AC3E}">
-        <p14:creationId xmlns:p14="http://schemas.microsoft.com/office/powerpoint/2010/main" val="2890954449"/>
-      </p:ext>
-    </p:extLst>
-  </p:cSld>
-  <p:clrMapOvr>
-    <a:masterClrMapping/>
-  </p:clrMapOvr>
-</p:sld>
-</file>
-
-<file path=ppt/slides/slide25.xml><?xml version="1.0" encoding="utf-8"?>
-<p:sld xmlns:a="http://schemas.openxmlformats.org/drawingml/2006/main" xmlns:r="http://schemas.openxmlformats.org/officeDocument/2006/relationships" xmlns:p="http://schemas.openxmlformats.org/presentationml/2006/main">
-  <p:cSld>
-    <p:spTree>
-      <p:nvGrpSpPr>
-        <p:cNvPr id="1" name=""/>
-        <p:cNvGrpSpPr/>
-        <p:nvPr/>
-      </p:nvGrpSpPr>
-      <p:grpSpPr>
-        <a:xfrm>
-          <a:off x="0" y="0"/>
-          <a:ext cx="0" cy="0"/>
-          <a:chOff x="0" y="0"/>
-          <a:chExt cx="0" cy="0"/>
-        </a:xfrm>
-      </p:grpSpPr>
-      <p:pic>
-        <p:nvPicPr>
-          <p:cNvPr id="3" name="Picture 2">
-            <a:extLst>
-              <a:ext uri="{FF2B5EF4-FFF2-40B4-BE49-F238E27FC236}">
-                <a16:creationId xmlns:a16="http://schemas.microsoft.com/office/drawing/2014/main" id="{35E58E87-4129-4681-D5E6-038E94891EA6}"/>
-              </a:ext>
-            </a:extLst>
-          </p:cNvPr>
-          <p:cNvPicPr>
-            <a:picLocks noChangeAspect="1"/>
-          </p:cNvPicPr>
-          <p:nvPr/>
-        </p:nvPicPr>
-        <p:blipFill>
-          <a:blip r:embed="rId2"/>
-          <a:stretch>
-            <a:fillRect/>
-          </a:stretch>
-        </p:blipFill>
-        <p:spPr>
-          <a:xfrm>
-            <a:off x="0" y="401672"/>
-            <a:ext cx="12192000" cy="6054656"/>
-          </a:xfrm>
-          <a:prstGeom prst="rect">
-            <a:avLst/>
-          </a:prstGeom>
-        </p:spPr>
-      </p:pic>
-      <p:sp>
-        <p:nvSpPr>
-          <p:cNvPr id="4" name="Title 1">
-            <a:extLst>
-              <a:ext uri="{FF2B5EF4-FFF2-40B4-BE49-F238E27FC236}">
-                <a16:creationId xmlns:a16="http://schemas.microsoft.com/office/drawing/2014/main" id="{5FB983BD-982F-CA30-FDD1-680215710280}"/>
-              </a:ext>
-            </a:extLst>
-          </p:cNvPr>
-          <p:cNvSpPr txBox="1">
-            <a:spLocks/>
-          </p:cNvSpPr>
-          <p:nvPr/>
-        </p:nvSpPr>
-        <p:spPr>
-          <a:xfrm>
-            <a:off x="116541" y="6400797"/>
-            <a:ext cx="3827930" cy="457203"/>
-          </a:xfrm>
-          <a:prstGeom prst="rect">
-            <a:avLst/>
-          </a:prstGeom>
-        </p:spPr>
-        <p:txBody>
-          <a:bodyPr vert="horz" lIns="91440" tIns="45720" rIns="91440" bIns="45720" rtlCol="0" anchor="b">
-            <a:normAutofit/>
-          </a:bodyPr>
-          <a:lstStyle>
-            <a:lvl1pPr algn="ctr" defTabSz="914400" rtl="0" eaLnBrk="1" latinLnBrk="0" hangingPunct="1">
-              <a:lnSpc>
-                <a:spcPct val="90000"/>
-              </a:lnSpc>
-              <a:spcBef>
-                <a:spcPct val="0"/>
-              </a:spcBef>
-              <a:buNone/>
-              <a:defRPr sz="6000" kern="1200">
-                <a:solidFill>
-                  <a:schemeClr val="tx1"/>
-                </a:solidFill>
-                <a:latin typeface="+mj-lt"/>
-                <a:ea typeface="+mj-ea"/>
-                <a:cs typeface="+mj-cs"/>
-              </a:defRPr>
-            </a:lvl1pPr>
-          </a:lstStyle>
-          <a:p>
-            <a:pPr algn="l"/>
-            <a:r>
-              <a:rPr lang="en-NZ" sz="2000" b="1" dirty="0"/>
-              <a:t>2669 measurements</a:t>
-            </a:r>
-          </a:p>
-        </p:txBody>
-      </p:sp>
-    </p:spTree>
-    <p:extLst>
-      <p:ext uri="{BB962C8B-B14F-4D97-AF65-F5344CB8AC3E}">
-        <p14:creationId xmlns:p14="http://schemas.microsoft.com/office/powerpoint/2010/main" val="3626909285"/>
-      </p:ext>
-    </p:extLst>
-  </p:cSld>
-  <p:clrMapOvr>
-    <a:masterClrMapping/>
-  </p:clrMapOvr>
-</p:sld>
-</file>
-
-<file path=ppt/slides/slide26.xml><?xml version="1.0" encoding="utf-8"?>
-<p:sld xmlns:a="http://schemas.openxmlformats.org/drawingml/2006/main" xmlns:r="http://schemas.openxmlformats.org/officeDocument/2006/relationships" xmlns:p="http://schemas.openxmlformats.org/presentationml/2006/main">
-  <p:cSld>
-    <p:spTree>
-      <p:nvGrpSpPr>
-        <p:cNvPr id="1" name=""/>
-        <p:cNvGrpSpPr/>
-        <p:nvPr/>
-      </p:nvGrpSpPr>
-      <p:grpSpPr>
-        <a:xfrm>
-          <a:off x="0" y="0"/>
-          <a:ext cx="0" cy="0"/>
-          <a:chOff x="0" y="0"/>
-          <a:chExt cx="0" cy="0"/>
-        </a:xfrm>
-      </p:grpSpPr>
     </p:spTree>
     <p:extLst>
       <p:ext uri="{BB962C8B-B14F-4D97-AF65-F5344CB8AC3E}">
@@ -17446,7 +17232,7 @@
 </p:sld>
 </file>
 
-<file path=ppt/slides/slide27.xml><?xml version="1.0" encoding="utf-8"?>
+<file path=ppt/slides/slide23.xml><?xml version="1.0" encoding="utf-8"?>
 <p:sld xmlns:a="http://schemas.openxmlformats.org/drawingml/2006/main" xmlns:r="http://schemas.openxmlformats.org/officeDocument/2006/relationships" xmlns:p="http://schemas.openxmlformats.org/presentationml/2006/main">
   <p:cSld>
     <p:spTree>
@@ -18652,7 +18438,7 @@
           <p:cNvPr id="4" name="Picture 3">
             <a:extLst>
               <a:ext uri="{FF2B5EF4-FFF2-40B4-BE49-F238E27FC236}">
-                <a16:creationId xmlns:a16="http://schemas.microsoft.com/office/drawing/2014/main" id="{FAEECF93-BE50-4E76-BE96-52F636803F11}"/>
+                <a16:creationId xmlns:a16="http://schemas.microsoft.com/office/drawing/2014/main" id="{38127154-A687-0752-41B4-4E4C0F80DAA3}"/>
               </a:ext>
             </a:extLst>
           </p:cNvPr>
@@ -18669,92 +18455,8 @@
         </p:blipFill>
         <p:spPr>
           <a:xfrm>
-            <a:off x="0" y="0"/>
-            <a:ext cx="2689860" cy="2732331"/>
-          </a:xfrm>
-          <a:prstGeom prst="rect">
-            <a:avLst/>
-          </a:prstGeom>
-        </p:spPr>
-      </p:pic>
-      <p:sp>
-        <p:nvSpPr>
-          <p:cNvPr id="5" name="Title 1">
-            <a:extLst>
-              <a:ext uri="{FF2B5EF4-FFF2-40B4-BE49-F238E27FC236}">
-                <a16:creationId xmlns:a16="http://schemas.microsoft.com/office/drawing/2014/main" id="{F555BC56-2E57-6626-A2EC-BDA22BF34400}"/>
-              </a:ext>
-            </a:extLst>
-          </p:cNvPr>
-          <p:cNvSpPr txBox="1">
-            <a:spLocks/>
-          </p:cNvSpPr>
-          <p:nvPr/>
-        </p:nvSpPr>
-        <p:spPr>
-          <a:xfrm>
-            <a:off x="4709159" y="735552"/>
-            <a:ext cx="6803129" cy="457203"/>
-          </a:xfrm>
-          <a:prstGeom prst="rect">
-            <a:avLst/>
-          </a:prstGeom>
-        </p:spPr>
-        <p:txBody>
-          <a:bodyPr vert="horz" lIns="91440" tIns="45720" rIns="91440" bIns="45720" rtlCol="0" anchor="b">
-            <a:normAutofit fontScale="92500" lnSpcReduction="20000"/>
-          </a:bodyPr>
-          <a:lstStyle>
-            <a:lvl1pPr algn="ctr" defTabSz="914400" rtl="0" eaLnBrk="1" latinLnBrk="0" hangingPunct="1">
-              <a:lnSpc>
-                <a:spcPct val="90000"/>
-              </a:lnSpc>
-              <a:spcBef>
-                <a:spcPct val="0"/>
-              </a:spcBef>
-              <a:buNone/>
-              <a:defRPr sz="6000" kern="1200">
-                <a:solidFill>
-                  <a:schemeClr val="tx1"/>
-                </a:solidFill>
-                <a:latin typeface="+mj-lt"/>
-                <a:ea typeface="+mj-ea"/>
-                <a:cs typeface="+mj-cs"/>
-              </a:defRPr>
-            </a:lvl1pPr>
-          </a:lstStyle>
-          <a:p>
-            <a:r>
-              <a:rPr lang="en-NZ" sz="3200" b="1" dirty="0"/>
-              <a:t>LV Stroke Volume</a:t>
-            </a:r>
-          </a:p>
-        </p:txBody>
-      </p:sp>
-      <p:pic>
-        <p:nvPicPr>
-          <p:cNvPr id="7" name="Picture 6">
-            <a:extLst>
-              <a:ext uri="{FF2B5EF4-FFF2-40B4-BE49-F238E27FC236}">
-                <a16:creationId xmlns:a16="http://schemas.microsoft.com/office/drawing/2014/main" id="{083F0054-29CC-8C1F-7A06-09672FDCCFC7}"/>
-              </a:ext>
-            </a:extLst>
-          </p:cNvPr>
-          <p:cNvPicPr>
-            <a:picLocks noChangeAspect="1"/>
-          </p:cNvPicPr>
-          <p:nvPr/>
-        </p:nvPicPr>
-        <p:blipFill>
-          <a:blip r:embed="rId3"/>
-          <a:stretch>
-            <a:fillRect/>
-          </a:stretch>
-        </p:blipFill>
-        <p:spPr>
-          <a:xfrm>
-            <a:off x="0" y="2811834"/>
-            <a:ext cx="12192000" cy="4046166"/>
+            <a:off x="2677056" y="0"/>
+            <a:ext cx="6837888" cy="6858000"/>
           </a:xfrm>
           <a:prstGeom prst="rect">
             <a:avLst/>
@@ -18764,7 +18466,7 @@
     </p:spTree>
     <p:extLst>
       <p:ext uri="{BB962C8B-B14F-4D97-AF65-F5344CB8AC3E}">
-        <p14:creationId xmlns:p14="http://schemas.microsoft.com/office/powerpoint/2010/main" val="1055090564"/>
+        <p14:creationId xmlns:p14="http://schemas.microsoft.com/office/powerpoint/2010/main" val="1187583025"/>
       </p:ext>
     </p:extLst>
   </p:cSld>

--- a/resources/job_results2.pptx
+++ b/resources/job_results2.pptx
@@ -5,7 +5,7 @@
     <p:sldMasterId id="2147483648" r:id="rId1"/>
   </p:sldMasterIdLst>
   <p:notesMasterIdLst>
-    <p:notesMasterId r:id="rId25"/>
+    <p:notesMasterId r:id="rId28"/>
   </p:notesMasterIdLst>
   <p:sldIdLst>
     <p:sldId id="510" r:id="rId2"/>
@@ -31,6 +31,9 @@
     <p:sldId id="531" r:id="rId22"/>
     <p:sldId id="526" r:id="rId23"/>
     <p:sldId id="556" r:id="rId24"/>
+    <p:sldId id="559" r:id="rId25"/>
+    <p:sldId id="560" r:id="rId26"/>
+    <p:sldId id="561" r:id="rId27"/>
   </p:sldIdLst>
   <p:sldSz cx="12192000" cy="6858000"/>
   <p:notesSz cx="6858000" cy="9144000"/>
@@ -2757,7 +2760,7 @@
   <pc:docChgLst>
     <pc:chgData name="zhaohan" userId="95e304e8ede71739" providerId="LiveId" clId="{6F4793E2-BFDC-471C-9F01-BB7EFE32CA5F}"/>
     <pc:docChg chg="undo custSel addSld delSld modSld sldOrd">
-      <pc:chgData name="zhaohan" userId="95e304e8ede71739" providerId="LiveId" clId="{6F4793E2-BFDC-471C-9F01-BB7EFE32CA5F}" dt="2023-01-09T22:22:19.780" v="2192" actId="1076"/>
+      <pc:chgData name="zhaohan" userId="95e304e8ede71739" providerId="LiveId" clId="{6F4793E2-BFDC-471C-9F01-BB7EFE32CA5F}" dt="2023-01-10T00:25:11.691" v="2290" actId="22"/>
       <pc:docMkLst>
         <pc:docMk/>
       </pc:docMkLst>
@@ -3938,22 +3941,22 @@
           <pc:sldMk cId="3406896528" sldId="517"/>
         </pc:sldMkLst>
       </pc:sldChg>
-      <pc:sldChg chg="addSp modSp mod">
-        <pc:chgData name="zhaohan" userId="95e304e8ede71739" providerId="LiveId" clId="{6F4793E2-BFDC-471C-9F01-BB7EFE32CA5F}" dt="2023-01-09T22:22:19.780" v="2192" actId="1076"/>
+      <pc:sldChg chg="addSp delSp modSp mod">
+        <pc:chgData name="zhaohan" userId="95e304e8ede71739" providerId="LiveId" clId="{6F4793E2-BFDC-471C-9F01-BB7EFE32CA5F}" dt="2023-01-09T22:39:54.109" v="2277" actId="113"/>
         <pc:sldMkLst>
           <pc:docMk/>
           <pc:sldMk cId="3082692664" sldId="526"/>
         </pc:sldMkLst>
         <pc:spChg chg="add mod">
-          <ac:chgData name="zhaohan" userId="95e304e8ede71739" providerId="LiveId" clId="{6F4793E2-BFDC-471C-9F01-BB7EFE32CA5F}" dt="2023-01-09T22:22:19.780" v="2192" actId="1076"/>
+          <ac:chgData name="zhaohan" userId="95e304e8ede71739" providerId="LiveId" clId="{6F4793E2-BFDC-471C-9F01-BB7EFE32CA5F}" dt="2023-01-09T22:39:54.109" v="2277" actId="113"/>
           <ac:spMkLst>
             <pc:docMk/>
             <pc:sldMk cId="3082692664" sldId="526"/>
             <ac:spMk id="4" creationId="{EF336E6A-11BD-060C-D978-2E5605FBEA65}"/>
           </ac:spMkLst>
         </pc:spChg>
-        <pc:picChg chg="add mod">
-          <ac:chgData name="zhaohan" userId="95e304e8ede71739" providerId="LiveId" clId="{6F4793E2-BFDC-471C-9F01-BB7EFE32CA5F}" dt="2023-01-09T22:18:16.622" v="1363" actId="1076"/>
+        <pc:picChg chg="add del mod">
+          <ac:chgData name="zhaohan" userId="95e304e8ede71739" providerId="LiveId" clId="{6F4793E2-BFDC-471C-9F01-BB7EFE32CA5F}" dt="2023-01-09T22:39:23.699" v="2269" actId="21"/>
           <ac:picMkLst>
             <pc:docMk/>
             <pc:sldMk cId="3082692664" sldId="526"/>
@@ -4715,12 +4718,44 @@
           <pc:sldMk cId="1568944927" sldId="555"/>
         </pc:sldMkLst>
       </pc:sldChg>
-      <pc:sldChg chg="add">
-        <pc:chgData name="zhaohan" userId="95e304e8ede71739" providerId="LiveId" clId="{6F4793E2-BFDC-471C-9F01-BB7EFE32CA5F}" dt="2022-12-28T00:35:38.254" v="812"/>
+      <pc:sldChg chg="addSp delSp modSp add mod">
+        <pc:chgData name="zhaohan" userId="95e304e8ede71739" providerId="LiveId" clId="{6F4793E2-BFDC-471C-9F01-BB7EFE32CA5F}" dt="2023-01-09T23:04:21.906" v="2287" actId="1076"/>
         <pc:sldMkLst>
           <pc:docMk/>
           <pc:sldMk cId="1421719640" sldId="556"/>
         </pc:sldMkLst>
+        <pc:picChg chg="add del">
+          <ac:chgData name="zhaohan" userId="95e304e8ede71739" providerId="LiveId" clId="{6F4793E2-BFDC-471C-9F01-BB7EFE32CA5F}" dt="2023-01-09T22:56:33.880" v="2278" actId="478"/>
+          <ac:picMkLst>
+            <pc:docMk/>
+            <pc:sldMk cId="1421719640" sldId="556"/>
+            <ac:picMk id="3" creationId="{BCA00A48-E3F8-03EB-4CB9-5D6D62F84050}"/>
+          </ac:picMkLst>
+        </pc:picChg>
+        <pc:picChg chg="add del">
+          <ac:chgData name="zhaohan" userId="95e304e8ede71739" providerId="LiveId" clId="{6F4793E2-BFDC-471C-9F01-BB7EFE32CA5F}" dt="2023-01-09T22:59:00.217" v="2280" actId="478"/>
+          <ac:picMkLst>
+            <pc:docMk/>
+            <pc:sldMk cId="1421719640" sldId="556"/>
+            <ac:picMk id="5" creationId="{5EF58D08-2702-FBAE-6CF9-48481482A22E}"/>
+          </ac:picMkLst>
+        </pc:picChg>
+        <pc:picChg chg="add del">
+          <ac:chgData name="zhaohan" userId="95e304e8ede71739" providerId="LiveId" clId="{6F4793E2-BFDC-471C-9F01-BB7EFE32CA5F}" dt="2023-01-09T23:04:13.887" v="2282" actId="478"/>
+          <ac:picMkLst>
+            <pc:docMk/>
+            <pc:sldMk cId="1421719640" sldId="556"/>
+            <ac:picMk id="7" creationId="{F0F441F7-FE8D-279B-CC6F-0AA35D48514D}"/>
+          </ac:picMkLst>
+        </pc:picChg>
+        <pc:picChg chg="add mod">
+          <ac:chgData name="zhaohan" userId="95e304e8ede71739" providerId="LiveId" clId="{6F4793E2-BFDC-471C-9F01-BB7EFE32CA5F}" dt="2023-01-09T23:04:21.906" v="2287" actId="1076"/>
+          <ac:picMkLst>
+            <pc:docMk/>
+            <pc:sldMk cId="1421719640" sldId="556"/>
+            <ac:picMk id="9" creationId="{2D235675-773B-6606-65FE-972FC5C73F96}"/>
+          </ac:picMkLst>
+        </pc:picChg>
       </pc:sldChg>
       <pc:sldChg chg="add del">
         <pc:chgData name="zhaohan" userId="95e304e8ede71739" providerId="LiveId" clId="{6F4793E2-BFDC-471C-9F01-BB7EFE32CA5F}" dt="2023-01-09T22:14:08.058" v="1016"/>
@@ -4797,6 +4832,35 @@
             <ac:spMk id="4" creationId="{B172AABC-EF90-6556-4689-D1C8D135A113}"/>
           </ac:spMkLst>
         </pc:spChg>
+      </pc:sldChg>
+      <pc:sldChg chg="addSp add mod">
+        <pc:chgData name="zhaohan" userId="95e304e8ede71739" providerId="LiveId" clId="{6F4793E2-BFDC-471C-9F01-BB7EFE32CA5F}" dt="2023-01-10T00:25:11.691" v="2290" actId="22"/>
+        <pc:sldMkLst>
+          <pc:docMk/>
+          <pc:sldMk cId="3891675111" sldId="559"/>
+        </pc:sldMkLst>
+        <pc:picChg chg="add">
+          <ac:chgData name="zhaohan" userId="95e304e8ede71739" providerId="LiveId" clId="{6F4793E2-BFDC-471C-9F01-BB7EFE32CA5F}" dt="2023-01-10T00:25:11.691" v="2290" actId="22"/>
+          <ac:picMkLst>
+            <pc:docMk/>
+            <pc:sldMk cId="3891675111" sldId="559"/>
+            <ac:picMk id="3" creationId="{AA3027F9-8672-BBD8-3C4E-86F355DDD4C3}"/>
+          </ac:picMkLst>
+        </pc:picChg>
+      </pc:sldChg>
+      <pc:sldChg chg="add">
+        <pc:chgData name="zhaohan" userId="95e304e8ede71739" providerId="LiveId" clId="{6F4793E2-BFDC-471C-9F01-BB7EFE32CA5F}" dt="2023-01-09T23:04:26.797" v="2288"/>
+        <pc:sldMkLst>
+          <pc:docMk/>
+          <pc:sldMk cId="837905858" sldId="560"/>
+        </pc:sldMkLst>
+      </pc:sldChg>
+      <pc:sldChg chg="add">
+        <pc:chgData name="zhaohan" userId="95e304e8ede71739" providerId="LiveId" clId="{6F4793E2-BFDC-471C-9F01-BB7EFE32CA5F}" dt="2023-01-09T23:04:26.969" v="2289"/>
+        <pc:sldMkLst>
+          <pc:docMk/>
+          <pc:sldMk cId="466674496" sldId="561"/>
+        </pc:sldMkLst>
       </pc:sldChg>
     </pc:docChg>
   </pc:docChgLst>
@@ -16901,36 +16965,6 @@
           <a:chExt cx="0" cy="0"/>
         </a:xfrm>
       </p:grpSpPr>
-      <p:pic>
-        <p:nvPicPr>
-          <p:cNvPr id="3" name="Picture 2">
-            <a:extLst>
-              <a:ext uri="{FF2B5EF4-FFF2-40B4-BE49-F238E27FC236}">
-                <a16:creationId xmlns:a16="http://schemas.microsoft.com/office/drawing/2014/main" id="{A4B0444C-B574-B2E3-B419-3DC5684A5984}"/>
-              </a:ext>
-            </a:extLst>
-          </p:cNvPr>
-          <p:cNvPicPr>
-            <a:picLocks noChangeAspect="1"/>
-          </p:cNvPicPr>
-          <p:nvPr/>
-        </p:nvPicPr>
-        <p:blipFill>
-          <a:blip r:embed="rId2"/>
-          <a:stretch>
-            <a:fillRect/>
-          </a:stretch>
-        </p:blipFill>
-        <p:spPr>
-          <a:xfrm>
-            <a:off x="0" y="0"/>
-            <a:ext cx="4509977" cy="6858000"/>
-          </a:xfrm>
-          <a:prstGeom prst="rect">
-            <a:avLst/>
-          </a:prstGeom>
-        </p:spPr>
-      </p:pic>
       <p:sp>
         <p:nvSpPr>
           <p:cNvPr id="4" name="Title 1">
@@ -16947,8 +16981,8 @@
         </p:nvSpPr>
         <p:spPr>
           <a:xfrm>
-            <a:off x="4509977" y="0"/>
-            <a:ext cx="7544722" cy="6553200"/>
+            <a:off x="162780" y="286870"/>
+            <a:ext cx="11866439" cy="6284259"/>
           </a:xfrm>
           <a:prstGeom prst="rect">
             <a:avLst/>
@@ -16986,7 +17020,10 @@
               <a:buChar char="§"/>
             </a:pPr>
             <a:r>
-              <a:rPr lang="en-NZ" sz="2000" dirty="0">
+              <a:rPr lang="en-NZ" sz="2400" b="1" dirty="0">
+                <a:solidFill>
+                  <a:srgbClr val="FF0000"/>
+                </a:solidFill>
                 <a:latin typeface="+mn-lt"/>
               </a:rPr>
               <a:t>Instance 2 = first imaging visit</a:t>
@@ -17001,17 +17038,20 @@
               <a:buChar char="§"/>
             </a:pPr>
             <a:r>
-              <a:rPr lang="en-NZ" sz="2000" dirty="0">
+              <a:rPr lang="en-NZ" sz="2400" b="1" dirty="0">
+                <a:solidFill>
+                  <a:srgbClr val="00B0F0"/>
+                </a:solidFill>
                 <a:latin typeface="+mn-lt"/>
               </a:rPr>
               <a:t>Instance 3 = second imaging visit</a:t>
             </a:r>
             <a:br>
-              <a:rPr lang="en-NZ" sz="2000" dirty="0">
+              <a:rPr lang="en-NZ" sz="2400" dirty="0">
                 <a:latin typeface="+mn-lt"/>
               </a:rPr>
             </a:br>
-            <a:endParaRPr lang="en-NZ" sz="2000" dirty="0">
+            <a:endParaRPr lang="en-NZ" sz="2400" dirty="0">
               <a:latin typeface="+mn-lt"/>
             </a:endParaRPr>
           </a:p>
@@ -17024,18 +17064,18 @@
               <a:buChar char="§"/>
             </a:pPr>
             <a:r>
-              <a:rPr lang="en-NZ" sz="2000" dirty="0">
+              <a:rPr lang="en-NZ" sz="2400" dirty="0">
                 <a:latin typeface="+mn-lt"/>
               </a:rPr>
               <a:t>Find Instance 3 version for all variables (after feature selection) used in </a:t>
             </a:r>
             <a:r>
-              <a:rPr lang="en-NZ" sz="2000" dirty="0" err="1">
+              <a:rPr lang="en-NZ" sz="2400" dirty="0" err="1">
                 <a:latin typeface="+mn-lt"/>
               </a:rPr>
               <a:t>cPCA</a:t>
             </a:r>
-            <a:endParaRPr lang="en-NZ" sz="2000" dirty="0">
+            <a:endParaRPr lang="en-NZ" sz="2400" dirty="0">
               <a:latin typeface="+mn-lt"/>
             </a:endParaRPr>
           </a:p>
@@ -17048,7 +17088,7 @@
               <a:buChar char="§"/>
             </a:pPr>
             <a:r>
-              <a:rPr lang="en-NZ" sz="2000" dirty="0">
+              <a:rPr lang="en-NZ" sz="2400" dirty="0">
                 <a:latin typeface="+mn-lt"/>
               </a:rPr>
               <a:t>If variable did not have instances (only 1 recording at instance 0), just re-use what was used previously</a:t>
@@ -17063,29 +17103,29 @@
               <a:buChar char="§"/>
             </a:pPr>
             <a:r>
-              <a:rPr lang="en-NZ" sz="2000" dirty="0">
+              <a:rPr lang="en-NZ" sz="2400" dirty="0">
                 <a:latin typeface="+mn-lt"/>
               </a:rPr>
               <a:t>Generate the same “feature matrix” as used as the input to </a:t>
             </a:r>
             <a:r>
-              <a:rPr lang="en-NZ" sz="2000" dirty="0" err="1">
+              <a:rPr lang="en-NZ" sz="2400" dirty="0" err="1">
                 <a:latin typeface="+mn-lt"/>
               </a:rPr>
               <a:t>cPCA</a:t>
             </a:r>
             <a:r>
-              <a:rPr lang="en-NZ" sz="2000" dirty="0">
+              <a:rPr lang="en-NZ" sz="2400" dirty="0">
                 <a:latin typeface="+mn-lt"/>
               </a:rPr>
-              <a:t>, same column order</a:t>
+              <a:t>, same order of column, subset of rows from first</a:t>
             </a:r>
             <a:br>
-              <a:rPr lang="en-NZ" sz="2000" dirty="0">
+              <a:rPr lang="en-NZ" sz="2400" dirty="0">
                 <a:latin typeface="+mn-lt"/>
               </a:rPr>
             </a:br>
-            <a:endParaRPr lang="en-NZ" sz="2000" dirty="0">
+            <a:endParaRPr lang="en-NZ" sz="2400" dirty="0">
               <a:latin typeface="+mn-lt"/>
             </a:endParaRPr>
           </a:p>
@@ -17098,10 +17138,22 @@
               <a:buChar char="§"/>
             </a:pPr>
             <a:r>
-              <a:rPr lang="en-NZ" sz="2000" dirty="0">
+              <a:rPr lang="en-NZ" sz="2400" dirty="0">
                 <a:latin typeface="+mn-lt"/>
               </a:rPr>
-              <a:t>New matrix has ~550 columns, ~500 of them were instance 3 values</a:t>
+              <a:t>New matrix has</a:t>
+            </a:r>
+            <a:r>
+              <a:rPr lang="en-NZ" sz="2400" b="1" dirty="0">
+                <a:latin typeface="+mn-lt"/>
+              </a:rPr>
+              <a:t> ~550 </a:t>
+            </a:r>
+            <a:r>
+              <a:rPr lang="en-NZ" sz="2400" dirty="0">
+                <a:latin typeface="+mn-lt"/>
+              </a:rPr>
+              <a:t>columns, ~500 of them were new instance 3 values</a:t>
             </a:r>
           </a:p>
           <a:p>
@@ -17113,17 +17165,29 @@
               <a:buChar char="§"/>
             </a:pPr>
             <a:r>
-              <a:rPr lang="en-NZ" sz="2000" dirty="0">
+              <a:rPr lang="en-NZ" sz="2400" dirty="0">
                 <a:latin typeface="+mn-lt"/>
               </a:rPr>
-              <a:t>New matrix has ~2300 rows as only a portion of patients performed repeat visit</a:t>
+              <a:t>New matrix has </a:t>
+            </a:r>
+            <a:r>
+              <a:rPr lang="en-NZ" sz="2400" b="1" dirty="0">
+                <a:latin typeface="+mn-lt"/>
+              </a:rPr>
+              <a:t>~2300 </a:t>
+            </a:r>
+            <a:r>
+              <a:rPr lang="en-NZ" sz="2400" dirty="0">
+                <a:latin typeface="+mn-lt"/>
+              </a:rPr>
+              <a:t>rows as only a portion of patients performed repeat visit</a:t>
             </a:r>
             <a:br>
-              <a:rPr lang="en-NZ" sz="2000" dirty="0">
+              <a:rPr lang="en-NZ" sz="2400" dirty="0">
                 <a:latin typeface="+mn-lt"/>
               </a:rPr>
             </a:br>
-            <a:endParaRPr lang="en-NZ" sz="2000" dirty="0">
+            <a:endParaRPr lang="en-NZ" sz="2400" dirty="0">
               <a:latin typeface="+mn-lt"/>
             </a:endParaRPr>
           </a:p>
@@ -17136,30 +17200,30 @@
               <a:buChar char="§"/>
             </a:pPr>
             <a:r>
-              <a:rPr lang="en-NZ" sz="2000" dirty="0">
+              <a:rPr lang="en-NZ" sz="2400" dirty="0">
                 <a:latin typeface="+mn-lt"/>
               </a:rPr>
               <a:t>Transform the new matrix into the </a:t>
             </a:r>
             <a:r>
-              <a:rPr lang="en-NZ" sz="2000" dirty="0" err="1">
+              <a:rPr lang="en-NZ" sz="2400" dirty="0" err="1">
                 <a:latin typeface="+mn-lt"/>
               </a:rPr>
               <a:t>cPC</a:t>
             </a:r>
             <a:r>
-              <a:rPr lang="en-NZ" sz="2000" dirty="0">
+              <a:rPr lang="en-NZ" sz="2400" dirty="0">
                 <a:latin typeface="+mn-lt"/>
               </a:rPr>
               <a:t> space using eigen matrix computed during </a:t>
             </a:r>
             <a:r>
-              <a:rPr lang="en-NZ" sz="2000" dirty="0" err="1">
+              <a:rPr lang="en-NZ" sz="2400" dirty="0" err="1">
                 <a:latin typeface="+mn-lt"/>
               </a:rPr>
               <a:t>cPCA</a:t>
             </a:r>
-            <a:endParaRPr lang="en-NZ" sz="2000" dirty="0">
+            <a:endParaRPr lang="en-NZ" sz="2400" dirty="0">
               <a:latin typeface="+mn-lt"/>
             </a:endParaRPr>
           </a:p>
@@ -17172,31 +17236,43 @@
               <a:buChar char="§"/>
             </a:pPr>
             <a:r>
-              <a:rPr lang="en-NZ" sz="2000" dirty="0">
+              <a:rPr lang="en-NZ" sz="2400" dirty="0">
                 <a:latin typeface="+mn-lt"/>
               </a:rPr>
-              <a:t>Use K-Nearest Neighbour (K = 25) to match new </a:t>
+              <a:t>Use K-Nearest Neighbour (</a:t>
             </a:r>
             <a:r>
-              <a:rPr lang="en-NZ" sz="2000" dirty="0" err="1">
+              <a:rPr lang="en-NZ" sz="2400" b="1" dirty="0">
+                <a:latin typeface="+mn-lt"/>
+              </a:rPr>
+              <a:t>K = 25</a:t>
+            </a:r>
+            <a:r>
+              <a:rPr lang="en-NZ" sz="2400" dirty="0">
+                <a:latin typeface="+mn-lt"/>
+              </a:rPr>
+              <a:t>) to match new </a:t>
+            </a:r>
+            <a:r>
+              <a:rPr lang="en-NZ" sz="2400" dirty="0" err="1">
                 <a:latin typeface="+mn-lt"/>
               </a:rPr>
               <a:t>cPC</a:t>
             </a:r>
             <a:r>
-              <a:rPr lang="en-NZ" sz="2000" dirty="0">
+              <a:rPr lang="en-NZ" sz="2400" dirty="0">
                 <a:latin typeface="+mn-lt"/>
               </a:rPr>
               <a:t> (instance 3) with original </a:t>
             </a:r>
             <a:r>
-              <a:rPr lang="en-NZ" sz="2000" dirty="0" err="1">
+              <a:rPr lang="en-NZ" sz="2400" dirty="0" err="1">
                 <a:latin typeface="+mn-lt"/>
               </a:rPr>
               <a:t>cPC</a:t>
             </a:r>
             <a:r>
-              <a:rPr lang="en-NZ" sz="2000" dirty="0">
+              <a:rPr lang="en-NZ" sz="2400" dirty="0">
                 <a:latin typeface="+mn-lt"/>
               </a:rPr>
               <a:t> (instance 2)</a:t>
@@ -17211,7 +17287,7 @@
               <a:buChar char="§"/>
             </a:pPr>
             <a:r>
-              <a:rPr lang="en-NZ" sz="2000" dirty="0">
+              <a:rPr lang="en-NZ" sz="2400" dirty="0">
                 <a:latin typeface="+mn-lt"/>
               </a:rPr>
               <a:t>Average out the hyper scores (instance 2) of 25 nearest neighbours to get updated hyper score (instance 3)</a:t>
@@ -17249,10 +17325,160 @@
           <a:chExt cx="0" cy="0"/>
         </a:xfrm>
       </p:grpSpPr>
+      <p:pic>
+        <p:nvPicPr>
+          <p:cNvPr id="9" name="Picture 8">
+            <a:extLst>
+              <a:ext uri="{FF2B5EF4-FFF2-40B4-BE49-F238E27FC236}">
+                <a16:creationId xmlns:a16="http://schemas.microsoft.com/office/drawing/2014/main" id="{2D235675-773B-6606-65FE-972FC5C73F96}"/>
+              </a:ext>
+            </a:extLst>
+          </p:cNvPr>
+          <p:cNvPicPr>
+            <a:picLocks noChangeAspect="1"/>
+          </p:cNvPicPr>
+          <p:nvPr/>
+        </p:nvPicPr>
+        <p:blipFill>
+          <a:blip r:embed="rId2"/>
+          <a:stretch>
+            <a:fillRect/>
+          </a:stretch>
+        </p:blipFill>
+        <p:spPr>
+          <a:xfrm>
+            <a:off x="538162" y="85860"/>
+            <a:ext cx="11115675" cy="6686279"/>
+          </a:xfrm>
+          <a:prstGeom prst="rect">
+            <a:avLst/>
+          </a:prstGeom>
+        </p:spPr>
+      </p:pic>
     </p:spTree>
     <p:extLst>
       <p:ext uri="{BB962C8B-B14F-4D97-AF65-F5344CB8AC3E}">
         <p14:creationId xmlns:p14="http://schemas.microsoft.com/office/powerpoint/2010/main" val="1421719640"/>
+      </p:ext>
+    </p:extLst>
+  </p:cSld>
+  <p:clrMapOvr>
+    <a:masterClrMapping/>
+  </p:clrMapOvr>
+</p:sld>
+</file>
+
+<file path=ppt/slides/slide24.xml><?xml version="1.0" encoding="utf-8"?>
+<p:sld xmlns:a="http://schemas.openxmlformats.org/drawingml/2006/main" xmlns:r="http://schemas.openxmlformats.org/officeDocument/2006/relationships" xmlns:p="http://schemas.openxmlformats.org/presentationml/2006/main">
+  <p:cSld>
+    <p:spTree>
+      <p:nvGrpSpPr>
+        <p:cNvPr id="1" name=""/>
+        <p:cNvGrpSpPr/>
+        <p:nvPr/>
+      </p:nvGrpSpPr>
+      <p:grpSpPr>
+        <a:xfrm>
+          <a:off x="0" y="0"/>
+          <a:ext cx="0" cy="0"/>
+          <a:chOff x="0" y="0"/>
+          <a:chExt cx="0" cy="0"/>
+        </a:xfrm>
+      </p:grpSpPr>
+      <p:pic>
+        <p:nvPicPr>
+          <p:cNvPr id="3" name="Picture 2">
+            <a:extLst>
+              <a:ext uri="{FF2B5EF4-FFF2-40B4-BE49-F238E27FC236}">
+                <a16:creationId xmlns:a16="http://schemas.microsoft.com/office/drawing/2014/main" id="{AA3027F9-8672-BBD8-3C4E-86F355DDD4C3}"/>
+              </a:ext>
+            </a:extLst>
+          </p:cNvPr>
+          <p:cNvPicPr>
+            <a:picLocks noChangeAspect="1"/>
+          </p:cNvPicPr>
+          <p:nvPr/>
+        </p:nvPicPr>
+        <p:blipFill>
+          <a:blip r:embed="rId2"/>
+          <a:stretch>
+            <a:fillRect/>
+          </a:stretch>
+        </p:blipFill>
+        <p:spPr>
+          <a:xfrm>
+            <a:off x="581025" y="504825"/>
+            <a:ext cx="11029950" cy="5848350"/>
+          </a:xfrm>
+          <a:prstGeom prst="rect">
+            <a:avLst/>
+          </a:prstGeom>
+        </p:spPr>
+      </p:pic>
+    </p:spTree>
+    <p:extLst>
+      <p:ext uri="{BB962C8B-B14F-4D97-AF65-F5344CB8AC3E}">
+        <p14:creationId xmlns:p14="http://schemas.microsoft.com/office/powerpoint/2010/main" val="3891675111"/>
+      </p:ext>
+    </p:extLst>
+  </p:cSld>
+  <p:clrMapOvr>
+    <a:masterClrMapping/>
+  </p:clrMapOvr>
+</p:sld>
+</file>
+
+<file path=ppt/slides/slide25.xml><?xml version="1.0" encoding="utf-8"?>
+<p:sld xmlns:a="http://schemas.openxmlformats.org/drawingml/2006/main" xmlns:r="http://schemas.openxmlformats.org/officeDocument/2006/relationships" xmlns:p="http://schemas.openxmlformats.org/presentationml/2006/main">
+  <p:cSld>
+    <p:spTree>
+      <p:nvGrpSpPr>
+        <p:cNvPr id="1" name=""/>
+        <p:cNvGrpSpPr/>
+        <p:nvPr/>
+      </p:nvGrpSpPr>
+      <p:grpSpPr>
+        <a:xfrm>
+          <a:off x="0" y="0"/>
+          <a:ext cx="0" cy="0"/>
+          <a:chOff x="0" y="0"/>
+          <a:chExt cx="0" cy="0"/>
+        </a:xfrm>
+      </p:grpSpPr>
+    </p:spTree>
+    <p:extLst>
+      <p:ext uri="{BB962C8B-B14F-4D97-AF65-F5344CB8AC3E}">
+        <p14:creationId xmlns:p14="http://schemas.microsoft.com/office/powerpoint/2010/main" val="837905858"/>
+      </p:ext>
+    </p:extLst>
+  </p:cSld>
+  <p:clrMapOvr>
+    <a:masterClrMapping/>
+  </p:clrMapOvr>
+</p:sld>
+</file>
+
+<file path=ppt/slides/slide26.xml><?xml version="1.0" encoding="utf-8"?>
+<p:sld xmlns:a="http://schemas.openxmlformats.org/drawingml/2006/main" xmlns:r="http://schemas.openxmlformats.org/officeDocument/2006/relationships" xmlns:p="http://schemas.openxmlformats.org/presentationml/2006/main">
+  <p:cSld>
+    <p:spTree>
+      <p:nvGrpSpPr>
+        <p:cNvPr id="1" name=""/>
+        <p:cNvGrpSpPr/>
+        <p:nvPr/>
+      </p:nvGrpSpPr>
+      <p:grpSpPr>
+        <a:xfrm>
+          <a:off x="0" y="0"/>
+          <a:ext cx="0" cy="0"/>
+          <a:chOff x="0" y="0"/>
+          <a:chExt cx="0" cy="0"/>
+        </a:xfrm>
+      </p:grpSpPr>
+    </p:spTree>
+    <p:extLst>
+      <p:ext uri="{BB962C8B-B14F-4D97-AF65-F5344CB8AC3E}">
+        <p14:creationId xmlns:p14="http://schemas.microsoft.com/office/powerpoint/2010/main" val="466674496"/>
       </p:ext>
     </p:extLst>
   </p:cSld>
